--- a/相关资料/界面设计(第一版）.pptx
+++ b/相关资料/界面设计(第一版）.pptx
@@ -15,7 +15,9 @@
     <p:sldId id="263" r:id="rId9"/>
     <p:sldId id="264" r:id="rId10"/>
     <p:sldId id="265" r:id="rId11"/>
-    <p:sldId id="266" r:id="rId12"/>
+    <p:sldId id="267" r:id="rId12"/>
+    <p:sldId id="268" r:id="rId13"/>
+    <p:sldId id="266" r:id="rId14"/>
   </p:sldIdLst>
   <p:sldSz cx="12192000" cy="6858000"/>
   <p:notesSz cx="6858000" cy="9144000"/>
@@ -271,7 +273,7 @@
           <a:p>
             <a:fld id="{27EDA817-AC6A-45E5-8108-B653F59FC803}" type="datetimeFigureOut">
               <a:rPr lang="zh-CN" altLang="en-US" smtClean="0"/>
-              <a:t>2023/3/2</a:t>
+              <a:t>2023/3/9</a:t>
             </a:fld>
             <a:endParaRPr lang="zh-CN" altLang="en-US"/>
           </a:p>
@@ -471,7 +473,7 @@
           <a:p>
             <a:fld id="{27EDA817-AC6A-45E5-8108-B653F59FC803}" type="datetimeFigureOut">
               <a:rPr lang="zh-CN" altLang="en-US" smtClean="0"/>
-              <a:t>2023/3/2</a:t>
+              <a:t>2023/3/9</a:t>
             </a:fld>
             <a:endParaRPr lang="zh-CN" altLang="en-US"/>
           </a:p>
@@ -681,7 +683,7 @@
           <a:p>
             <a:fld id="{27EDA817-AC6A-45E5-8108-B653F59FC803}" type="datetimeFigureOut">
               <a:rPr lang="zh-CN" altLang="en-US" smtClean="0"/>
-              <a:t>2023/3/2</a:t>
+              <a:t>2023/3/9</a:t>
             </a:fld>
             <a:endParaRPr lang="zh-CN" altLang="en-US"/>
           </a:p>
@@ -881,7 +883,7 @@
           <a:p>
             <a:fld id="{27EDA817-AC6A-45E5-8108-B653F59FC803}" type="datetimeFigureOut">
               <a:rPr lang="zh-CN" altLang="en-US" smtClean="0"/>
-              <a:t>2023/3/2</a:t>
+              <a:t>2023/3/9</a:t>
             </a:fld>
             <a:endParaRPr lang="zh-CN" altLang="en-US"/>
           </a:p>
@@ -1157,7 +1159,7 @@
           <a:p>
             <a:fld id="{27EDA817-AC6A-45E5-8108-B653F59FC803}" type="datetimeFigureOut">
               <a:rPr lang="zh-CN" altLang="en-US" smtClean="0"/>
-              <a:t>2023/3/2</a:t>
+              <a:t>2023/3/9</a:t>
             </a:fld>
             <a:endParaRPr lang="zh-CN" altLang="en-US"/>
           </a:p>
@@ -1425,7 +1427,7 @@
           <a:p>
             <a:fld id="{27EDA817-AC6A-45E5-8108-B653F59FC803}" type="datetimeFigureOut">
               <a:rPr lang="zh-CN" altLang="en-US" smtClean="0"/>
-              <a:t>2023/3/2</a:t>
+              <a:t>2023/3/9</a:t>
             </a:fld>
             <a:endParaRPr lang="zh-CN" altLang="en-US"/>
           </a:p>
@@ -1840,7 +1842,7 @@
           <a:p>
             <a:fld id="{27EDA817-AC6A-45E5-8108-B653F59FC803}" type="datetimeFigureOut">
               <a:rPr lang="zh-CN" altLang="en-US" smtClean="0"/>
-              <a:t>2023/3/2</a:t>
+              <a:t>2023/3/9</a:t>
             </a:fld>
             <a:endParaRPr lang="zh-CN" altLang="en-US"/>
           </a:p>
@@ -1982,7 +1984,7 @@
           <a:p>
             <a:fld id="{27EDA817-AC6A-45E5-8108-B653F59FC803}" type="datetimeFigureOut">
               <a:rPr lang="zh-CN" altLang="en-US" smtClean="0"/>
-              <a:t>2023/3/2</a:t>
+              <a:t>2023/3/9</a:t>
             </a:fld>
             <a:endParaRPr lang="zh-CN" altLang="en-US"/>
           </a:p>
@@ -2095,7 +2097,7 @@
           <a:p>
             <a:fld id="{27EDA817-AC6A-45E5-8108-B653F59FC803}" type="datetimeFigureOut">
               <a:rPr lang="zh-CN" altLang="en-US" smtClean="0"/>
-              <a:t>2023/3/2</a:t>
+              <a:t>2023/3/9</a:t>
             </a:fld>
             <a:endParaRPr lang="zh-CN" altLang="en-US"/>
           </a:p>
@@ -2408,7 +2410,7 @@
           <a:p>
             <a:fld id="{27EDA817-AC6A-45E5-8108-B653F59FC803}" type="datetimeFigureOut">
               <a:rPr lang="zh-CN" altLang="en-US" smtClean="0"/>
-              <a:t>2023/3/2</a:t>
+              <a:t>2023/3/9</a:t>
             </a:fld>
             <a:endParaRPr lang="zh-CN" altLang="en-US"/>
           </a:p>
@@ -2697,7 +2699,7 @@
           <a:p>
             <a:fld id="{27EDA817-AC6A-45E5-8108-B653F59FC803}" type="datetimeFigureOut">
               <a:rPr lang="zh-CN" altLang="en-US" smtClean="0"/>
-              <a:t>2023/3/2</a:t>
+              <a:t>2023/3/9</a:t>
             </a:fld>
             <a:endParaRPr lang="zh-CN" altLang="en-US"/>
           </a:p>
@@ -2940,7 +2942,7 @@
           <a:p>
             <a:fld id="{27EDA817-AC6A-45E5-8108-B653F59FC803}" type="datetimeFigureOut">
               <a:rPr lang="zh-CN" altLang="en-US" smtClean="0"/>
-              <a:t>2023/3/2</a:t>
+              <a:t>2023/3/9</a:t>
             </a:fld>
             <a:endParaRPr lang="zh-CN" altLang="en-US"/>
           </a:p>
@@ -3804,6 +3806,145 @@
           </a:p>
         </p:txBody>
       </p:sp>
+      <p:sp>
+        <p:nvSpPr>
+          <p:cNvPr id="3" name="Isosceles Triangle 2">
+            <a:extLst>
+              <a:ext uri="{FF2B5EF4-FFF2-40B4-BE49-F238E27FC236}">
+                <a16:creationId xmlns:a16="http://schemas.microsoft.com/office/drawing/2014/main" id="{5A2C96AB-F17D-9BD3-0E1E-3DADB144808C}"/>
+              </a:ext>
+            </a:extLst>
+          </p:cNvPr>
+          <p:cNvSpPr/>
+          <p:nvPr/>
+        </p:nvSpPr>
+        <p:spPr>
+          <a:xfrm>
+            <a:off x="4983567" y="2308884"/>
+            <a:ext cx="1627019" cy="347097"/>
+          </a:xfrm>
+          <a:prstGeom prst="triangle">
+            <a:avLst/>
+          </a:prstGeom>
+          <a:noFill/>
+          <a:ln>
+            <a:solidFill>
+              <a:schemeClr val="accent1"/>
+            </a:solidFill>
+          </a:ln>
+        </p:spPr>
+        <p:style>
+          <a:lnRef idx="2">
+            <a:schemeClr val="accent1">
+              <a:shade val="50000"/>
+            </a:schemeClr>
+          </a:lnRef>
+          <a:fillRef idx="1">
+            <a:schemeClr val="accent1"/>
+          </a:fillRef>
+          <a:effectRef idx="0">
+            <a:schemeClr val="accent1"/>
+          </a:effectRef>
+          <a:fontRef idx="minor">
+            <a:schemeClr val="lt1"/>
+          </a:fontRef>
+        </p:style>
+        <p:txBody>
+          <a:bodyPr rtlCol="0" anchor="ctr"/>
+          <a:lstStyle/>
+          <a:p>
+            <a:pPr algn="ctr"/>
+            <a:endParaRPr lang="zh-CN" altLang="en-US"/>
+          </a:p>
+        </p:txBody>
+      </p:sp>
+      <p:sp>
+        <p:nvSpPr>
+          <p:cNvPr id="10" name="Rectangle 9">
+            <a:extLst>
+              <a:ext uri="{FF2B5EF4-FFF2-40B4-BE49-F238E27FC236}">
+                <a16:creationId xmlns:a16="http://schemas.microsoft.com/office/drawing/2014/main" id="{6AA36DA3-D5E0-BF76-17C6-C3EC18962EE5}"/>
+              </a:ext>
+            </a:extLst>
+          </p:cNvPr>
+          <p:cNvSpPr/>
+          <p:nvPr/>
+        </p:nvSpPr>
+        <p:spPr>
+          <a:xfrm>
+            <a:off x="5321011" y="2659302"/>
+            <a:ext cx="952132" cy="608240"/>
+          </a:xfrm>
+          <a:prstGeom prst="rect">
+            <a:avLst/>
+          </a:prstGeom>
+          <a:noFill/>
+          <a:ln>
+            <a:solidFill>
+              <a:schemeClr val="accent1"/>
+            </a:solidFill>
+          </a:ln>
+        </p:spPr>
+        <p:style>
+          <a:lnRef idx="2">
+            <a:schemeClr val="accent1">
+              <a:shade val="50000"/>
+            </a:schemeClr>
+          </a:lnRef>
+          <a:fillRef idx="1">
+            <a:schemeClr val="accent1"/>
+          </a:fillRef>
+          <a:effectRef idx="0">
+            <a:schemeClr val="accent1"/>
+          </a:effectRef>
+          <a:fontRef idx="minor">
+            <a:schemeClr val="lt1"/>
+          </a:fontRef>
+        </p:style>
+        <p:txBody>
+          <a:bodyPr rtlCol="0" anchor="ctr"/>
+          <a:lstStyle/>
+          <a:p>
+            <a:pPr algn="ctr"/>
+            <a:endParaRPr lang="zh-CN" altLang="en-US"/>
+          </a:p>
+        </p:txBody>
+      </p:sp>
+      <p:sp>
+        <p:nvSpPr>
+          <p:cNvPr id="15" name="TextBox 14">
+            <a:extLst>
+              <a:ext uri="{FF2B5EF4-FFF2-40B4-BE49-F238E27FC236}">
+                <a16:creationId xmlns:a16="http://schemas.microsoft.com/office/drawing/2014/main" id="{C432FD1D-C784-B3C4-0EAE-AC8B762F0541}"/>
+              </a:ext>
+            </a:extLst>
+          </p:cNvPr>
+          <p:cNvSpPr txBox="1"/>
+          <p:nvPr/>
+        </p:nvSpPr>
+        <p:spPr>
+          <a:xfrm>
+            <a:off x="5256201" y="2799343"/>
+            <a:ext cx="1406769" cy="369332"/>
+          </a:xfrm>
+          <a:prstGeom prst="rect">
+            <a:avLst/>
+          </a:prstGeom>
+          <a:noFill/>
+        </p:spPr>
+        <p:txBody>
+          <a:bodyPr wrap="square" rtlCol="0">
+            <a:spAutoFit/>
+          </a:bodyPr>
+          <a:lstStyle/>
+          <a:p>
+            <a:r>
+              <a:rPr lang="zh-CN" altLang="en-US" dirty="0"/>
+              <a:t>仓储管理</a:t>
+            </a:r>
+          </a:p>
+        </p:txBody>
+      </p:sp>
     </p:spTree>
     <p:extLst>
       <p:ext uri="{BB962C8B-B14F-4D97-AF65-F5344CB8AC3E}">
@@ -8556,6 +8697,9112 @@
 </file>
 
 <file path=ppt/slides/slide11.xml><?xml version="1.0" encoding="utf-8"?>
+<p:sld xmlns:a="http://schemas.openxmlformats.org/drawingml/2006/main" xmlns:r="http://schemas.openxmlformats.org/officeDocument/2006/relationships" xmlns:p="http://schemas.openxmlformats.org/presentationml/2006/main">
+  <p:cSld>
+    <p:spTree>
+      <p:nvGrpSpPr>
+        <p:cNvPr id="1" name=""/>
+        <p:cNvGrpSpPr/>
+        <p:nvPr/>
+      </p:nvGrpSpPr>
+      <p:grpSpPr>
+        <a:xfrm>
+          <a:off x="0" y="0"/>
+          <a:ext cx="0" cy="0"/>
+          <a:chOff x="0" y="0"/>
+          <a:chExt cx="0" cy="0"/>
+        </a:xfrm>
+      </p:grpSpPr>
+      <p:sp>
+        <p:nvSpPr>
+          <p:cNvPr id="4" name="TextBox 3">
+            <a:extLst>
+              <a:ext uri="{FF2B5EF4-FFF2-40B4-BE49-F238E27FC236}">
+                <a16:creationId xmlns:a16="http://schemas.microsoft.com/office/drawing/2014/main" id="{25B32D73-3EF3-37A7-8019-39DD306CB2C2}"/>
+              </a:ext>
+            </a:extLst>
+          </p:cNvPr>
+          <p:cNvSpPr txBox="1"/>
+          <p:nvPr/>
+        </p:nvSpPr>
+        <p:spPr>
+          <a:xfrm>
+            <a:off x="428425" y="230199"/>
+            <a:ext cx="1688474" cy="369332"/>
+          </a:xfrm>
+          <a:prstGeom prst="rect">
+            <a:avLst/>
+          </a:prstGeom>
+          <a:noFill/>
+        </p:spPr>
+        <p:txBody>
+          <a:bodyPr wrap="square" rtlCol="0">
+            <a:spAutoFit/>
+          </a:bodyPr>
+          <a:lstStyle/>
+          <a:p>
+            <a:r>
+              <a:rPr lang="zh-CN" altLang="en-US" dirty="0"/>
+              <a:t>仓储管理页（</a:t>
+            </a:r>
+            <a:r>
+              <a:rPr lang="en-US" altLang="zh-CN" dirty="0"/>
+              <a:t>1</a:t>
+            </a:r>
+            <a:r>
+              <a:rPr lang="zh-CN" altLang="en-US" dirty="0"/>
+              <a:t>）</a:t>
+            </a:r>
+          </a:p>
+        </p:txBody>
+      </p:sp>
+      <p:sp>
+        <p:nvSpPr>
+          <p:cNvPr id="5" name="Rectangle 4">
+            <a:extLst>
+              <a:ext uri="{FF2B5EF4-FFF2-40B4-BE49-F238E27FC236}">
+                <a16:creationId xmlns:a16="http://schemas.microsoft.com/office/drawing/2014/main" id="{13B65C2B-3536-20C6-FE93-55C5B83507AF}"/>
+              </a:ext>
+            </a:extLst>
+          </p:cNvPr>
+          <p:cNvSpPr/>
+          <p:nvPr/>
+        </p:nvSpPr>
+        <p:spPr>
+          <a:xfrm>
+            <a:off x="3336814" y="1464319"/>
+            <a:ext cx="5518372" cy="3798277"/>
+          </a:xfrm>
+          <a:prstGeom prst="rect">
+            <a:avLst/>
+          </a:prstGeom>
+          <a:noFill/>
+        </p:spPr>
+        <p:style>
+          <a:lnRef idx="2">
+            <a:schemeClr val="dk1"/>
+          </a:lnRef>
+          <a:fillRef idx="1">
+            <a:schemeClr val="lt1"/>
+          </a:fillRef>
+          <a:effectRef idx="0">
+            <a:schemeClr val="dk1"/>
+          </a:effectRef>
+          <a:fontRef idx="minor">
+            <a:schemeClr val="dk1"/>
+          </a:fontRef>
+        </p:style>
+        <p:txBody>
+          <a:bodyPr rtlCol="0" anchor="ctr"/>
+          <a:lstStyle/>
+          <a:p>
+            <a:pPr algn="ctr"/>
+            <a:endParaRPr lang="zh-CN" altLang="en-US"/>
+          </a:p>
+        </p:txBody>
+      </p:sp>
+      <p:sp>
+        <p:nvSpPr>
+          <p:cNvPr id="6" name="TextBox 5">
+            <a:extLst>
+              <a:ext uri="{FF2B5EF4-FFF2-40B4-BE49-F238E27FC236}">
+                <a16:creationId xmlns:a16="http://schemas.microsoft.com/office/drawing/2014/main" id="{23E4B893-EF89-1435-5302-7F3D591429CE}"/>
+              </a:ext>
+            </a:extLst>
+          </p:cNvPr>
+          <p:cNvSpPr txBox="1"/>
+          <p:nvPr/>
+        </p:nvSpPr>
+        <p:spPr>
+          <a:xfrm>
+            <a:off x="4599139" y="1653436"/>
+            <a:ext cx="2993721" cy="369332"/>
+          </a:xfrm>
+          <a:prstGeom prst="rect">
+            <a:avLst/>
+          </a:prstGeom>
+        </p:spPr>
+        <p:style>
+          <a:lnRef idx="2">
+            <a:schemeClr val="accent2">
+              <a:shade val="50000"/>
+            </a:schemeClr>
+          </a:lnRef>
+          <a:fillRef idx="1">
+            <a:schemeClr val="accent2"/>
+          </a:fillRef>
+          <a:effectRef idx="0">
+            <a:schemeClr val="accent2"/>
+          </a:effectRef>
+          <a:fontRef idx="minor">
+            <a:schemeClr val="lt1"/>
+          </a:fontRef>
+        </p:style>
+        <p:txBody>
+          <a:bodyPr wrap="square" rtlCol="0">
+            <a:spAutoFit/>
+          </a:bodyPr>
+          <a:lstStyle/>
+          <a:p>
+            <a:pPr algn="ctr"/>
+            <a:r>
+              <a:rPr lang="zh-CN" altLang="en-US" dirty="0"/>
+              <a:t>西北地区：露天仓储</a:t>
+            </a:r>
+          </a:p>
+        </p:txBody>
+      </p:sp>
+      <p:sp>
+        <p:nvSpPr>
+          <p:cNvPr id="13" name="TextBox 12">
+            <a:extLst>
+              <a:ext uri="{FF2B5EF4-FFF2-40B4-BE49-F238E27FC236}">
+                <a16:creationId xmlns:a16="http://schemas.microsoft.com/office/drawing/2014/main" id="{B7B515AB-17AE-AA6E-73C4-DB094DAAAB36}"/>
+              </a:ext>
+            </a:extLst>
+          </p:cNvPr>
+          <p:cNvSpPr txBox="1"/>
+          <p:nvPr/>
+        </p:nvSpPr>
+        <p:spPr>
+          <a:xfrm>
+            <a:off x="9475940" y="3479197"/>
+            <a:ext cx="2404997" cy="646331"/>
+          </a:xfrm>
+          <a:prstGeom prst="rect">
+            <a:avLst/>
+          </a:prstGeom>
+          <a:noFill/>
+        </p:spPr>
+        <p:txBody>
+          <a:bodyPr wrap="square" rtlCol="0">
+            <a:spAutoFit/>
+          </a:bodyPr>
+          <a:lstStyle/>
+          <a:p>
+            <a:r>
+              <a:rPr lang="zh-CN" altLang="en-US" dirty="0"/>
+              <a:t>注：此为西北棉产区仓储管理页</a:t>
+            </a:r>
+          </a:p>
+        </p:txBody>
+      </p:sp>
+      <p:cxnSp>
+        <p:nvCxnSpPr>
+          <p:cNvPr id="3" name="Straight Connector 2">
+            <a:extLst>
+              <a:ext uri="{FF2B5EF4-FFF2-40B4-BE49-F238E27FC236}">
+                <a16:creationId xmlns:a16="http://schemas.microsoft.com/office/drawing/2014/main" id="{682EA8D8-CDA1-A1D0-746E-BABE5018A33E}"/>
+              </a:ext>
+            </a:extLst>
+          </p:cNvPr>
+          <p:cNvCxnSpPr>
+            <a:stCxn id="5" idx="1"/>
+            <a:endCxn id="5" idx="3"/>
+          </p:cNvCxnSpPr>
+          <p:nvPr/>
+        </p:nvCxnSpPr>
+        <p:spPr>
+          <a:xfrm>
+            <a:off x="3336814" y="3363458"/>
+            <a:ext cx="5518372" cy="0"/>
+          </a:xfrm>
+          <a:prstGeom prst="line">
+            <a:avLst/>
+          </a:prstGeom>
+        </p:spPr>
+        <p:style>
+          <a:lnRef idx="1">
+            <a:schemeClr val="dk1"/>
+          </a:lnRef>
+          <a:fillRef idx="0">
+            <a:schemeClr val="dk1"/>
+          </a:fillRef>
+          <a:effectRef idx="0">
+            <a:schemeClr val="dk1"/>
+          </a:effectRef>
+          <a:fontRef idx="minor">
+            <a:schemeClr val="tx1"/>
+          </a:fontRef>
+        </p:style>
+      </p:cxnSp>
+      <p:sp>
+        <p:nvSpPr>
+          <p:cNvPr id="18" name="Rectangle 17">
+            <a:extLst>
+              <a:ext uri="{FF2B5EF4-FFF2-40B4-BE49-F238E27FC236}">
+                <a16:creationId xmlns:a16="http://schemas.microsoft.com/office/drawing/2014/main" id="{48B3F479-1741-6166-458A-CD73E507468D}"/>
+              </a:ext>
+            </a:extLst>
+          </p:cNvPr>
+          <p:cNvSpPr/>
+          <p:nvPr/>
+        </p:nvSpPr>
+        <p:spPr>
+          <a:xfrm>
+            <a:off x="5567819" y="3317929"/>
+            <a:ext cx="225469" cy="322536"/>
+          </a:xfrm>
+          <a:prstGeom prst="rect">
+            <a:avLst/>
+          </a:prstGeom>
+          <a:solidFill>
+            <a:srgbClr val="C00000"/>
+          </a:solidFill>
+        </p:spPr>
+        <p:style>
+          <a:lnRef idx="2">
+            <a:schemeClr val="accent1">
+              <a:shade val="50000"/>
+            </a:schemeClr>
+          </a:lnRef>
+          <a:fillRef idx="1">
+            <a:schemeClr val="accent1"/>
+          </a:fillRef>
+          <a:effectRef idx="0">
+            <a:schemeClr val="accent1"/>
+          </a:effectRef>
+          <a:fontRef idx="minor">
+            <a:schemeClr val="lt1"/>
+          </a:fontRef>
+        </p:style>
+        <p:txBody>
+          <a:bodyPr rtlCol="0" anchor="ctr"/>
+          <a:lstStyle/>
+          <a:p>
+            <a:pPr algn="ctr"/>
+            <a:endParaRPr lang="zh-CN" altLang="en-US"/>
+          </a:p>
+        </p:txBody>
+      </p:sp>
+      <p:sp>
+        <p:nvSpPr>
+          <p:cNvPr id="19" name="Oval 18">
+            <a:extLst>
+              <a:ext uri="{FF2B5EF4-FFF2-40B4-BE49-F238E27FC236}">
+                <a16:creationId xmlns:a16="http://schemas.microsoft.com/office/drawing/2014/main" id="{4991661E-34FD-50A1-17A2-C389A71B49E7}"/>
+              </a:ext>
+            </a:extLst>
+          </p:cNvPr>
+          <p:cNvSpPr/>
+          <p:nvPr/>
+        </p:nvSpPr>
+        <p:spPr>
+          <a:xfrm>
+            <a:off x="4328120" y="3613033"/>
+            <a:ext cx="192493" cy="192493"/>
+          </a:xfrm>
+          <a:prstGeom prst="ellipse">
+            <a:avLst/>
+          </a:prstGeom>
+          <a:solidFill>
+            <a:schemeClr val="tx1"/>
+          </a:solidFill>
+        </p:spPr>
+        <p:style>
+          <a:lnRef idx="2">
+            <a:schemeClr val="accent1">
+              <a:shade val="50000"/>
+            </a:schemeClr>
+          </a:lnRef>
+          <a:fillRef idx="1">
+            <a:schemeClr val="accent1"/>
+          </a:fillRef>
+          <a:effectRef idx="0">
+            <a:schemeClr val="accent1"/>
+          </a:effectRef>
+          <a:fontRef idx="minor">
+            <a:schemeClr val="lt1"/>
+          </a:fontRef>
+        </p:style>
+        <p:txBody>
+          <a:bodyPr rtlCol="0" anchor="ctr"/>
+          <a:lstStyle/>
+          <a:p>
+            <a:pPr algn="ctr"/>
+            <a:endParaRPr lang="zh-CN" altLang="en-US"/>
+          </a:p>
+        </p:txBody>
+      </p:sp>
+      <p:sp>
+        <p:nvSpPr>
+          <p:cNvPr id="20" name="Oval 19">
+            <a:extLst>
+              <a:ext uri="{FF2B5EF4-FFF2-40B4-BE49-F238E27FC236}">
+                <a16:creationId xmlns:a16="http://schemas.microsoft.com/office/drawing/2014/main" id="{7124ED13-9A18-76D5-3ADA-6B5BAFC45935}"/>
+              </a:ext>
+            </a:extLst>
+          </p:cNvPr>
+          <p:cNvSpPr/>
+          <p:nvPr/>
+        </p:nvSpPr>
+        <p:spPr>
+          <a:xfrm>
+            <a:off x="4076581" y="3609759"/>
+            <a:ext cx="192493" cy="192493"/>
+          </a:xfrm>
+          <a:prstGeom prst="ellipse">
+            <a:avLst/>
+          </a:prstGeom>
+          <a:solidFill>
+            <a:schemeClr val="tx1"/>
+          </a:solidFill>
+        </p:spPr>
+        <p:style>
+          <a:lnRef idx="2">
+            <a:schemeClr val="accent1">
+              <a:shade val="50000"/>
+            </a:schemeClr>
+          </a:lnRef>
+          <a:fillRef idx="1">
+            <a:schemeClr val="accent1"/>
+          </a:fillRef>
+          <a:effectRef idx="0">
+            <a:schemeClr val="accent1"/>
+          </a:effectRef>
+          <a:fontRef idx="minor">
+            <a:schemeClr val="lt1"/>
+          </a:fontRef>
+        </p:style>
+        <p:txBody>
+          <a:bodyPr rtlCol="0" anchor="ctr"/>
+          <a:lstStyle/>
+          <a:p>
+            <a:pPr algn="ctr"/>
+            <a:endParaRPr lang="zh-CN" altLang="en-US"/>
+          </a:p>
+        </p:txBody>
+      </p:sp>
+      <p:sp>
+        <p:nvSpPr>
+          <p:cNvPr id="21" name="Oval 20">
+            <a:extLst>
+              <a:ext uri="{FF2B5EF4-FFF2-40B4-BE49-F238E27FC236}">
+                <a16:creationId xmlns:a16="http://schemas.microsoft.com/office/drawing/2014/main" id="{1BEF5BE4-CD8D-C470-1949-81138234496D}"/>
+              </a:ext>
+            </a:extLst>
+          </p:cNvPr>
+          <p:cNvSpPr/>
+          <p:nvPr/>
+        </p:nvSpPr>
+        <p:spPr>
+          <a:xfrm>
+            <a:off x="5552350" y="3604651"/>
+            <a:ext cx="192493" cy="192493"/>
+          </a:xfrm>
+          <a:prstGeom prst="ellipse">
+            <a:avLst/>
+          </a:prstGeom>
+          <a:solidFill>
+            <a:schemeClr val="tx1"/>
+          </a:solidFill>
+        </p:spPr>
+        <p:style>
+          <a:lnRef idx="2">
+            <a:schemeClr val="accent1">
+              <a:shade val="50000"/>
+            </a:schemeClr>
+          </a:lnRef>
+          <a:fillRef idx="1">
+            <a:schemeClr val="accent1"/>
+          </a:fillRef>
+          <a:effectRef idx="0">
+            <a:schemeClr val="accent1"/>
+          </a:effectRef>
+          <a:fontRef idx="minor">
+            <a:schemeClr val="lt1"/>
+          </a:fontRef>
+        </p:style>
+        <p:txBody>
+          <a:bodyPr rtlCol="0" anchor="ctr"/>
+          <a:lstStyle/>
+          <a:p>
+            <a:pPr algn="ctr"/>
+            <a:endParaRPr lang="zh-CN" altLang="en-US"/>
+          </a:p>
+        </p:txBody>
+      </p:sp>
+      <p:sp>
+        <p:nvSpPr>
+          <p:cNvPr id="22" name="Rectangle 21">
+            <a:extLst>
+              <a:ext uri="{FF2B5EF4-FFF2-40B4-BE49-F238E27FC236}">
+                <a16:creationId xmlns:a16="http://schemas.microsoft.com/office/drawing/2014/main" id="{B3E6AC7E-B1E3-00B9-3D79-8863CA5DEDFE}"/>
+              </a:ext>
+            </a:extLst>
+          </p:cNvPr>
+          <p:cNvSpPr/>
+          <p:nvPr/>
+        </p:nvSpPr>
+        <p:spPr>
+          <a:xfrm>
+            <a:off x="5648596" y="3317929"/>
+            <a:ext cx="144692" cy="192493"/>
+          </a:xfrm>
+          <a:prstGeom prst="rect">
+            <a:avLst/>
+          </a:prstGeom>
+        </p:spPr>
+        <p:style>
+          <a:lnRef idx="2">
+            <a:schemeClr val="accent1">
+              <a:shade val="50000"/>
+            </a:schemeClr>
+          </a:lnRef>
+          <a:fillRef idx="1">
+            <a:schemeClr val="accent1"/>
+          </a:fillRef>
+          <a:effectRef idx="0">
+            <a:schemeClr val="accent1"/>
+          </a:effectRef>
+          <a:fontRef idx="minor">
+            <a:schemeClr val="lt1"/>
+          </a:fontRef>
+        </p:style>
+        <p:txBody>
+          <a:bodyPr rtlCol="0" anchor="ctr"/>
+          <a:lstStyle/>
+          <a:p>
+            <a:pPr algn="ctr"/>
+            <a:endParaRPr lang="zh-CN" altLang="en-US"/>
+          </a:p>
+        </p:txBody>
+      </p:sp>
+      <p:sp>
+        <p:nvSpPr>
+          <p:cNvPr id="23" name="Rectangle 22">
+            <a:extLst>
+              <a:ext uri="{FF2B5EF4-FFF2-40B4-BE49-F238E27FC236}">
+                <a16:creationId xmlns:a16="http://schemas.microsoft.com/office/drawing/2014/main" id="{FD0834E2-289A-334C-AA3F-C88D2C654D0C}"/>
+              </a:ext>
+            </a:extLst>
+          </p:cNvPr>
+          <p:cNvSpPr/>
+          <p:nvPr/>
+        </p:nvSpPr>
+        <p:spPr>
+          <a:xfrm>
+            <a:off x="3995803" y="3125244"/>
+            <a:ext cx="1556547" cy="369332"/>
+          </a:xfrm>
+          <a:prstGeom prst="rect">
+            <a:avLst/>
+          </a:prstGeom>
+          <a:solidFill>
+            <a:schemeClr val="bg1"/>
+          </a:solidFill>
+        </p:spPr>
+        <p:style>
+          <a:lnRef idx="2">
+            <a:schemeClr val="accent1">
+              <a:shade val="50000"/>
+            </a:schemeClr>
+          </a:lnRef>
+          <a:fillRef idx="1">
+            <a:schemeClr val="accent1"/>
+          </a:fillRef>
+          <a:effectRef idx="0">
+            <a:schemeClr val="accent1"/>
+          </a:effectRef>
+          <a:fontRef idx="minor">
+            <a:schemeClr val="lt1"/>
+          </a:fontRef>
+        </p:style>
+        <p:txBody>
+          <a:bodyPr rtlCol="0" anchor="ctr"/>
+          <a:lstStyle/>
+          <a:p>
+            <a:pPr algn="ctr"/>
+            <a:endParaRPr lang="zh-CN" altLang="en-US"/>
+          </a:p>
+        </p:txBody>
+      </p:sp>
+      <p:sp>
+        <p:nvSpPr>
+          <p:cNvPr id="14" name="Rectangle 13">
+            <a:extLst>
+              <a:ext uri="{FF2B5EF4-FFF2-40B4-BE49-F238E27FC236}">
+                <a16:creationId xmlns:a16="http://schemas.microsoft.com/office/drawing/2014/main" id="{E8F99675-4ECD-E1B9-257A-B78AB4DD6CD1}"/>
+              </a:ext>
+            </a:extLst>
+          </p:cNvPr>
+          <p:cNvSpPr/>
+          <p:nvPr/>
+        </p:nvSpPr>
+        <p:spPr>
+          <a:xfrm>
+            <a:off x="3995803" y="3194249"/>
+            <a:ext cx="1572016" cy="469502"/>
+          </a:xfrm>
+          <a:prstGeom prst="rect">
+            <a:avLst/>
+          </a:prstGeom>
+          <a:solidFill>
+            <a:srgbClr val="FF0000"/>
+          </a:solidFill>
+        </p:spPr>
+        <p:style>
+          <a:lnRef idx="2">
+            <a:schemeClr val="accent1">
+              <a:shade val="50000"/>
+            </a:schemeClr>
+          </a:lnRef>
+          <a:fillRef idx="1">
+            <a:schemeClr val="accent1"/>
+          </a:fillRef>
+          <a:effectRef idx="0">
+            <a:schemeClr val="accent1"/>
+          </a:effectRef>
+          <a:fontRef idx="minor">
+            <a:schemeClr val="lt1"/>
+          </a:fontRef>
+        </p:style>
+        <p:txBody>
+          <a:bodyPr rtlCol="0" anchor="ctr"/>
+          <a:lstStyle/>
+          <a:p>
+            <a:pPr algn="ctr"/>
+            <a:endParaRPr lang="zh-CN" altLang="en-US"/>
+          </a:p>
+        </p:txBody>
+      </p:sp>
+      <p:sp>
+        <p:nvSpPr>
+          <p:cNvPr id="106" name="Rectangle 105">
+            <a:extLst>
+              <a:ext uri="{FF2B5EF4-FFF2-40B4-BE49-F238E27FC236}">
+                <a16:creationId xmlns:a16="http://schemas.microsoft.com/office/drawing/2014/main" id="{4A1F346C-DDB3-1B18-4A4E-FE36EF5B9AC7}"/>
+              </a:ext>
+            </a:extLst>
+          </p:cNvPr>
+          <p:cNvSpPr/>
+          <p:nvPr/>
+        </p:nvSpPr>
+        <p:spPr>
+          <a:xfrm>
+            <a:off x="7246307" y="3269293"/>
+            <a:ext cx="346553" cy="225283"/>
+          </a:xfrm>
+          <a:prstGeom prst="rect">
+            <a:avLst/>
+          </a:prstGeom>
+          <a:solidFill>
+            <a:schemeClr val="bg1"/>
+          </a:solidFill>
+          <a:ln>
+            <a:solidFill>
+              <a:schemeClr val="tx1"/>
+            </a:solidFill>
+          </a:ln>
+        </p:spPr>
+        <p:style>
+          <a:lnRef idx="2">
+            <a:schemeClr val="accent1">
+              <a:shade val="50000"/>
+            </a:schemeClr>
+          </a:lnRef>
+          <a:fillRef idx="1">
+            <a:schemeClr val="accent1"/>
+          </a:fillRef>
+          <a:effectRef idx="0">
+            <a:schemeClr val="accent1"/>
+          </a:effectRef>
+          <a:fontRef idx="minor">
+            <a:schemeClr val="lt1"/>
+          </a:fontRef>
+        </p:style>
+        <p:txBody>
+          <a:bodyPr rtlCol="0" anchor="ctr"/>
+          <a:lstStyle/>
+          <a:p>
+            <a:pPr algn="ctr"/>
+            <a:endParaRPr lang="zh-CN" altLang="en-US"/>
+          </a:p>
+        </p:txBody>
+      </p:sp>
+      <p:sp>
+        <p:nvSpPr>
+          <p:cNvPr id="107" name="Rectangle 106">
+            <a:extLst>
+              <a:ext uri="{FF2B5EF4-FFF2-40B4-BE49-F238E27FC236}">
+                <a16:creationId xmlns:a16="http://schemas.microsoft.com/office/drawing/2014/main" id="{3B838595-F383-6197-E527-4BF384E604EC}"/>
+              </a:ext>
+            </a:extLst>
+          </p:cNvPr>
+          <p:cNvSpPr/>
+          <p:nvPr/>
+        </p:nvSpPr>
+        <p:spPr>
+          <a:xfrm>
+            <a:off x="7249839" y="3079941"/>
+            <a:ext cx="346553" cy="225283"/>
+          </a:xfrm>
+          <a:prstGeom prst="rect">
+            <a:avLst/>
+          </a:prstGeom>
+          <a:solidFill>
+            <a:schemeClr val="bg1"/>
+          </a:solidFill>
+          <a:ln>
+            <a:solidFill>
+              <a:schemeClr val="tx1"/>
+            </a:solidFill>
+          </a:ln>
+        </p:spPr>
+        <p:style>
+          <a:lnRef idx="2">
+            <a:schemeClr val="accent1">
+              <a:shade val="50000"/>
+            </a:schemeClr>
+          </a:lnRef>
+          <a:fillRef idx="1">
+            <a:schemeClr val="accent1"/>
+          </a:fillRef>
+          <a:effectRef idx="0">
+            <a:schemeClr val="accent1"/>
+          </a:effectRef>
+          <a:fontRef idx="minor">
+            <a:schemeClr val="lt1"/>
+          </a:fontRef>
+        </p:style>
+        <p:txBody>
+          <a:bodyPr rtlCol="0" anchor="ctr"/>
+          <a:lstStyle/>
+          <a:p>
+            <a:pPr algn="ctr"/>
+            <a:endParaRPr lang="zh-CN" altLang="en-US"/>
+          </a:p>
+        </p:txBody>
+      </p:sp>
+      <p:sp>
+        <p:nvSpPr>
+          <p:cNvPr id="108" name="Rectangle 107">
+            <a:extLst>
+              <a:ext uri="{FF2B5EF4-FFF2-40B4-BE49-F238E27FC236}">
+                <a16:creationId xmlns:a16="http://schemas.microsoft.com/office/drawing/2014/main" id="{CF809FC7-BBBC-FE70-4D53-488037E83141}"/>
+              </a:ext>
+            </a:extLst>
+          </p:cNvPr>
+          <p:cNvSpPr/>
+          <p:nvPr/>
+        </p:nvSpPr>
+        <p:spPr>
+          <a:xfrm>
+            <a:off x="7253371" y="2882695"/>
+            <a:ext cx="346553" cy="225283"/>
+          </a:xfrm>
+          <a:prstGeom prst="rect">
+            <a:avLst/>
+          </a:prstGeom>
+          <a:solidFill>
+            <a:schemeClr val="bg1"/>
+          </a:solidFill>
+          <a:ln>
+            <a:solidFill>
+              <a:schemeClr val="tx1"/>
+            </a:solidFill>
+          </a:ln>
+        </p:spPr>
+        <p:style>
+          <a:lnRef idx="2">
+            <a:schemeClr val="accent1">
+              <a:shade val="50000"/>
+            </a:schemeClr>
+          </a:lnRef>
+          <a:fillRef idx="1">
+            <a:schemeClr val="accent1"/>
+          </a:fillRef>
+          <a:effectRef idx="0">
+            <a:schemeClr val="accent1"/>
+          </a:effectRef>
+          <a:fontRef idx="minor">
+            <a:schemeClr val="lt1"/>
+          </a:fontRef>
+        </p:style>
+        <p:txBody>
+          <a:bodyPr rtlCol="0" anchor="ctr"/>
+          <a:lstStyle/>
+          <a:p>
+            <a:pPr algn="ctr"/>
+            <a:endParaRPr lang="zh-CN" altLang="en-US"/>
+          </a:p>
+        </p:txBody>
+      </p:sp>
+      <p:sp>
+        <p:nvSpPr>
+          <p:cNvPr id="109" name="Rectangle 108">
+            <a:extLst>
+              <a:ext uri="{FF2B5EF4-FFF2-40B4-BE49-F238E27FC236}">
+                <a16:creationId xmlns:a16="http://schemas.microsoft.com/office/drawing/2014/main" id="{1DDCA2C5-8660-C4F1-020C-0360503D5B1D}"/>
+              </a:ext>
+            </a:extLst>
+          </p:cNvPr>
+          <p:cNvSpPr/>
+          <p:nvPr/>
+        </p:nvSpPr>
+        <p:spPr>
+          <a:xfrm>
+            <a:off x="7246307" y="2667007"/>
+            <a:ext cx="346553" cy="225283"/>
+          </a:xfrm>
+          <a:prstGeom prst="rect">
+            <a:avLst/>
+          </a:prstGeom>
+          <a:solidFill>
+            <a:schemeClr val="bg1"/>
+          </a:solidFill>
+          <a:ln>
+            <a:solidFill>
+              <a:schemeClr val="tx1"/>
+            </a:solidFill>
+          </a:ln>
+        </p:spPr>
+        <p:style>
+          <a:lnRef idx="2">
+            <a:schemeClr val="accent1">
+              <a:shade val="50000"/>
+            </a:schemeClr>
+          </a:lnRef>
+          <a:fillRef idx="1">
+            <a:schemeClr val="accent1"/>
+          </a:fillRef>
+          <a:effectRef idx="0">
+            <a:schemeClr val="accent1"/>
+          </a:effectRef>
+          <a:fontRef idx="minor">
+            <a:schemeClr val="lt1"/>
+          </a:fontRef>
+        </p:style>
+        <p:txBody>
+          <a:bodyPr rtlCol="0" anchor="ctr"/>
+          <a:lstStyle/>
+          <a:p>
+            <a:pPr algn="ctr"/>
+            <a:endParaRPr lang="zh-CN" altLang="en-US"/>
+          </a:p>
+        </p:txBody>
+      </p:sp>
+      <p:sp>
+        <p:nvSpPr>
+          <p:cNvPr id="110" name="Rectangle 109">
+            <a:extLst>
+              <a:ext uri="{FF2B5EF4-FFF2-40B4-BE49-F238E27FC236}">
+                <a16:creationId xmlns:a16="http://schemas.microsoft.com/office/drawing/2014/main" id="{B5DEBB5F-BFD1-8151-0DBA-285392357BD2}"/>
+              </a:ext>
+            </a:extLst>
+          </p:cNvPr>
+          <p:cNvSpPr/>
+          <p:nvPr/>
+        </p:nvSpPr>
+        <p:spPr>
+          <a:xfrm>
+            <a:off x="7599924" y="3316358"/>
+            <a:ext cx="346553" cy="225283"/>
+          </a:xfrm>
+          <a:prstGeom prst="rect">
+            <a:avLst/>
+          </a:prstGeom>
+          <a:solidFill>
+            <a:schemeClr val="bg1"/>
+          </a:solidFill>
+          <a:ln>
+            <a:solidFill>
+              <a:schemeClr val="tx1"/>
+            </a:solidFill>
+          </a:ln>
+        </p:spPr>
+        <p:style>
+          <a:lnRef idx="2">
+            <a:schemeClr val="accent1">
+              <a:shade val="50000"/>
+            </a:schemeClr>
+          </a:lnRef>
+          <a:fillRef idx="1">
+            <a:schemeClr val="accent1"/>
+          </a:fillRef>
+          <a:effectRef idx="0">
+            <a:schemeClr val="accent1"/>
+          </a:effectRef>
+          <a:fontRef idx="minor">
+            <a:schemeClr val="lt1"/>
+          </a:fontRef>
+        </p:style>
+        <p:txBody>
+          <a:bodyPr rtlCol="0" anchor="ctr"/>
+          <a:lstStyle/>
+          <a:p>
+            <a:pPr algn="ctr"/>
+            <a:endParaRPr lang="zh-CN" altLang="en-US"/>
+          </a:p>
+        </p:txBody>
+      </p:sp>
+      <p:sp>
+        <p:nvSpPr>
+          <p:cNvPr id="111" name="Rectangle 110">
+            <a:extLst>
+              <a:ext uri="{FF2B5EF4-FFF2-40B4-BE49-F238E27FC236}">
+                <a16:creationId xmlns:a16="http://schemas.microsoft.com/office/drawing/2014/main" id="{997580CF-39D7-7630-6F68-5DBD7A16868F}"/>
+              </a:ext>
+            </a:extLst>
+          </p:cNvPr>
+          <p:cNvSpPr/>
+          <p:nvPr/>
+        </p:nvSpPr>
+        <p:spPr>
+          <a:xfrm>
+            <a:off x="7606988" y="3084610"/>
+            <a:ext cx="346553" cy="225283"/>
+          </a:xfrm>
+          <a:prstGeom prst="rect">
+            <a:avLst/>
+          </a:prstGeom>
+          <a:solidFill>
+            <a:schemeClr val="bg1"/>
+          </a:solidFill>
+          <a:ln>
+            <a:solidFill>
+              <a:schemeClr val="tx1"/>
+            </a:solidFill>
+          </a:ln>
+        </p:spPr>
+        <p:style>
+          <a:lnRef idx="2">
+            <a:schemeClr val="accent1">
+              <a:shade val="50000"/>
+            </a:schemeClr>
+          </a:lnRef>
+          <a:fillRef idx="1">
+            <a:schemeClr val="accent1"/>
+          </a:fillRef>
+          <a:effectRef idx="0">
+            <a:schemeClr val="accent1"/>
+          </a:effectRef>
+          <a:fontRef idx="minor">
+            <a:schemeClr val="lt1"/>
+          </a:fontRef>
+        </p:style>
+        <p:txBody>
+          <a:bodyPr rtlCol="0" anchor="ctr"/>
+          <a:lstStyle/>
+          <a:p>
+            <a:pPr algn="ctr"/>
+            <a:endParaRPr lang="zh-CN" altLang="en-US"/>
+          </a:p>
+        </p:txBody>
+      </p:sp>
+      <p:sp>
+        <p:nvSpPr>
+          <p:cNvPr id="112" name="Rectangle 111">
+            <a:extLst>
+              <a:ext uri="{FF2B5EF4-FFF2-40B4-BE49-F238E27FC236}">
+                <a16:creationId xmlns:a16="http://schemas.microsoft.com/office/drawing/2014/main" id="{E7F12DC2-337A-2766-7126-09C496C17191}"/>
+              </a:ext>
+            </a:extLst>
+          </p:cNvPr>
+          <p:cNvSpPr/>
+          <p:nvPr/>
+        </p:nvSpPr>
+        <p:spPr>
+          <a:xfrm>
+            <a:off x="7614052" y="2895203"/>
+            <a:ext cx="346553" cy="225283"/>
+          </a:xfrm>
+          <a:prstGeom prst="rect">
+            <a:avLst/>
+          </a:prstGeom>
+          <a:solidFill>
+            <a:schemeClr val="bg1"/>
+          </a:solidFill>
+          <a:ln>
+            <a:solidFill>
+              <a:schemeClr val="tx1"/>
+            </a:solidFill>
+          </a:ln>
+        </p:spPr>
+        <p:style>
+          <a:lnRef idx="2">
+            <a:schemeClr val="accent1">
+              <a:shade val="50000"/>
+            </a:schemeClr>
+          </a:lnRef>
+          <a:fillRef idx="1">
+            <a:schemeClr val="accent1"/>
+          </a:fillRef>
+          <a:effectRef idx="0">
+            <a:schemeClr val="accent1"/>
+          </a:effectRef>
+          <a:fontRef idx="minor">
+            <a:schemeClr val="lt1"/>
+          </a:fontRef>
+        </p:style>
+        <p:txBody>
+          <a:bodyPr rtlCol="0" anchor="ctr"/>
+          <a:lstStyle/>
+          <a:p>
+            <a:pPr algn="ctr"/>
+            <a:endParaRPr lang="zh-CN" altLang="en-US"/>
+          </a:p>
+        </p:txBody>
+      </p:sp>
+      <p:sp>
+        <p:nvSpPr>
+          <p:cNvPr id="113" name="Rectangle 112">
+            <a:extLst>
+              <a:ext uri="{FF2B5EF4-FFF2-40B4-BE49-F238E27FC236}">
+                <a16:creationId xmlns:a16="http://schemas.microsoft.com/office/drawing/2014/main" id="{D49D9481-1491-4844-7F5C-76BF8A84B1DE}"/>
+              </a:ext>
+            </a:extLst>
+          </p:cNvPr>
+          <p:cNvSpPr/>
+          <p:nvPr/>
+        </p:nvSpPr>
+        <p:spPr>
+          <a:xfrm>
+            <a:off x="7591087" y="2701904"/>
+            <a:ext cx="346553" cy="225283"/>
+          </a:xfrm>
+          <a:prstGeom prst="rect">
+            <a:avLst/>
+          </a:prstGeom>
+          <a:solidFill>
+            <a:schemeClr val="bg1"/>
+          </a:solidFill>
+          <a:ln>
+            <a:solidFill>
+              <a:schemeClr val="tx1"/>
+            </a:solidFill>
+          </a:ln>
+        </p:spPr>
+        <p:style>
+          <a:lnRef idx="2">
+            <a:schemeClr val="accent1">
+              <a:shade val="50000"/>
+            </a:schemeClr>
+          </a:lnRef>
+          <a:fillRef idx="1">
+            <a:schemeClr val="accent1"/>
+          </a:fillRef>
+          <a:effectRef idx="0">
+            <a:schemeClr val="accent1"/>
+          </a:effectRef>
+          <a:fontRef idx="minor">
+            <a:schemeClr val="lt1"/>
+          </a:fontRef>
+        </p:style>
+        <p:txBody>
+          <a:bodyPr rtlCol="0" anchor="ctr"/>
+          <a:lstStyle/>
+          <a:p>
+            <a:pPr algn="ctr"/>
+            <a:endParaRPr lang="zh-CN" altLang="en-US"/>
+          </a:p>
+        </p:txBody>
+      </p:sp>
+      <p:sp>
+        <p:nvSpPr>
+          <p:cNvPr id="114" name="Rectangle 113">
+            <a:extLst>
+              <a:ext uri="{FF2B5EF4-FFF2-40B4-BE49-F238E27FC236}">
+                <a16:creationId xmlns:a16="http://schemas.microsoft.com/office/drawing/2014/main" id="{5AF05691-F3E4-C32B-79BE-B80BDFA76DB1}"/>
+              </a:ext>
+            </a:extLst>
+          </p:cNvPr>
+          <p:cNvSpPr/>
+          <p:nvPr/>
+        </p:nvSpPr>
+        <p:spPr>
+          <a:xfrm>
+            <a:off x="6979170" y="3508642"/>
+            <a:ext cx="346553" cy="225283"/>
+          </a:xfrm>
+          <a:prstGeom prst="rect">
+            <a:avLst/>
+          </a:prstGeom>
+          <a:solidFill>
+            <a:schemeClr val="bg1"/>
+          </a:solidFill>
+          <a:ln>
+            <a:solidFill>
+              <a:schemeClr val="tx1"/>
+            </a:solidFill>
+          </a:ln>
+        </p:spPr>
+        <p:style>
+          <a:lnRef idx="2">
+            <a:schemeClr val="accent1">
+              <a:shade val="50000"/>
+            </a:schemeClr>
+          </a:lnRef>
+          <a:fillRef idx="1">
+            <a:schemeClr val="accent1"/>
+          </a:fillRef>
+          <a:effectRef idx="0">
+            <a:schemeClr val="accent1"/>
+          </a:effectRef>
+          <a:fontRef idx="minor">
+            <a:schemeClr val="lt1"/>
+          </a:fontRef>
+        </p:style>
+        <p:txBody>
+          <a:bodyPr rtlCol="0" anchor="ctr"/>
+          <a:lstStyle/>
+          <a:p>
+            <a:pPr algn="ctr"/>
+            <a:endParaRPr lang="zh-CN" altLang="en-US"/>
+          </a:p>
+        </p:txBody>
+      </p:sp>
+      <p:sp>
+        <p:nvSpPr>
+          <p:cNvPr id="115" name="Rectangle 114">
+            <a:extLst>
+              <a:ext uri="{FF2B5EF4-FFF2-40B4-BE49-F238E27FC236}">
+                <a16:creationId xmlns:a16="http://schemas.microsoft.com/office/drawing/2014/main" id="{5B956338-6152-4599-F49B-AA109E77AD9A}"/>
+              </a:ext>
+            </a:extLst>
+          </p:cNvPr>
+          <p:cNvSpPr/>
+          <p:nvPr/>
+        </p:nvSpPr>
+        <p:spPr>
+          <a:xfrm>
+            <a:off x="6979169" y="3316357"/>
+            <a:ext cx="346553" cy="225283"/>
+          </a:xfrm>
+          <a:prstGeom prst="rect">
+            <a:avLst/>
+          </a:prstGeom>
+          <a:solidFill>
+            <a:schemeClr val="bg1"/>
+          </a:solidFill>
+          <a:ln>
+            <a:solidFill>
+              <a:schemeClr val="tx1"/>
+            </a:solidFill>
+          </a:ln>
+        </p:spPr>
+        <p:style>
+          <a:lnRef idx="2">
+            <a:schemeClr val="accent1">
+              <a:shade val="50000"/>
+            </a:schemeClr>
+          </a:lnRef>
+          <a:fillRef idx="1">
+            <a:schemeClr val="accent1"/>
+          </a:fillRef>
+          <a:effectRef idx="0">
+            <a:schemeClr val="accent1"/>
+          </a:effectRef>
+          <a:fontRef idx="minor">
+            <a:schemeClr val="lt1"/>
+          </a:fontRef>
+        </p:style>
+        <p:txBody>
+          <a:bodyPr rtlCol="0" anchor="ctr"/>
+          <a:lstStyle/>
+          <a:p>
+            <a:pPr algn="ctr"/>
+            <a:endParaRPr lang="zh-CN" altLang="en-US"/>
+          </a:p>
+        </p:txBody>
+      </p:sp>
+      <p:sp>
+        <p:nvSpPr>
+          <p:cNvPr id="116" name="Rectangle 115">
+            <a:extLst>
+              <a:ext uri="{FF2B5EF4-FFF2-40B4-BE49-F238E27FC236}">
+                <a16:creationId xmlns:a16="http://schemas.microsoft.com/office/drawing/2014/main" id="{F6A6E1EF-F477-A624-C6D0-6AC2FA026C14}"/>
+              </a:ext>
+            </a:extLst>
+          </p:cNvPr>
+          <p:cNvSpPr/>
+          <p:nvPr/>
+        </p:nvSpPr>
+        <p:spPr>
+          <a:xfrm>
+            <a:off x="6993297" y="3145406"/>
+            <a:ext cx="346553" cy="225283"/>
+          </a:xfrm>
+          <a:prstGeom prst="rect">
+            <a:avLst/>
+          </a:prstGeom>
+          <a:solidFill>
+            <a:schemeClr val="bg1"/>
+          </a:solidFill>
+          <a:ln>
+            <a:solidFill>
+              <a:schemeClr val="tx1"/>
+            </a:solidFill>
+          </a:ln>
+        </p:spPr>
+        <p:style>
+          <a:lnRef idx="2">
+            <a:schemeClr val="accent1">
+              <a:shade val="50000"/>
+            </a:schemeClr>
+          </a:lnRef>
+          <a:fillRef idx="1">
+            <a:schemeClr val="accent1"/>
+          </a:fillRef>
+          <a:effectRef idx="0">
+            <a:schemeClr val="accent1"/>
+          </a:effectRef>
+          <a:fontRef idx="minor">
+            <a:schemeClr val="lt1"/>
+          </a:fontRef>
+        </p:style>
+        <p:txBody>
+          <a:bodyPr rtlCol="0" anchor="ctr"/>
+          <a:lstStyle/>
+          <a:p>
+            <a:pPr algn="ctr"/>
+            <a:endParaRPr lang="zh-CN" altLang="en-US"/>
+          </a:p>
+        </p:txBody>
+      </p:sp>
+      <p:sp>
+        <p:nvSpPr>
+          <p:cNvPr id="117" name="Rectangle 116">
+            <a:extLst>
+              <a:ext uri="{FF2B5EF4-FFF2-40B4-BE49-F238E27FC236}">
+                <a16:creationId xmlns:a16="http://schemas.microsoft.com/office/drawing/2014/main" id="{5D55BBA1-C46E-17E2-7C67-0B97AAB71943}"/>
+              </a:ext>
+            </a:extLst>
+          </p:cNvPr>
+          <p:cNvSpPr/>
+          <p:nvPr/>
+        </p:nvSpPr>
+        <p:spPr>
+          <a:xfrm>
+            <a:off x="6973936" y="2939389"/>
+            <a:ext cx="346553" cy="225283"/>
+          </a:xfrm>
+          <a:prstGeom prst="rect">
+            <a:avLst/>
+          </a:prstGeom>
+          <a:solidFill>
+            <a:schemeClr val="bg1"/>
+          </a:solidFill>
+          <a:ln>
+            <a:solidFill>
+              <a:schemeClr val="tx1"/>
+            </a:solidFill>
+          </a:ln>
+        </p:spPr>
+        <p:style>
+          <a:lnRef idx="2">
+            <a:schemeClr val="accent1">
+              <a:shade val="50000"/>
+            </a:schemeClr>
+          </a:lnRef>
+          <a:fillRef idx="1">
+            <a:schemeClr val="accent1"/>
+          </a:fillRef>
+          <a:effectRef idx="0">
+            <a:schemeClr val="accent1"/>
+          </a:effectRef>
+          <a:fontRef idx="minor">
+            <a:schemeClr val="lt1"/>
+          </a:fontRef>
+        </p:style>
+        <p:txBody>
+          <a:bodyPr rtlCol="0" anchor="ctr"/>
+          <a:lstStyle/>
+          <a:p>
+            <a:pPr algn="ctr"/>
+            <a:endParaRPr lang="zh-CN" altLang="en-US"/>
+          </a:p>
+        </p:txBody>
+      </p:sp>
+      <p:sp>
+        <p:nvSpPr>
+          <p:cNvPr id="126" name="Rectangle 125">
+            <a:extLst>
+              <a:ext uri="{FF2B5EF4-FFF2-40B4-BE49-F238E27FC236}">
+                <a16:creationId xmlns:a16="http://schemas.microsoft.com/office/drawing/2014/main" id="{B50E8122-45A9-ADFB-E912-ABDA084EB9A2}"/>
+              </a:ext>
+            </a:extLst>
+          </p:cNvPr>
+          <p:cNvSpPr/>
+          <p:nvPr/>
+        </p:nvSpPr>
+        <p:spPr>
+          <a:xfrm>
+            <a:off x="7977046" y="3273520"/>
+            <a:ext cx="346553" cy="225283"/>
+          </a:xfrm>
+          <a:prstGeom prst="rect">
+            <a:avLst/>
+          </a:prstGeom>
+          <a:solidFill>
+            <a:schemeClr val="bg1"/>
+          </a:solidFill>
+          <a:ln>
+            <a:solidFill>
+              <a:schemeClr val="tx1"/>
+            </a:solidFill>
+          </a:ln>
+        </p:spPr>
+        <p:style>
+          <a:lnRef idx="2">
+            <a:schemeClr val="accent1">
+              <a:shade val="50000"/>
+            </a:schemeClr>
+          </a:lnRef>
+          <a:fillRef idx="1">
+            <a:schemeClr val="accent1"/>
+          </a:fillRef>
+          <a:effectRef idx="0">
+            <a:schemeClr val="accent1"/>
+          </a:effectRef>
+          <a:fontRef idx="minor">
+            <a:schemeClr val="lt1"/>
+          </a:fontRef>
+        </p:style>
+        <p:txBody>
+          <a:bodyPr rtlCol="0" anchor="ctr"/>
+          <a:lstStyle/>
+          <a:p>
+            <a:pPr algn="ctr"/>
+            <a:endParaRPr lang="zh-CN" altLang="en-US"/>
+          </a:p>
+        </p:txBody>
+      </p:sp>
+      <p:sp>
+        <p:nvSpPr>
+          <p:cNvPr id="127" name="Rectangle 126">
+            <a:extLst>
+              <a:ext uri="{FF2B5EF4-FFF2-40B4-BE49-F238E27FC236}">
+                <a16:creationId xmlns:a16="http://schemas.microsoft.com/office/drawing/2014/main" id="{A9201DFD-9E37-26E5-2630-900D886CA41A}"/>
+              </a:ext>
+            </a:extLst>
+          </p:cNvPr>
+          <p:cNvSpPr/>
+          <p:nvPr/>
+        </p:nvSpPr>
+        <p:spPr>
+          <a:xfrm>
+            <a:off x="7977045" y="3081235"/>
+            <a:ext cx="346553" cy="225283"/>
+          </a:xfrm>
+          <a:prstGeom prst="rect">
+            <a:avLst/>
+          </a:prstGeom>
+          <a:solidFill>
+            <a:schemeClr val="bg1"/>
+          </a:solidFill>
+          <a:ln>
+            <a:solidFill>
+              <a:schemeClr val="tx1"/>
+            </a:solidFill>
+          </a:ln>
+        </p:spPr>
+        <p:style>
+          <a:lnRef idx="2">
+            <a:schemeClr val="accent1">
+              <a:shade val="50000"/>
+            </a:schemeClr>
+          </a:lnRef>
+          <a:fillRef idx="1">
+            <a:schemeClr val="accent1"/>
+          </a:fillRef>
+          <a:effectRef idx="0">
+            <a:schemeClr val="accent1"/>
+          </a:effectRef>
+          <a:fontRef idx="minor">
+            <a:schemeClr val="lt1"/>
+          </a:fontRef>
+        </p:style>
+        <p:txBody>
+          <a:bodyPr rtlCol="0" anchor="ctr"/>
+          <a:lstStyle/>
+          <a:p>
+            <a:pPr algn="ctr"/>
+            <a:endParaRPr lang="zh-CN" altLang="en-US"/>
+          </a:p>
+        </p:txBody>
+      </p:sp>
+      <p:sp>
+        <p:nvSpPr>
+          <p:cNvPr id="128" name="Rectangle 127">
+            <a:extLst>
+              <a:ext uri="{FF2B5EF4-FFF2-40B4-BE49-F238E27FC236}">
+                <a16:creationId xmlns:a16="http://schemas.microsoft.com/office/drawing/2014/main" id="{D936C1C1-D790-25F8-2D81-5EC71708CBE6}"/>
+              </a:ext>
+            </a:extLst>
+          </p:cNvPr>
+          <p:cNvSpPr/>
+          <p:nvPr/>
+        </p:nvSpPr>
+        <p:spPr>
+          <a:xfrm>
+            <a:off x="7991173" y="2910284"/>
+            <a:ext cx="346553" cy="225283"/>
+          </a:xfrm>
+          <a:prstGeom prst="rect">
+            <a:avLst/>
+          </a:prstGeom>
+          <a:solidFill>
+            <a:schemeClr val="bg1"/>
+          </a:solidFill>
+          <a:ln>
+            <a:solidFill>
+              <a:schemeClr val="tx1"/>
+            </a:solidFill>
+          </a:ln>
+        </p:spPr>
+        <p:style>
+          <a:lnRef idx="2">
+            <a:schemeClr val="accent1">
+              <a:shade val="50000"/>
+            </a:schemeClr>
+          </a:lnRef>
+          <a:fillRef idx="1">
+            <a:schemeClr val="accent1"/>
+          </a:fillRef>
+          <a:effectRef idx="0">
+            <a:schemeClr val="accent1"/>
+          </a:effectRef>
+          <a:fontRef idx="minor">
+            <a:schemeClr val="lt1"/>
+          </a:fontRef>
+        </p:style>
+        <p:txBody>
+          <a:bodyPr rtlCol="0" anchor="ctr"/>
+          <a:lstStyle/>
+          <a:p>
+            <a:pPr algn="ctr"/>
+            <a:endParaRPr lang="zh-CN" altLang="en-US"/>
+          </a:p>
+        </p:txBody>
+      </p:sp>
+      <p:sp>
+        <p:nvSpPr>
+          <p:cNvPr id="129" name="Rectangle 128">
+            <a:extLst>
+              <a:ext uri="{FF2B5EF4-FFF2-40B4-BE49-F238E27FC236}">
+                <a16:creationId xmlns:a16="http://schemas.microsoft.com/office/drawing/2014/main" id="{9211EAD0-756C-994E-DB2B-BD35D0D151D9}"/>
+              </a:ext>
+            </a:extLst>
+          </p:cNvPr>
+          <p:cNvSpPr/>
+          <p:nvPr/>
+        </p:nvSpPr>
+        <p:spPr>
+          <a:xfrm>
+            <a:off x="7991173" y="2701904"/>
+            <a:ext cx="346553" cy="225283"/>
+          </a:xfrm>
+          <a:prstGeom prst="rect">
+            <a:avLst/>
+          </a:prstGeom>
+          <a:solidFill>
+            <a:schemeClr val="bg1"/>
+          </a:solidFill>
+          <a:ln>
+            <a:solidFill>
+              <a:schemeClr val="tx1"/>
+            </a:solidFill>
+          </a:ln>
+        </p:spPr>
+        <p:style>
+          <a:lnRef idx="2">
+            <a:schemeClr val="accent1">
+              <a:shade val="50000"/>
+            </a:schemeClr>
+          </a:lnRef>
+          <a:fillRef idx="1">
+            <a:schemeClr val="accent1"/>
+          </a:fillRef>
+          <a:effectRef idx="0">
+            <a:schemeClr val="accent1"/>
+          </a:effectRef>
+          <a:fontRef idx="minor">
+            <a:schemeClr val="lt1"/>
+          </a:fontRef>
+        </p:style>
+        <p:txBody>
+          <a:bodyPr rtlCol="0" anchor="ctr"/>
+          <a:lstStyle/>
+          <a:p>
+            <a:pPr algn="ctr"/>
+            <a:endParaRPr lang="zh-CN" altLang="en-US"/>
+          </a:p>
+        </p:txBody>
+      </p:sp>
+      <p:grpSp>
+        <p:nvGrpSpPr>
+          <p:cNvPr id="130" name="Group 129">
+            <a:extLst>
+              <a:ext uri="{FF2B5EF4-FFF2-40B4-BE49-F238E27FC236}">
+                <a16:creationId xmlns:a16="http://schemas.microsoft.com/office/drawing/2014/main" id="{18536A21-2682-6976-A546-0D30A6F052A3}"/>
+              </a:ext>
+            </a:extLst>
+          </p:cNvPr>
+          <p:cNvGrpSpPr/>
+          <p:nvPr/>
+        </p:nvGrpSpPr>
+        <p:grpSpPr>
+          <a:xfrm>
+            <a:off x="7312058" y="3594608"/>
+            <a:ext cx="1048765" cy="848625"/>
+            <a:chOff x="7312058" y="3594608"/>
+            <a:chExt cx="1048765" cy="848625"/>
+          </a:xfrm>
+        </p:grpSpPr>
+        <p:sp>
+          <p:nvSpPr>
+            <p:cNvPr id="131" name="Rectangle 130">
+              <a:extLst>
+                <a:ext uri="{FF2B5EF4-FFF2-40B4-BE49-F238E27FC236}">
+                  <a16:creationId xmlns:a16="http://schemas.microsoft.com/office/drawing/2014/main" id="{CA4C15CF-2AAB-E3F1-02F0-92BB7D90EBC6}"/>
+                </a:ext>
+              </a:extLst>
+            </p:cNvPr>
+            <p:cNvSpPr/>
+            <p:nvPr/>
+          </p:nvSpPr>
+          <p:spPr>
+            <a:xfrm>
+              <a:off x="7316506" y="3594608"/>
+              <a:ext cx="346553" cy="225283"/>
+            </a:xfrm>
+            <a:prstGeom prst="rect">
+              <a:avLst/>
+            </a:prstGeom>
+            <a:solidFill>
+              <a:schemeClr val="bg1"/>
+            </a:solidFill>
+            <a:ln>
+              <a:solidFill>
+                <a:schemeClr val="tx1"/>
+              </a:solidFill>
+            </a:ln>
+          </p:spPr>
+          <p:style>
+            <a:lnRef idx="2">
+              <a:schemeClr val="accent1">
+                <a:shade val="50000"/>
+              </a:schemeClr>
+            </a:lnRef>
+            <a:fillRef idx="1">
+              <a:schemeClr val="accent1"/>
+            </a:fillRef>
+            <a:effectRef idx="0">
+              <a:schemeClr val="accent1"/>
+            </a:effectRef>
+            <a:fontRef idx="minor">
+              <a:schemeClr val="lt1"/>
+            </a:fontRef>
+          </p:style>
+          <p:txBody>
+            <a:bodyPr rtlCol="0" anchor="ctr"/>
+            <a:lstStyle/>
+            <a:p>
+              <a:pPr algn="ctr"/>
+              <a:endParaRPr lang="zh-CN" altLang="en-US"/>
+            </a:p>
+          </p:txBody>
+        </p:sp>
+        <p:sp>
+          <p:nvSpPr>
+            <p:cNvPr id="132" name="Rectangle 131">
+              <a:extLst>
+                <a:ext uri="{FF2B5EF4-FFF2-40B4-BE49-F238E27FC236}">
+                  <a16:creationId xmlns:a16="http://schemas.microsoft.com/office/drawing/2014/main" id="{2508503B-4E05-61A4-A313-B31809E1AAE5}"/>
+                </a:ext>
+              </a:extLst>
+            </p:cNvPr>
+            <p:cNvSpPr/>
+            <p:nvPr/>
+          </p:nvSpPr>
+          <p:spPr>
+            <a:xfrm>
+              <a:off x="7657930" y="3594608"/>
+              <a:ext cx="346553" cy="225283"/>
+            </a:xfrm>
+            <a:prstGeom prst="rect">
+              <a:avLst/>
+            </a:prstGeom>
+            <a:solidFill>
+              <a:schemeClr val="bg1"/>
+            </a:solidFill>
+            <a:ln>
+              <a:solidFill>
+                <a:schemeClr val="tx1"/>
+              </a:solidFill>
+            </a:ln>
+          </p:spPr>
+          <p:style>
+            <a:lnRef idx="2">
+              <a:schemeClr val="accent1">
+                <a:shade val="50000"/>
+              </a:schemeClr>
+            </a:lnRef>
+            <a:fillRef idx="1">
+              <a:schemeClr val="accent1"/>
+            </a:fillRef>
+            <a:effectRef idx="0">
+              <a:schemeClr val="accent1"/>
+            </a:effectRef>
+            <a:fontRef idx="minor">
+              <a:schemeClr val="lt1"/>
+            </a:fontRef>
+          </p:style>
+          <p:txBody>
+            <a:bodyPr rtlCol="0" anchor="ctr"/>
+            <a:lstStyle/>
+            <a:p>
+              <a:pPr algn="ctr"/>
+              <a:endParaRPr lang="zh-CN" altLang="en-US" dirty="0"/>
+            </a:p>
+          </p:txBody>
+        </p:sp>
+        <p:grpSp>
+          <p:nvGrpSpPr>
+            <p:cNvPr id="133" name="Group 132">
+              <a:extLst>
+                <a:ext uri="{FF2B5EF4-FFF2-40B4-BE49-F238E27FC236}">
+                  <a16:creationId xmlns:a16="http://schemas.microsoft.com/office/drawing/2014/main" id="{F3D2B57B-4962-B707-F40C-CA1D5F529B44}"/>
+                </a:ext>
+              </a:extLst>
+            </p:cNvPr>
+            <p:cNvGrpSpPr/>
+            <p:nvPr/>
+          </p:nvGrpSpPr>
+          <p:grpSpPr>
+            <a:xfrm>
+              <a:off x="7312058" y="3648697"/>
+              <a:ext cx="1048765" cy="794536"/>
+              <a:chOff x="7313417" y="3553477"/>
+              <a:chExt cx="1048765" cy="794536"/>
+            </a:xfrm>
+          </p:grpSpPr>
+          <p:sp>
+            <p:nvSpPr>
+              <p:cNvPr id="134" name="Rectangle 133">
+                <a:extLst>
+                  <a:ext uri="{FF2B5EF4-FFF2-40B4-BE49-F238E27FC236}">
+                    <a16:creationId xmlns:a16="http://schemas.microsoft.com/office/drawing/2014/main" id="{D4E0E1BA-F484-B1DC-346A-F6DF227196A9}"/>
+                  </a:ext>
+                </a:extLst>
+              </p:cNvPr>
+              <p:cNvSpPr/>
+              <p:nvPr/>
+            </p:nvSpPr>
+            <p:spPr>
+              <a:xfrm>
+                <a:off x="7313418" y="4076433"/>
+                <a:ext cx="346553" cy="225283"/>
+              </a:xfrm>
+              <a:prstGeom prst="rect">
+                <a:avLst/>
+              </a:prstGeom>
+              <a:solidFill>
+                <a:schemeClr val="bg1"/>
+              </a:solidFill>
+              <a:ln>
+                <a:solidFill>
+                  <a:schemeClr val="tx1"/>
+                </a:solidFill>
+              </a:ln>
+            </p:spPr>
+            <p:style>
+              <a:lnRef idx="2">
+                <a:schemeClr val="accent1">
+                  <a:shade val="50000"/>
+                </a:schemeClr>
+              </a:lnRef>
+              <a:fillRef idx="1">
+                <a:schemeClr val="accent1"/>
+              </a:fillRef>
+              <a:effectRef idx="0">
+                <a:schemeClr val="accent1"/>
+              </a:effectRef>
+              <a:fontRef idx="minor">
+                <a:schemeClr val="lt1"/>
+              </a:fontRef>
+            </p:style>
+            <p:txBody>
+              <a:bodyPr rtlCol="0" anchor="ctr"/>
+              <a:lstStyle/>
+              <a:p>
+                <a:pPr algn="ctr"/>
+                <a:endParaRPr lang="zh-CN" altLang="en-US"/>
+              </a:p>
+            </p:txBody>
+          </p:sp>
+          <p:sp>
+            <p:nvSpPr>
+              <p:cNvPr id="135" name="Rectangle 134">
+                <a:extLst>
+                  <a:ext uri="{FF2B5EF4-FFF2-40B4-BE49-F238E27FC236}">
+                    <a16:creationId xmlns:a16="http://schemas.microsoft.com/office/drawing/2014/main" id="{0B0769D4-9B39-4091-2516-219D50FDED0E}"/>
+                  </a:ext>
+                </a:extLst>
+              </p:cNvPr>
+              <p:cNvSpPr/>
+              <p:nvPr/>
+            </p:nvSpPr>
+            <p:spPr>
+              <a:xfrm>
+                <a:off x="7313417" y="3884148"/>
+                <a:ext cx="346553" cy="225283"/>
+              </a:xfrm>
+              <a:prstGeom prst="rect">
+                <a:avLst/>
+              </a:prstGeom>
+              <a:solidFill>
+                <a:schemeClr val="bg1"/>
+              </a:solidFill>
+              <a:ln>
+                <a:solidFill>
+                  <a:schemeClr val="tx1"/>
+                </a:solidFill>
+              </a:ln>
+            </p:spPr>
+            <p:style>
+              <a:lnRef idx="2">
+                <a:schemeClr val="accent1">
+                  <a:shade val="50000"/>
+                </a:schemeClr>
+              </a:lnRef>
+              <a:fillRef idx="1">
+                <a:schemeClr val="accent1"/>
+              </a:fillRef>
+              <a:effectRef idx="0">
+                <a:schemeClr val="accent1"/>
+              </a:effectRef>
+              <a:fontRef idx="minor">
+                <a:schemeClr val="lt1"/>
+              </a:fontRef>
+            </p:style>
+            <p:txBody>
+              <a:bodyPr rtlCol="0" anchor="ctr"/>
+              <a:lstStyle/>
+              <a:p>
+                <a:pPr algn="ctr"/>
+                <a:endParaRPr lang="zh-CN" altLang="en-US"/>
+              </a:p>
+            </p:txBody>
+          </p:sp>
+          <p:sp>
+            <p:nvSpPr>
+              <p:cNvPr id="136" name="Rectangle 135">
+                <a:extLst>
+                  <a:ext uri="{FF2B5EF4-FFF2-40B4-BE49-F238E27FC236}">
+                    <a16:creationId xmlns:a16="http://schemas.microsoft.com/office/drawing/2014/main" id="{FA6D94E6-8940-3C64-B772-72807355055C}"/>
+                  </a:ext>
+                </a:extLst>
+              </p:cNvPr>
+              <p:cNvSpPr/>
+              <p:nvPr/>
+            </p:nvSpPr>
+            <p:spPr>
+              <a:xfrm>
+                <a:off x="7327545" y="3713197"/>
+                <a:ext cx="346553" cy="225283"/>
+              </a:xfrm>
+              <a:prstGeom prst="rect">
+                <a:avLst/>
+              </a:prstGeom>
+              <a:solidFill>
+                <a:schemeClr val="bg1"/>
+              </a:solidFill>
+              <a:ln>
+                <a:solidFill>
+                  <a:schemeClr val="tx1"/>
+                </a:solidFill>
+              </a:ln>
+            </p:spPr>
+            <p:style>
+              <a:lnRef idx="2">
+                <a:schemeClr val="accent1">
+                  <a:shade val="50000"/>
+                </a:schemeClr>
+              </a:lnRef>
+              <a:fillRef idx="1">
+                <a:schemeClr val="accent1"/>
+              </a:fillRef>
+              <a:effectRef idx="0">
+                <a:schemeClr val="accent1"/>
+              </a:effectRef>
+              <a:fontRef idx="minor">
+                <a:schemeClr val="lt1"/>
+              </a:fontRef>
+            </p:style>
+            <p:txBody>
+              <a:bodyPr rtlCol="0" anchor="ctr"/>
+              <a:lstStyle/>
+              <a:p>
+                <a:pPr algn="ctr"/>
+                <a:endParaRPr lang="zh-CN" altLang="en-US"/>
+              </a:p>
+            </p:txBody>
+          </p:sp>
+          <p:sp>
+            <p:nvSpPr>
+              <p:cNvPr id="137" name="Rectangle 136">
+                <a:extLst>
+                  <a:ext uri="{FF2B5EF4-FFF2-40B4-BE49-F238E27FC236}">
+                    <a16:creationId xmlns:a16="http://schemas.microsoft.com/office/drawing/2014/main" id="{42F9D3BA-B6B4-56CD-15E8-14FF51B1699B}"/>
+                  </a:ext>
+                </a:extLst>
+              </p:cNvPr>
+              <p:cNvSpPr/>
+              <p:nvPr/>
+            </p:nvSpPr>
+            <p:spPr>
+              <a:xfrm>
+                <a:off x="7649854" y="4051153"/>
+                <a:ext cx="346553" cy="225283"/>
+              </a:xfrm>
+              <a:prstGeom prst="rect">
+                <a:avLst/>
+              </a:prstGeom>
+              <a:solidFill>
+                <a:schemeClr val="bg1"/>
+              </a:solidFill>
+              <a:ln>
+                <a:solidFill>
+                  <a:schemeClr val="tx1"/>
+                </a:solidFill>
+              </a:ln>
+            </p:spPr>
+            <p:style>
+              <a:lnRef idx="2">
+                <a:schemeClr val="accent1">
+                  <a:shade val="50000"/>
+                </a:schemeClr>
+              </a:lnRef>
+              <a:fillRef idx="1">
+                <a:schemeClr val="accent1"/>
+              </a:fillRef>
+              <a:effectRef idx="0">
+                <a:schemeClr val="accent1"/>
+              </a:effectRef>
+              <a:fontRef idx="minor">
+                <a:schemeClr val="lt1"/>
+              </a:fontRef>
+            </p:style>
+            <p:txBody>
+              <a:bodyPr rtlCol="0" anchor="ctr"/>
+              <a:lstStyle/>
+              <a:p>
+                <a:pPr algn="ctr"/>
+                <a:endParaRPr lang="zh-CN" altLang="en-US"/>
+              </a:p>
+            </p:txBody>
+          </p:sp>
+          <p:sp>
+            <p:nvSpPr>
+              <p:cNvPr id="138" name="Rectangle 137">
+                <a:extLst>
+                  <a:ext uri="{FF2B5EF4-FFF2-40B4-BE49-F238E27FC236}">
+                    <a16:creationId xmlns:a16="http://schemas.microsoft.com/office/drawing/2014/main" id="{002B060A-AF56-752D-A4E4-8582CD36D4B1}"/>
+                  </a:ext>
+                </a:extLst>
+              </p:cNvPr>
+              <p:cNvSpPr/>
+              <p:nvPr/>
+            </p:nvSpPr>
+            <p:spPr>
+              <a:xfrm>
+                <a:off x="7649853" y="3858868"/>
+                <a:ext cx="346553" cy="225283"/>
+              </a:xfrm>
+              <a:prstGeom prst="rect">
+                <a:avLst/>
+              </a:prstGeom>
+              <a:solidFill>
+                <a:schemeClr val="bg1"/>
+              </a:solidFill>
+              <a:ln>
+                <a:solidFill>
+                  <a:schemeClr val="tx1"/>
+                </a:solidFill>
+              </a:ln>
+            </p:spPr>
+            <p:style>
+              <a:lnRef idx="2">
+                <a:schemeClr val="accent1">
+                  <a:shade val="50000"/>
+                </a:schemeClr>
+              </a:lnRef>
+              <a:fillRef idx="1">
+                <a:schemeClr val="accent1"/>
+              </a:fillRef>
+              <a:effectRef idx="0">
+                <a:schemeClr val="accent1"/>
+              </a:effectRef>
+              <a:fontRef idx="minor">
+                <a:schemeClr val="lt1"/>
+              </a:fontRef>
+            </p:style>
+            <p:txBody>
+              <a:bodyPr rtlCol="0" anchor="ctr"/>
+              <a:lstStyle/>
+              <a:p>
+                <a:pPr algn="ctr"/>
+                <a:endParaRPr lang="zh-CN" altLang="en-US"/>
+              </a:p>
+            </p:txBody>
+          </p:sp>
+          <p:sp>
+            <p:nvSpPr>
+              <p:cNvPr id="139" name="Rectangle 138">
+                <a:extLst>
+                  <a:ext uri="{FF2B5EF4-FFF2-40B4-BE49-F238E27FC236}">
+                    <a16:creationId xmlns:a16="http://schemas.microsoft.com/office/drawing/2014/main" id="{29DC001D-4ADD-3E18-D50D-D995BF2531C6}"/>
+                  </a:ext>
+                </a:extLst>
+              </p:cNvPr>
+              <p:cNvSpPr/>
+              <p:nvPr/>
+            </p:nvSpPr>
+            <p:spPr>
+              <a:xfrm>
+                <a:off x="7654737" y="3681213"/>
+                <a:ext cx="346553" cy="225283"/>
+              </a:xfrm>
+              <a:prstGeom prst="rect">
+                <a:avLst/>
+              </a:prstGeom>
+              <a:solidFill>
+                <a:schemeClr val="bg1"/>
+              </a:solidFill>
+              <a:ln>
+                <a:solidFill>
+                  <a:schemeClr val="tx1"/>
+                </a:solidFill>
+              </a:ln>
+            </p:spPr>
+            <p:style>
+              <a:lnRef idx="2">
+                <a:schemeClr val="accent1">
+                  <a:shade val="50000"/>
+                </a:schemeClr>
+              </a:lnRef>
+              <a:fillRef idx="1">
+                <a:schemeClr val="accent1"/>
+              </a:fillRef>
+              <a:effectRef idx="0">
+                <a:schemeClr val="accent1"/>
+              </a:effectRef>
+              <a:fontRef idx="minor">
+                <a:schemeClr val="lt1"/>
+              </a:fontRef>
+            </p:style>
+            <p:txBody>
+              <a:bodyPr rtlCol="0" anchor="ctr"/>
+              <a:lstStyle/>
+              <a:p>
+                <a:pPr algn="ctr"/>
+                <a:endParaRPr lang="zh-CN" altLang="en-US"/>
+              </a:p>
+            </p:txBody>
+          </p:sp>
+          <p:sp>
+            <p:nvSpPr>
+              <p:cNvPr id="140" name="Rectangle 139">
+                <a:extLst>
+                  <a:ext uri="{FF2B5EF4-FFF2-40B4-BE49-F238E27FC236}">
+                    <a16:creationId xmlns:a16="http://schemas.microsoft.com/office/drawing/2014/main" id="{52A792A1-B2E4-EEC0-D79B-BF7E05558C86}"/>
+                  </a:ext>
+                </a:extLst>
+              </p:cNvPr>
+              <p:cNvSpPr/>
+              <p:nvPr/>
+            </p:nvSpPr>
+            <p:spPr>
+              <a:xfrm>
+                <a:off x="8015629" y="4122730"/>
+                <a:ext cx="346553" cy="225283"/>
+              </a:xfrm>
+              <a:prstGeom prst="rect">
+                <a:avLst/>
+              </a:prstGeom>
+              <a:solidFill>
+                <a:schemeClr val="bg1"/>
+              </a:solidFill>
+              <a:ln>
+                <a:solidFill>
+                  <a:schemeClr val="tx1"/>
+                </a:solidFill>
+              </a:ln>
+            </p:spPr>
+            <p:style>
+              <a:lnRef idx="2">
+                <a:schemeClr val="accent1">
+                  <a:shade val="50000"/>
+                </a:schemeClr>
+              </a:lnRef>
+              <a:fillRef idx="1">
+                <a:schemeClr val="accent1"/>
+              </a:fillRef>
+              <a:effectRef idx="0">
+                <a:schemeClr val="accent1"/>
+              </a:effectRef>
+              <a:fontRef idx="minor">
+                <a:schemeClr val="lt1"/>
+              </a:fontRef>
+            </p:style>
+            <p:txBody>
+              <a:bodyPr rtlCol="0" anchor="ctr"/>
+              <a:lstStyle/>
+              <a:p>
+                <a:pPr algn="ctr"/>
+                <a:endParaRPr lang="zh-CN" altLang="en-US"/>
+              </a:p>
+            </p:txBody>
+          </p:sp>
+          <p:sp>
+            <p:nvSpPr>
+              <p:cNvPr id="141" name="Rectangle 140">
+                <a:extLst>
+                  <a:ext uri="{FF2B5EF4-FFF2-40B4-BE49-F238E27FC236}">
+                    <a16:creationId xmlns:a16="http://schemas.microsoft.com/office/drawing/2014/main" id="{2480887C-7299-F986-54D9-FE447C346F02}"/>
+                  </a:ext>
+                </a:extLst>
+              </p:cNvPr>
+              <p:cNvSpPr/>
+              <p:nvPr/>
+            </p:nvSpPr>
+            <p:spPr>
+              <a:xfrm>
+                <a:off x="8015628" y="3930445"/>
+                <a:ext cx="346553" cy="225283"/>
+              </a:xfrm>
+              <a:prstGeom prst="rect">
+                <a:avLst/>
+              </a:prstGeom>
+              <a:solidFill>
+                <a:schemeClr val="bg1"/>
+              </a:solidFill>
+              <a:ln>
+                <a:solidFill>
+                  <a:schemeClr val="tx1"/>
+                </a:solidFill>
+              </a:ln>
+            </p:spPr>
+            <p:style>
+              <a:lnRef idx="2">
+                <a:schemeClr val="accent1">
+                  <a:shade val="50000"/>
+                </a:schemeClr>
+              </a:lnRef>
+              <a:fillRef idx="1">
+                <a:schemeClr val="accent1"/>
+              </a:fillRef>
+              <a:effectRef idx="0">
+                <a:schemeClr val="accent1"/>
+              </a:effectRef>
+              <a:fontRef idx="minor">
+                <a:schemeClr val="lt1"/>
+              </a:fontRef>
+            </p:style>
+            <p:txBody>
+              <a:bodyPr rtlCol="0" anchor="ctr"/>
+              <a:lstStyle/>
+              <a:p>
+                <a:pPr algn="ctr"/>
+                <a:endParaRPr lang="zh-CN" altLang="en-US"/>
+              </a:p>
+            </p:txBody>
+          </p:sp>
+          <p:sp>
+            <p:nvSpPr>
+              <p:cNvPr id="142" name="Rectangle 141">
+                <a:extLst>
+                  <a:ext uri="{FF2B5EF4-FFF2-40B4-BE49-F238E27FC236}">
+                    <a16:creationId xmlns:a16="http://schemas.microsoft.com/office/drawing/2014/main" id="{B74AED3C-29C3-6BBD-7A51-DAB08740D3DE}"/>
+                  </a:ext>
+                </a:extLst>
+              </p:cNvPr>
+              <p:cNvSpPr/>
+              <p:nvPr/>
+            </p:nvSpPr>
+            <p:spPr>
+              <a:xfrm>
+                <a:off x="8010395" y="3760862"/>
+                <a:ext cx="346553" cy="225283"/>
+              </a:xfrm>
+              <a:prstGeom prst="rect">
+                <a:avLst/>
+              </a:prstGeom>
+              <a:solidFill>
+                <a:schemeClr val="bg1"/>
+              </a:solidFill>
+              <a:ln>
+                <a:solidFill>
+                  <a:schemeClr val="tx1"/>
+                </a:solidFill>
+              </a:ln>
+            </p:spPr>
+            <p:style>
+              <a:lnRef idx="2">
+                <a:schemeClr val="accent1">
+                  <a:shade val="50000"/>
+                </a:schemeClr>
+              </a:lnRef>
+              <a:fillRef idx="1">
+                <a:schemeClr val="accent1"/>
+              </a:fillRef>
+              <a:effectRef idx="0">
+                <a:schemeClr val="accent1"/>
+              </a:effectRef>
+              <a:fontRef idx="minor">
+                <a:schemeClr val="lt1"/>
+              </a:fontRef>
+            </p:style>
+            <p:txBody>
+              <a:bodyPr rtlCol="0" anchor="ctr"/>
+              <a:lstStyle/>
+              <a:p>
+                <a:pPr algn="ctr"/>
+                <a:endParaRPr lang="zh-CN" altLang="en-US"/>
+              </a:p>
+            </p:txBody>
+          </p:sp>
+          <p:sp>
+            <p:nvSpPr>
+              <p:cNvPr id="143" name="Rectangle 142">
+                <a:extLst>
+                  <a:ext uri="{FF2B5EF4-FFF2-40B4-BE49-F238E27FC236}">
+                    <a16:creationId xmlns:a16="http://schemas.microsoft.com/office/drawing/2014/main" id="{9F1C5C51-D85D-0694-C222-4FDAB485912A}"/>
+                  </a:ext>
+                </a:extLst>
+              </p:cNvPr>
+              <p:cNvSpPr/>
+              <p:nvPr/>
+            </p:nvSpPr>
+            <p:spPr>
+              <a:xfrm>
+                <a:off x="8010395" y="3553477"/>
+                <a:ext cx="346553" cy="225283"/>
+              </a:xfrm>
+              <a:prstGeom prst="rect">
+                <a:avLst/>
+              </a:prstGeom>
+              <a:solidFill>
+                <a:schemeClr val="bg1"/>
+              </a:solidFill>
+              <a:ln>
+                <a:solidFill>
+                  <a:schemeClr val="tx1"/>
+                </a:solidFill>
+              </a:ln>
+            </p:spPr>
+            <p:style>
+              <a:lnRef idx="2">
+                <a:schemeClr val="accent1">
+                  <a:shade val="50000"/>
+                </a:schemeClr>
+              </a:lnRef>
+              <a:fillRef idx="1">
+                <a:schemeClr val="accent1"/>
+              </a:fillRef>
+              <a:effectRef idx="0">
+                <a:schemeClr val="accent1"/>
+              </a:effectRef>
+              <a:fontRef idx="minor">
+                <a:schemeClr val="lt1"/>
+              </a:fontRef>
+            </p:style>
+            <p:txBody>
+              <a:bodyPr rtlCol="0" anchor="ctr"/>
+              <a:lstStyle/>
+              <a:p>
+                <a:pPr algn="ctr"/>
+                <a:endParaRPr lang="zh-CN" altLang="en-US"/>
+              </a:p>
+            </p:txBody>
+          </p:sp>
+        </p:grpSp>
+      </p:grpSp>
+      <p:grpSp>
+        <p:nvGrpSpPr>
+          <p:cNvPr id="144" name="Group 143">
+            <a:extLst>
+              <a:ext uri="{FF2B5EF4-FFF2-40B4-BE49-F238E27FC236}">
+                <a16:creationId xmlns:a16="http://schemas.microsoft.com/office/drawing/2014/main" id="{51A00D7E-566F-C67E-43C7-B67F23401AC7}"/>
+              </a:ext>
+            </a:extLst>
+          </p:cNvPr>
+          <p:cNvGrpSpPr/>
+          <p:nvPr/>
+        </p:nvGrpSpPr>
+        <p:grpSpPr>
+          <a:xfrm>
+            <a:off x="7384025" y="4210761"/>
+            <a:ext cx="1048765" cy="848625"/>
+            <a:chOff x="7312058" y="3594608"/>
+            <a:chExt cx="1048765" cy="848625"/>
+          </a:xfrm>
+        </p:grpSpPr>
+        <p:sp>
+          <p:nvSpPr>
+            <p:cNvPr id="145" name="Rectangle 144">
+              <a:extLst>
+                <a:ext uri="{FF2B5EF4-FFF2-40B4-BE49-F238E27FC236}">
+                  <a16:creationId xmlns:a16="http://schemas.microsoft.com/office/drawing/2014/main" id="{098CECCA-9B38-20BF-1AEF-F4288D90FB84}"/>
+                </a:ext>
+              </a:extLst>
+            </p:cNvPr>
+            <p:cNvSpPr/>
+            <p:nvPr/>
+          </p:nvSpPr>
+          <p:spPr>
+            <a:xfrm>
+              <a:off x="7316506" y="3594608"/>
+              <a:ext cx="346553" cy="225283"/>
+            </a:xfrm>
+            <a:prstGeom prst="rect">
+              <a:avLst/>
+            </a:prstGeom>
+            <a:solidFill>
+              <a:schemeClr val="bg1"/>
+            </a:solidFill>
+            <a:ln>
+              <a:solidFill>
+                <a:schemeClr val="tx1"/>
+              </a:solidFill>
+            </a:ln>
+          </p:spPr>
+          <p:style>
+            <a:lnRef idx="2">
+              <a:schemeClr val="accent1">
+                <a:shade val="50000"/>
+              </a:schemeClr>
+            </a:lnRef>
+            <a:fillRef idx="1">
+              <a:schemeClr val="accent1"/>
+            </a:fillRef>
+            <a:effectRef idx="0">
+              <a:schemeClr val="accent1"/>
+            </a:effectRef>
+            <a:fontRef idx="minor">
+              <a:schemeClr val="lt1"/>
+            </a:fontRef>
+          </p:style>
+          <p:txBody>
+            <a:bodyPr rtlCol="0" anchor="ctr"/>
+            <a:lstStyle/>
+            <a:p>
+              <a:pPr algn="ctr"/>
+              <a:endParaRPr lang="zh-CN" altLang="en-US"/>
+            </a:p>
+          </p:txBody>
+        </p:sp>
+        <p:sp>
+          <p:nvSpPr>
+            <p:cNvPr id="146" name="Rectangle 145">
+              <a:extLst>
+                <a:ext uri="{FF2B5EF4-FFF2-40B4-BE49-F238E27FC236}">
+                  <a16:creationId xmlns:a16="http://schemas.microsoft.com/office/drawing/2014/main" id="{F84D3C14-B3EF-3B74-0A39-23A25F8F6C8F}"/>
+                </a:ext>
+              </a:extLst>
+            </p:cNvPr>
+            <p:cNvSpPr/>
+            <p:nvPr/>
+          </p:nvSpPr>
+          <p:spPr>
+            <a:xfrm>
+              <a:off x="7657930" y="3594608"/>
+              <a:ext cx="346553" cy="225283"/>
+            </a:xfrm>
+            <a:prstGeom prst="rect">
+              <a:avLst/>
+            </a:prstGeom>
+            <a:solidFill>
+              <a:schemeClr val="bg1"/>
+            </a:solidFill>
+            <a:ln>
+              <a:solidFill>
+                <a:schemeClr val="tx1"/>
+              </a:solidFill>
+            </a:ln>
+          </p:spPr>
+          <p:style>
+            <a:lnRef idx="2">
+              <a:schemeClr val="accent1">
+                <a:shade val="50000"/>
+              </a:schemeClr>
+            </a:lnRef>
+            <a:fillRef idx="1">
+              <a:schemeClr val="accent1"/>
+            </a:fillRef>
+            <a:effectRef idx="0">
+              <a:schemeClr val="accent1"/>
+            </a:effectRef>
+            <a:fontRef idx="minor">
+              <a:schemeClr val="lt1"/>
+            </a:fontRef>
+          </p:style>
+          <p:txBody>
+            <a:bodyPr rtlCol="0" anchor="ctr"/>
+            <a:lstStyle/>
+            <a:p>
+              <a:pPr algn="ctr"/>
+              <a:endParaRPr lang="zh-CN" altLang="en-US" dirty="0"/>
+            </a:p>
+          </p:txBody>
+        </p:sp>
+        <p:grpSp>
+          <p:nvGrpSpPr>
+            <p:cNvPr id="147" name="Group 146">
+              <a:extLst>
+                <a:ext uri="{FF2B5EF4-FFF2-40B4-BE49-F238E27FC236}">
+                  <a16:creationId xmlns:a16="http://schemas.microsoft.com/office/drawing/2014/main" id="{31E592C0-4CB2-79DB-65B8-978F03371F99}"/>
+                </a:ext>
+              </a:extLst>
+            </p:cNvPr>
+            <p:cNvGrpSpPr/>
+            <p:nvPr/>
+          </p:nvGrpSpPr>
+          <p:grpSpPr>
+            <a:xfrm>
+              <a:off x="7312058" y="3648697"/>
+              <a:ext cx="1048765" cy="794536"/>
+              <a:chOff x="7313417" y="3553477"/>
+              <a:chExt cx="1048765" cy="794536"/>
+            </a:xfrm>
+          </p:grpSpPr>
+          <p:sp>
+            <p:nvSpPr>
+              <p:cNvPr id="148" name="Rectangle 147">
+                <a:extLst>
+                  <a:ext uri="{FF2B5EF4-FFF2-40B4-BE49-F238E27FC236}">
+                    <a16:creationId xmlns:a16="http://schemas.microsoft.com/office/drawing/2014/main" id="{B0CE4D51-CCA4-0451-D507-CBF5534F81F0}"/>
+                  </a:ext>
+                </a:extLst>
+              </p:cNvPr>
+              <p:cNvSpPr/>
+              <p:nvPr/>
+            </p:nvSpPr>
+            <p:spPr>
+              <a:xfrm>
+                <a:off x="7313418" y="4076433"/>
+                <a:ext cx="346553" cy="225283"/>
+              </a:xfrm>
+              <a:prstGeom prst="rect">
+                <a:avLst/>
+              </a:prstGeom>
+              <a:solidFill>
+                <a:schemeClr val="bg1"/>
+              </a:solidFill>
+              <a:ln>
+                <a:solidFill>
+                  <a:schemeClr val="tx1"/>
+                </a:solidFill>
+              </a:ln>
+            </p:spPr>
+            <p:style>
+              <a:lnRef idx="2">
+                <a:schemeClr val="accent1">
+                  <a:shade val="50000"/>
+                </a:schemeClr>
+              </a:lnRef>
+              <a:fillRef idx="1">
+                <a:schemeClr val="accent1"/>
+              </a:fillRef>
+              <a:effectRef idx="0">
+                <a:schemeClr val="accent1"/>
+              </a:effectRef>
+              <a:fontRef idx="minor">
+                <a:schemeClr val="lt1"/>
+              </a:fontRef>
+            </p:style>
+            <p:txBody>
+              <a:bodyPr rtlCol="0" anchor="ctr"/>
+              <a:lstStyle/>
+              <a:p>
+                <a:pPr algn="ctr"/>
+                <a:endParaRPr lang="zh-CN" altLang="en-US"/>
+              </a:p>
+            </p:txBody>
+          </p:sp>
+          <p:sp>
+            <p:nvSpPr>
+              <p:cNvPr id="149" name="Rectangle 148">
+                <a:extLst>
+                  <a:ext uri="{FF2B5EF4-FFF2-40B4-BE49-F238E27FC236}">
+                    <a16:creationId xmlns:a16="http://schemas.microsoft.com/office/drawing/2014/main" id="{169E7086-B582-2D83-81B5-3B4C5FF498F3}"/>
+                  </a:ext>
+                </a:extLst>
+              </p:cNvPr>
+              <p:cNvSpPr/>
+              <p:nvPr/>
+            </p:nvSpPr>
+            <p:spPr>
+              <a:xfrm>
+                <a:off x="7313417" y="3884148"/>
+                <a:ext cx="346553" cy="225283"/>
+              </a:xfrm>
+              <a:prstGeom prst="rect">
+                <a:avLst/>
+              </a:prstGeom>
+              <a:solidFill>
+                <a:schemeClr val="bg1"/>
+              </a:solidFill>
+              <a:ln>
+                <a:solidFill>
+                  <a:schemeClr val="tx1"/>
+                </a:solidFill>
+              </a:ln>
+            </p:spPr>
+            <p:style>
+              <a:lnRef idx="2">
+                <a:schemeClr val="accent1">
+                  <a:shade val="50000"/>
+                </a:schemeClr>
+              </a:lnRef>
+              <a:fillRef idx="1">
+                <a:schemeClr val="accent1"/>
+              </a:fillRef>
+              <a:effectRef idx="0">
+                <a:schemeClr val="accent1"/>
+              </a:effectRef>
+              <a:fontRef idx="minor">
+                <a:schemeClr val="lt1"/>
+              </a:fontRef>
+            </p:style>
+            <p:txBody>
+              <a:bodyPr rtlCol="0" anchor="ctr"/>
+              <a:lstStyle/>
+              <a:p>
+                <a:pPr algn="ctr"/>
+                <a:endParaRPr lang="zh-CN" altLang="en-US"/>
+              </a:p>
+            </p:txBody>
+          </p:sp>
+          <p:sp>
+            <p:nvSpPr>
+              <p:cNvPr id="150" name="Rectangle 149">
+                <a:extLst>
+                  <a:ext uri="{FF2B5EF4-FFF2-40B4-BE49-F238E27FC236}">
+                    <a16:creationId xmlns:a16="http://schemas.microsoft.com/office/drawing/2014/main" id="{7273FBC5-766D-FE83-3094-5CA1C3FD013F}"/>
+                  </a:ext>
+                </a:extLst>
+              </p:cNvPr>
+              <p:cNvSpPr/>
+              <p:nvPr/>
+            </p:nvSpPr>
+            <p:spPr>
+              <a:xfrm>
+                <a:off x="7327545" y="3713197"/>
+                <a:ext cx="346553" cy="225283"/>
+              </a:xfrm>
+              <a:prstGeom prst="rect">
+                <a:avLst/>
+              </a:prstGeom>
+              <a:solidFill>
+                <a:schemeClr val="bg1"/>
+              </a:solidFill>
+              <a:ln>
+                <a:solidFill>
+                  <a:schemeClr val="tx1"/>
+                </a:solidFill>
+              </a:ln>
+            </p:spPr>
+            <p:style>
+              <a:lnRef idx="2">
+                <a:schemeClr val="accent1">
+                  <a:shade val="50000"/>
+                </a:schemeClr>
+              </a:lnRef>
+              <a:fillRef idx="1">
+                <a:schemeClr val="accent1"/>
+              </a:fillRef>
+              <a:effectRef idx="0">
+                <a:schemeClr val="accent1"/>
+              </a:effectRef>
+              <a:fontRef idx="minor">
+                <a:schemeClr val="lt1"/>
+              </a:fontRef>
+            </p:style>
+            <p:txBody>
+              <a:bodyPr rtlCol="0" anchor="ctr"/>
+              <a:lstStyle/>
+              <a:p>
+                <a:pPr algn="ctr"/>
+                <a:endParaRPr lang="zh-CN" altLang="en-US"/>
+              </a:p>
+            </p:txBody>
+          </p:sp>
+          <p:sp>
+            <p:nvSpPr>
+              <p:cNvPr id="151" name="Rectangle 150">
+                <a:extLst>
+                  <a:ext uri="{FF2B5EF4-FFF2-40B4-BE49-F238E27FC236}">
+                    <a16:creationId xmlns:a16="http://schemas.microsoft.com/office/drawing/2014/main" id="{CC2BE243-C71C-9C17-AF6B-BD9077E4FB1C}"/>
+                  </a:ext>
+                </a:extLst>
+              </p:cNvPr>
+              <p:cNvSpPr/>
+              <p:nvPr/>
+            </p:nvSpPr>
+            <p:spPr>
+              <a:xfrm>
+                <a:off x="7649854" y="4051153"/>
+                <a:ext cx="346553" cy="225283"/>
+              </a:xfrm>
+              <a:prstGeom prst="rect">
+                <a:avLst/>
+              </a:prstGeom>
+              <a:solidFill>
+                <a:schemeClr val="bg1"/>
+              </a:solidFill>
+              <a:ln>
+                <a:solidFill>
+                  <a:schemeClr val="tx1"/>
+                </a:solidFill>
+              </a:ln>
+            </p:spPr>
+            <p:style>
+              <a:lnRef idx="2">
+                <a:schemeClr val="accent1">
+                  <a:shade val="50000"/>
+                </a:schemeClr>
+              </a:lnRef>
+              <a:fillRef idx="1">
+                <a:schemeClr val="accent1"/>
+              </a:fillRef>
+              <a:effectRef idx="0">
+                <a:schemeClr val="accent1"/>
+              </a:effectRef>
+              <a:fontRef idx="minor">
+                <a:schemeClr val="lt1"/>
+              </a:fontRef>
+            </p:style>
+            <p:txBody>
+              <a:bodyPr rtlCol="0" anchor="ctr"/>
+              <a:lstStyle/>
+              <a:p>
+                <a:pPr algn="ctr"/>
+                <a:endParaRPr lang="zh-CN" altLang="en-US"/>
+              </a:p>
+            </p:txBody>
+          </p:sp>
+          <p:sp>
+            <p:nvSpPr>
+              <p:cNvPr id="152" name="Rectangle 151">
+                <a:extLst>
+                  <a:ext uri="{FF2B5EF4-FFF2-40B4-BE49-F238E27FC236}">
+                    <a16:creationId xmlns:a16="http://schemas.microsoft.com/office/drawing/2014/main" id="{C207D965-8599-9E82-F328-67CF79DBAA34}"/>
+                  </a:ext>
+                </a:extLst>
+              </p:cNvPr>
+              <p:cNvSpPr/>
+              <p:nvPr/>
+            </p:nvSpPr>
+            <p:spPr>
+              <a:xfrm>
+                <a:off x="7649853" y="3858868"/>
+                <a:ext cx="346553" cy="225283"/>
+              </a:xfrm>
+              <a:prstGeom prst="rect">
+                <a:avLst/>
+              </a:prstGeom>
+              <a:solidFill>
+                <a:schemeClr val="bg1"/>
+              </a:solidFill>
+              <a:ln>
+                <a:solidFill>
+                  <a:schemeClr val="tx1"/>
+                </a:solidFill>
+              </a:ln>
+            </p:spPr>
+            <p:style>
+              <a:lnRef idx="2">
+                <a:schemeClr val="accent1">
+                  <a:shade val="50000"/>
+                </a:schemeClr>
+              </a:lnRef>
+              <a:fillRef idx="1">
+                <a:schemeClr val="accent1"/>
+              </a:fillRef>
+              <a:effectRef idx="0">
+                <a:schemeClr val="accent1"/>
+              </a:effectRef>
+              <a:fontRef idx="minor">
+                <a:schemeClr val="lt1"/>
+              </a:fontRef>
+            </p:style>
+            <p:txBody>
+              <a:bodyPr rtlCol="0" anchor="ctr"/>
+              <a:lstStyle/>
+              <a:p>
+                <a:pPr algn="ctr"/>
+                <a:endParaRPr lang="zh-CN" altLang="en-US"/>
+              </a:p>
+            </p:txBody>
+          </p:sp>
+          <p:sp>
+            <p:nvSpPr>
+              <p:cNvPr id="153" name="Rectangle 152">
+                <a:extLst>
+                  <a:ext uri="{FF2B5EF4-FFF2-40B4-BE49-F238E27FC236}">
+                    <a16:creationId xmlns:a16="http://schemas.microsoft.com/office/drawing/2014/main" id="{62078018-305B-B034-2E9C-11E9B7430323}"/>
+                  </a:ext>
+                </a:extLst>
+              </p:cNvPr>
+              <p:cNvSpPr/>
+              <p:nvPr/>
+            </p:nvSpPr>
+            <p:spPr>
+              <a:xfrm>
+                <a:off x="7654737" y="3681213"/>
+                <a:ext cx="346553" cy="225283"/>
+              </a:xfrm>
+              <a:prstGeom prst="rect">
+                <a:avLst/>
+              </a:prstGeom>
+              <a:solidFill>
+                <a:schemeClr val="bg1"/>
+              </a:solidFill>
+              <a:ln>
+                <a:solidFill>
+                  <a:schemeClr val="tx1"/>
+                </a:solidFill>
+              </a:ln>
+            </p:spPr>
+            <p:style>
+              <a:lnRef idx="2">
+                <a:schemeClr val="accent1">
+                  <a:shade val="50000"/>
+                </a:schemeClr>
+              </a:lnRef>
+              <a:fillRef idx="1">
+                <a:schemeClr val="accent1"/>
+              </a:fillRef>
+              <a:effectRef idx="0">
+                <a:schemeClr val="accent1"/>
+              </a:effectRef>
+              <a:fontRef idx="minor">
+                <a:schemeClr val="lt1"/>
+              </a:fontRef>
+            </p:style>
+            <p:txBody>
+              <a:bodyPr rtlCol="0" anchor="ctr"/>
+              <a:lstStyle/>
+              <a:p>
+                <a:pPr algn="ctr"/>
+                <a:endParaRPr lang="zh-CN" altLang="en-US"/>
+              </a:p>
+            </p:txBody>
+          </p:sp>
+          <p:sp>
+            <p:nvSpPr>
+              <p:cNvPr id="154" name="Rectangle 153">
+                <a:extLst>
+                  <a:ext uri="{FF2B5EF4-FFF2-40B4-BE49-F238E27FC236}">
+                    <a16:creationId xmlns:a16="http://schemas.microsoft.com/office/drawing/2014/main" id="{9C04B92C-375D-20C8-EB02-0B32FD7CEA64}"/>
+                  </a:ext>
+                </a:extLst>
+              </p:cNvPr>
+              <p:cNvSpPr/>
+              <p:nvPr/>
+            </p:nvSpPr>
+            <p:spPr>
+              <a:xfrm>
+                <a:off x="8015629" y="4122730"/>
+                <a:ext cx="346553" cy="225283"/>
+              </a:xfrm>
+              <a:prstGeom prst="rect">
+                <a:avLst/>
+              </a:prstGeom>
+              <a:solidFill>
+                <a:schemeClr val="bg1"/>
+              </a:solidFill>
+              <a:ln>
+                <a:solidFill>
+                  <a:schemeClr val="tx1"/>
+                </a:solidFill>
+              </a:ln>
+            </p:spPr>
+            <p:style>
+              <a:lnRef idx="2">
+                <a:schemeClr val="accent1">
+                  <a:shade val="50000"/>
+                </a:schemeClr>
+              </a:lnRef>
+              <a:fillRef idx="1">
+                <a:schemeClr val="accent1"/>
+              </a:fillRef>
+              <a:effectRef idx="0">
+                <a:schemeClr val="accent1"/>
+              </a:effectRef>
+              <a:fontRef idx="minor">
+                <a:schemeClr val="lt1"/>
+              </a:fontRef>
+            </p:style>
+            <p:txBody>
+              <a:bodyPr rtlCol="0" anchor="ctr"/>
+              <a:lstStyle/>
+              <a:p>
+                <a:pPr algn="ctr"/>
+                <a:endParaRPr lang="zh-CN" altLang="en-US"/>
+              </a:p>
+            </p:txBody>
+          </p:sp>
+          <p:sp>
+            <p:nvSpPr>
+              <p:cNvPr id="155" name="Rectangle 154">
+                <a:extLst>
+                  <a:ext uri="{FF2B5EF4-FFF2-40B4-BE49-F238E27FC236}">
+                    <a16:creationId xmlns:a16="http://schemas.microsoft.com/office/drawing/2014/main" id="{EDD7AAA4-7C1A-9FD7-4393-03E64BCB2A6A}"/>
+                  </a:ext>
+                </a:extLst>
+              </p:cNvPr>
+              <p:cNvSpPr/>
+              <p:nvPr/>
+            </p:nvSpPr>
+            <p:spPr>
+              <a:xfrm>
+                <a:off x="8015628" y="3930445"/>
+                <a:ext cx="346553" cy="225283"/>
+              </a:xfrm>
+              <a:prstGeom prst="rect">
+                <a:avLst/>
+              </a:prstGeom>
+              <a:solidFill>
+                <a:schemeClr val="bg1"/>
+              </a:solidFill>
+              <a:ln>
+                <a:solidFill>
+                  <a:schemeClr val="tx1"/>
+                </a:solidFill>
+              </a:ln>
+            </p:spPr>
+            <p:style>
+              <a:lnRef idx="2">
+                <a:schemeClr val="accent1">
+                  <a:shade val="50000"/>
+                </a:schemeClr>
+              </a:lnRef>
+              <a:fillRef idx="1">
+                <a:schemeClr val="accent1"/>
+              </a:fillRef>
+              <a:effectRef idx="0">
+                <a:schemeClr val="accent1"/>
+              </a:effectRef>
+              <a:fontRef idx="minor">
+                <a:schemeClr val="lt1"/>
+              </a:fontRef>
+            </p:style>
+            <p:txBody>
+              <a:bodyPr rtlCol="0" anchor="ctr"/>
+              <a:lstStyle/>
+              <a:p>
+                <a:pPr algn="ctr"/>
+                <a:endParaRPr lang="zh-CN" altLang="en-US"/>
+              </a:p>
+            </p:txBody>
+          </p:sp>
+          <p:sp>
+            <p:nvSpPr>
+              <p:cNvPr id="156" name="Rectangle 155">
+                <a:extLst>
+                  <a:ext uri="{FF2B5EF4-FFF2-40B4-BE49-F238E27FC236}">
+                    <a16:creationId xmlns:a16="http://schemas.microsoft.com/office/drawing/2014/main" id="{6BC72791-9219-E4BC-8841-CCEECD178436}"/>
+                  </a:ext>
+                </a:extLst>
+              </p:cNvPr>
+              <p:cNvSpPr/>
+              <p:nvPr/>
+            </p:nvSpPr>
+            <p:spPr>
+              <a:xfrm>
+                <a:off x="8010395" y="3760862"/>
+                <a:ext cx="346553" cy="225283"/>
+              </a:xfrm>
+              <a:prstGeom prst="rect">
+                <a:avLst/>
+              </a:prstGeom>
+              <a:solidFill>
+                <a:schemeClr val="bg1"/>
+              </a:solidFill>
+              <a:ln>
+                <a:solidFill>
+                  <a:schemeClr val="tx1"/>
+                </a:solidFill>
+              </a:ln>
+            </p:spPr>
+            <p:style>
+              <a:lnRef idx="2">
+                <a:schemeClr val="accent1">
+                  <a:shade val="50000"/>
+                </a:schemeClr>
+              </a:lnRef>
+              <a:fillRef idx="1">
+                <a:schemeClr val="accent1"/>
+              </a:fillRef>
+              <a:effectRef idx="0">
+                <a:schemeClr val="accent1"/>
+              </a:effectRef>
+              <a:fontRef idx="minor">
+                <a:schemeClr val="lt1"/>
+              </a:fontRef>
+            </p:style>
+            <p:txBody>
+              <a:bodyPr rtlCol="0" anchor="ctr"/>
+              <a:lstStyle/>
+              <a:p>
+                <a:pPr algn="ctr"/>
+                <a:endParaRPr lang="zh-CN" altLang="en-US"/>
+              </a:p>
+            </p:txBody>
+          </p:sp>
+          <p:sp>
+            <p:nvSpPr>
+              <p:cNvPr id="157" name="Rectangle 156">
+                <a:extLst>
+                  <a:ext uri="{FF2B5EF4-FFF2-40B4-BE49-F238E27FC236}">
+                    <a16:creationId xmlns:a16="http://schemas.microsoft.com/office/drawing/2014/main" id="{0D444F8C-A446-D340-F575-04B8FF1913F6}"/>
+                  </a:ext>
+                </a:extLst>
+              </p:cNvPr>
+              <p:cNvSpPr/>
+              <p:nvPr/>
+            </p:nvSpPr>
+            <p:spPr>
+              <a:xfrm>
+                <a:off x="8010395" y="3553477"/>
+                <a:ext cx="346553" cy="225283"/>
+              </a:xfrm>
+              <a:prstGeom prst="rect">
+                <a:avLst/>
+              </a:prstGeom>
+              <a:solidFill>
+                <a:schemeClr val="bg1"/>
+              </a:solidFill>
+              <a:ln>
+                <a:solidFill>
+                  <a:schemeClr val="tx1"/>
+                </a:solidFill>
+              </a:ln>
+            </p:spPr>
+            <p:style>
+              <a:lnRef idx="2">
+                <a:schemeClr val="accent1">
+                  <a:shade val="50000"/>
+                </a:schemeClr>
+              </a:lnRef>
+              <a:fillRef idx="1">
+                <a:schemeClr val="accent1"/>
+              </a:fillRef>
+              <a:effectRef idx="0">
+                <a:schemeClr val="accent1"/>
+              </a:effectRef>
+              <a:fontRef idx="minor">
+                <a:schemeClr val="lt1"/>
+              </a:fontRef>
+            </p:style>
+            <p:txBody>
+              <a:bodyPr rtlCol="0" anchor="ctr"/>
+              <a:lstStyle/>
+              <a:p>
+                <a:pPr algn="ctr"/>
+                <a:endParaRPr lang="zh-CN" altLang="en-US"/>
+              </a:p>
+            </p:txBody>
+          </p:sp>
+        </p:grpSp>
+      </p:grpSp>
+      <p:grpSp>
+        <p:nvGrpSpPr>
+          <p:cNvPr id="158" name="Group 157">
+            <a:extLst>
+              <a:ext uri="{FF2B5EF4-FFF2-40B4-BE49-F238E27FC236}">
+                <a16:creationId xmlns:a16="http://schemas.microsoft.com/office/drawing/2014/main" id="{FC9B063C-AAA5-A824-B466-66B2CFDD9B14}"/>
+              </a:ext>
+            </a:extLst>
+          </p:cNvPr>
+          <p:cNvGrpSpPr/>
+          <p:nvPr/>
+        </p:nvGrpSpPr>
+        <p:grpSpPr>
+          <a:xfrm>
+            <a:off x="6219372" y="3529749"/>
+            <a:ext cx="1048765" cy="848625"/>
+            <a:chOff x="7312058" y="3594608"/>
+            <a:chExt cx="1048765" cy="848625"/>
+          </a:xfrm>
+        </p:grpSpPr>
+        <p:sp>
+          <p:nvSpPr>
+            <p:cNvPr id="159" name="Rectangle 158">
+              <a:extLst>
+                <a:ext uri="{FF2B5EF4-FFF2-40B4-BE49-F238E27FC236}">
+                  <a16:creationId xmlns:a16="http://schemas.microsoft.com/office/drawing/2014/main" id="{3B2A6BF3-D629-2FCA-5DDA-528708904D0F}"/>
+                </a:ext>
+              </a:extLst>
+            </p:cNvPr>
+            <p:cNvSpPr/>
+            <p:nvPr/>
+          </p:nvSpPr>
+          <p:spPr>
+            <a:xfrm>
+              <a:off x="7316506" y="3594608"/>
+              <a:ext cx="346553" cy="225283"/>
+            </a:xfrm>
+            <a:prstGeom prst="rect">
+              <a:avLst/>
+            </a:prstGeom>
+            <a:solidFill>
+              <a:schemeClr val="bg1"/>
+            </a:solidFill>
+            <a:ln>
+              <a:solidFill>
+                <a:schemeClr val="tx1"/>
+              </a:solidFill>
+            </a:ln>
+          </p:spPr>
+          <p:style>
+            <a:lnRef idx="2">
+              <a:schemeClr val="accent1">
+                <a:shade val="50000"/>
+              </a:schemeClr>
+            </a:lnRef>
+            <a:fillRef idx="1">
+              <a:schemeClr val="accent1"/>
+            </a:fillRef>
+            <a:effectRef idx="0">
+              <a:schemeClr val="accent1"/>
+            </a:effectRef>
+            <a:fontRef idx="minor">
+              <a:schemeClr val="lt1"/>
+            </a:fontRef>
+          </p:style>
+          <p:txBody>
+            <a:bodyPr rtlCol="0" anchor="ctr"/>
+            <a:lstStyle/>
+            <a:p>
+              <a:pPr algn="ctr"/>
+              <a:endParaRPr lang="zh-CN" altLang="en-US"/>
+            </a:p>
+          </p:txBody>
+        </p:sp>
+        <p:sp>
+          <p:nvSpPr>
+            <p:cNvPr id="160" name="Rectangle 159">
+              <a:extLst>
+                <a:ext uri="{FF2B5EF4-FFF2-40B4-BE49-F238E27FC236}">
+                  <a16:creationId xmlns:a16="http://schemas.microsoft.com/office/drawing/2014/main" id="{954B668A-D8DB-13BE-7254-D98EA1602B1A}"/>
+                </a:ext>
+              </a:extLst>
+            </p:cNvPr>
+            <p:cNvSpPr/>
+            <p:nvPr/>
+          </p:nvSpPr>
+          <p:spPr>
+            <a:xfrm>
+              <a:off x="7657930" y="3594608"/>
+              <a:ext cx="346553" cy="225283"/>
+            </a:xfrm>
+            <a:prstGeom prst="rect">
+              <a:avLst/>
+            </a:prstGeom>
+            <a:solidFill>
+              <a:schemeClr val="bg1"/>
+            </a:solidFill>
+            <a:ln>
+              <a:solidFill>
+                <a:schemeClr val="tx1"/>
+              </a:solidFill>
+            </a:ln>
+          </p:spPr>
+          <p:style>
+            <a:lnRef idx="2">
+              <a:schemeClr val="accent1">
+                <a:shade val="50000"/>
+              </a:schemeClr>
+            </a:lnRef>
+            <a:fillRef idx="1">
+              <a:schemeClr val="accent1"/>
+            </a:fillRef>
+            <a:effectRef idx="0">
+              <a:schemeClr val="accent1"/>
+            </a:effectRef>
+            <a:fontRef idx="minor">
+              <a:schemeClr val="lt1"/>
+            </a:fontRef>
+          </p:style>
+          <p:txBody>
+            <a:bodyPr rtlCol="0" anchor="ctr"/>
+            <a:lstStyle/>
+            <a:p>
+              <a:pPr algn="ctr"/>
+              <a:endParaRPr lang="zh-CN" altLang="en-US" dirty="0"/>
+            </a:p>
+          </p:txBody>
+        </p:sp>
+        <p:grpSp>
+          <p:nvGrpSpPr>
+            <p:cNvPr id="161" name="Group 160">
+              <a:extLst>
+                <a:ext uri="{FF2B5EF4-FFF2-40B4-BE49-F238E27FC236}">
+                  <a16:creationId xmlns:a16="http://schemas.microsoft.com/office/drawing/2014/main" id="{4C16B218-BA88-74B1-5DD3-C5B00651C20D}"/>
+                </a:ext>
+              </a:extLst>
+            </p:cNvPr>
+            <p:cNvGrpSpPr/>
+            <p:nvPr/>
+          </p:nvGrpSpPr>
+          <p:grpSpPr>
+            <a:xfrm>
+              <a:off x="7312058" y="3648697"/>
+              <a:ext cx="1048765" cy="794536"/>
+              <a:chOff x="7313417" y="3553477"/>
+              <a:chExt cx="1048765" cy="794536"/>
+            </a:xfrm>
+          </p:grpSpPr>
+          <p:sp>
+            <p:nvSpPr>
+              <p:cNvPr id="162" name="Rectangle 161">
+                <a:extLst>
+                  <a:ext uri="{FF2B5EF4-FFF2-40B4-BE49-F238E27FC236}">
+                    <a16:creationId xmlns:a16="http://schemas.microsoft.com/office/drawing/2014/main" id="{ADDA02FD-E371-2670-DADF-34C61C5DC10F}"/>
+                  </a:ext>
+                </a:extLst>
+              </p:cNvPr>
+              <p:cNvSpPr/>
+              <p:nvPr/>
+            </p:nvSpPr>
+            <p:spPr>
+              <a:xfrm>
+                <a:off x="7313418" y="4076433"/>
+                <a:ext cx="346553" cy="225283"/>
+              </a:xfrm>
+              <a:prstGeom prst="rect">
+                <a:avLst/>
+              </a:prstGeom>
+              <a:solidFill>
+                <a:schemeClr val="bg1"/>
+              </a:solidFill>
+              <a:ln>
+                <a:solidFill>
+                  <a:schemeClr val="tx1"/>
+                </a:solidFill>
+              </a:ln>
+            </p:spPr>
+            <p:style>
+              <a:lnRef idx="2">
+                <a:schemeClr val="accent1">
+                  <a:shade val="50000"/>
+                </a:schemeClr>
+              </a:lnRef>
+              <a:fillRef idx="1">
+                <a:schemeClr val="accent1"/>
+              </a:fillRef>
+              <a:effectRef idx="0">
+                <a:schemeClr val="accent1"/>
+              </a:effectRef>
+              <a:fontRef idx="minor">
+                <a:schemeClr val="lt1"/>
+              </a:fontRef>
+            </p:style>
+            <p:txBody>
+              <a:bodyPr rtlCol="0" anchor="ctr"/>
+              <a:lstStyle/>
+              <a:p>
+                <a:pPr algn="ctr"/>
+                <a:endParaRPr lang="zh-CN" altLang="en-US"/>
+              </a:p>
+            </p:txBody>
+          </p:sp>
+          <p:sp>
+            <p:nvSpPr>
+              <p:cNvPr id="163" name="Rectangle 162">
+                <a:extLst>
+                  <a:ext uri="{FF2B5EF4-FFF2-40B4-BE49-F238E27FC236}">
+                    <a16:creationId xmlns:a16="http://schemas.microsoft.com/office/drawing/2014/main" id="{32769956-B844-EEB1-E0E3-1B182A7516C4}"/>
+                  </a:ext>
+                </a:extLst>
+              </p:cNvPr>
+              <p:cNvSpPr/>
+              <p:nvPr/>
+            </p:nvSpPr>
+            <p:spPr>
+              <a:xfrm>
+                <a:off x="7313417" y="3884148"/>
+                <a:ext cx="346553" cy="225283"/>
+              </a:xfrm>
+              <a:prstGeom prst="rect">
+                <a:avLst/>
+              </a:prstGeom>
+              <a:solidFill>
+                <a:schemeClr val="bg1"/>
+              </a:solidFill>
+              <a:ln>
+                <a:solidFill>
+                  <a:schemeClr val="tx1"/>
+                </a:solidFill>
+              </a:ln>
+            </p:spPr>
+            <p:style>
+              <a:lnRef idx="2">
+                <a:schemeClr val="accent1">
+                  <a:shade val="50000"/>
+                </a:schemeClr>
+              </a:lnRef>
+              <a:fillRef idx="1">
+                <a:schemeClr val="accent1"/>
+              </a:fillRef>
+              <a:effectRef idx="0">
+                <a:schemeClr val="accent1"/>
+              </a:effectRef>
+              <a:fontRef idx="minor">
+                <a:schemeClr val="lt1"/>
+              </a:fontRef>
+            </p:style>
+            <p:txBody>
+              <a:bodyPr rtlCol="0" anchor="ctr"/>
+              <a:lstStyle/>
+              <a:p>
+                <a:pPr algn="ctr"/>
+                <a:endParaRPr lang="zh-CN" altLang="en-US"/>
+              </a:p>
+            </p:txBody>
+          </p:sp>
+          <p:sp>
+            <p:nvSpPr>
+              <p:cNvPr id="164" name="Rectangle 163">
+                <a:extLst>
+                  <a:ext uri="{FF2B5EF4-FFF2-40B4-BE49-F238E27FC236}">
+                    <a16:creationId xmlns:a16="http://schemas.microsoft.com/office/drawing/2014/main" id="{FE87E30C-8561-D572-EE7B-753AFD5C74A0}"/>
+                  </a:ext>
+                </a:extLst>
+              </p:cNvPr>
+              <p:cNvSpPr/>
+              <p:nvPr/>
+            </p:nvSpPr>
+            <p:spPr>
+              <a:xfrm>
+                <a:off x="7327545" y="3713197"/>
+                <a:ext cx="346553" cy="225283"/>
+              </a:xfrm>
+              <a:prstGeom prst="rect">
+                <a:avLst/>
+              </a:prstGeom>
+              <a:solidFill>
+                <a:schemeClr val="bg1"/>
+              </a:solidFill>
+              <a:ln>
+                <a:solidFill>
+                  <a:schemeClr val="tx1"/>
+                </a:solidFill>
+              </a:ln>
+            </p:spPr>
+            <p:style>
+              <a:lnRef idx="2">
+                <a:schemeClr val="accent1">
+                  <a:shade val="50000"/>
+                </a:schemeClr>
+              </a:lnRef>
+              <a:fillRef idx="1">
+                <a:schemeClr val="accent1"/>
+              </a:fillRef>
+              <a:effectRef idx="0">
+                <a:schemeClr val="accent1"/>
+              </a:effectRef>
+              <a:fontRef idx="minor">
+                <a:schemeClr val="lt1"/>
+              </a:fontRef>
+            </p:style>
+            <p:txBody>
+              <a:bodyPr rtlCol="0" anchor="ctr"/>
+              <a:lstStyle/>
+              <a:p>
+                <a:pPr algn="ctr"/>
+                <a:endParaRPr lang="zh-CN" altLang="en-US"/>
+              </a:p>
+            </p:txBody>
+          </p:sp>
+          <p:sp>
+            <p:nvSpPr>
+              <p:cNvPr id="165" name="Rectangle 164">
+                <a:extLst>
+                  <a:ext uri="{FF2B5EF4-FFF2-40B4-BE49-F238E27FC236}">
+                    <a16:creationId xmlns:a16="http://schemas.microsoft.com/office/drawing/2014/main" id="{B789F609-E54B-4821-45D8-01BE4134D6E8}"/>
+                  </a:ext>
+                </a:extLst>
+              </p:cNvPr>
+              <p:cNvSpPr/>
+              <p:nvPr/>
+            </p:nvSpPr>
+            <p:spPr>
+              <a:xfrm>
+                <a:off x="7649854" y="4051153"/>
+                <a:ext cx="346553" cy="225283"/>
+              </a:xfrm>
+              <a:prstGeom prst="rect">
+                <a:avLst/>
+              </a:prstGeom>
+              <a:solidFill>
+                <a:schemeClr val="bg1"/>
+              </a:solidFill>
+              <a:ln>
+                <a:solidFill>
+                  <a:schemeClr val="tx1"/>
+                </a:solidFill>
+              </a:ln>
+            </p:spPr>
+            <p:style>
+              <a:lnRef idx="2">
+                <a:schemeClr val="accent1">
+                  <a:shade val="50000"/>
+                </a:schemeClr>
+              </a:lnRef>
+              <a:fillRef idx="1">
+                <a:schemeClr val="accent1"/>
+              </a:fillRef>
+              <a:effectRef idx="0">
+                <a:schemeClr val="accent1"/>
+              </a:effectRef>
+              <a:fontRef idx="minor">
+                <a:schemeClr val="lt1"/>
+              </a:fontRef>
+            </p:style>
+            <p:txBody>
+              <a:bodyPr rtlCol="0" anchor="ctr"/>
+              <a:lstStyle/>
+              <a:p>
+                <a:pPr algn="ctr"/>
+                <a:endParaRPr lang="zh-CN" altLang="en-US"/>
+              </a:p>
+            </p:txBody>
+          </p:sp>
+          <p:sp>
+            <p:nvSpPr>
+              <p:cNvPr id="166" name="Rectangle 165">
+                <a:extLst>
+                  <a:ext uri="{FF2B5EF4-FFF2-40B4-BE49-F238E27FC236}">
+                    <a16:creationId xmlns:a16="http://schemas.microsoft.com/office/drawing/2014/main" id="{5B8AEB36-42F3-1EEA-D6F4-C674741FFE3E}"/>
+                  </a:ext>
+                </a:extLst>
+              </p:cNvPr>
+              <p:cNvSpPr/>
+              <p:nvPr/>
+            </p:nvSpPr>
+            <p:spPr>
+              <a:xfrm>
+                <a:off x="7649853" y="3858868"/>
+                <a:ext cx="346553" cy="225283"/>
+              </a:xfrm>
+              <a:prstGeom prst="rect">
+                <a:avLst/>
+              </a:prstGeom>
+              <a:solidFill>
+                <a:schemeClr val="bg1"/>
+              </a:solidFill>
+              <a:ln>
+                <a:solidFill>
+                  <a:schemeClr val="tx1"/>
+                </a:solidFill>
+              </a:ln>
+            </p:spPr>
+            <p:style>
+              <a:lnRef idx="2">
+                <a:schemeClr val="accent1">
+                  <a:shade val="50000"/>
+                </a:schemeClr>
+              </a:lnRef>
+              <a:fillRef idx="1">
+                <a:schemeClr val="accent1"/>
+              </a:fillRef>
+              <a:effectRef idx="0">
+                <a:schemeClr val="accent1"/>
+              </a:effectRef>
+              <a:fontRef idx="minor">
+                <a:schemeClr val="lt1"/>
+              </a:fontRef>
+            </p:style>
+            <p:txBody>
+              <a:bodyPr rtlCol="0" anchor="ctr"/>
+              <a:lstStyle/>
+              <a:p>
+                <a:pPr algn="ctr"/>
+                <a:endParaRPr lang="zh-CN" altLang="en-US"/>
+              </a:p>
+            </p:txBody>
+          </p:sp>
+          <p:sp>
+            <p:nvSpPr>
+              <p:cNvPr id="167" name="Rectangle 166">
+                <a:extLst>
+                  <a:ext uri="{FF2B5EF4-FFF2-40B4-BE49-F238E27FC236}">
+                    <a16:creationId xmlns:a16="http://schemas.microsoft.com/office/drawing/2014/main" id="{A1D41777-DE88-8481-023F-65A2D5C8D87A}"/>
+                  </a:ext>
+                </a:extLst>
+              </p:cNvPr>
+              <p:cNvSpPr/>
+              <p:nvPr/>
+            </p:nvSpPr>
+            <p:spPr>
+              <a:xfrm>
+                <a:off x="7654737" y="3681213"/>
+                <a:ext cx="346553" cy="225283"/>
+              </a:xfrm>
+              <a:prstGeom prst="rect">
+                <a:avLst/>
+              </a:prstGeom>
+              <a:solidFill>
+                <a:schemeClr val="bg1"/>
+              </a:solidFill>
+              <a:ln>
+                <a:solidFill>
+                  <a:schemeClr val="tx1"/>
+                </a:solidFill>
+              </a:ln>
+            </p:spPr>
+            <p:style>
+              <a:lnRef idx="2">
+                <a:schemeClr val="accent1">
+                  <a:shade val="50000"/>
+                </a:schemeClr>
+              </a:lnRef>
+              <a:fillRef idx="1">
+                <a:schemeClr val="accent1"/>
+              </a:fillRef>
+              <a:effectRef idx="0">
+                <a:schemeClr val="accent1"/>
+              </a:effectRef>
+              <a:fontRef idx="minor">
+                <a:schemeClr val="lt1"/>
+              </a:fontRef>
+            </p:style>
+            <p:txBody>
+              <a:bodyPr rtlCol="0" anchor="ctr"/>
+              <a:lstStyle/>
+              <a:p>
+                <a:pPr algn="ctr"/>
+                <a:endParaRPr lang="zh-CN" altLang="en-US"/>
+              </a:p>
+            </p:txBody>
+          </p:sp>
+          <p:sp>
+            <p:nvSpPr>
+              <p:cNvPr id="168" name="Rectangle 167">
+                <a:extLst>
+                  <a:ext uri="{FF2B5EF4-FFF2-40B4-BE49-F238E27FC236}">
+                    <a16:creationId xmlns:a16="http://schemas.microsoft.com/office/drawing/2014/main" id="{4D65C175-C808-3753-056C-9C6EA6FE69C1}"/>
+                  </a:ext>
+                </a:extLst>
+              </p:cNvPr>
+              <p:cNvSpPr/>
+              <p:nvPr/>
+            </p:nvSpPr>
+            <p:spPr>
+              <a:xfrm>
+                <a:off x="8015629" y="4122730"/>
+                <a:ext cx="346553" cy="225283"/>
+              </a:xfrm>
+              <a:prstGeom prst="rect">
+                <a:avLst/>
+              </a:prstGeom>
+              <a:solidFill>
+                <a:schemeClr val="bg1"/>
+              </a:solidFill>
+              <a:ln>
+                <a:solidFill>
+                  <a:schemeClr val="tx1"/>
+                </a:solidFill>
+              </a:ln>
+            </p:spPr>
+            <p:style>
+              <a:lnRef idx="2">
+                <a:schemeClr val="accent1">
+                  <a:shade val="50000"/>
+                </a:schemeClr>
+              </a:lnRef>
+              <a:fillRef idx="1">
+                <a:schemeClr val="accent1"/>
+              </a:fillRef>
+              <a:effectRef idx="0">
+                <a:schemeClr val="accent1"/>
+              </a:effectRef>
+              <a:fontRef idx="minor">
+                <a:schemeClr val="lt1"/>
+              </a:fontRef>
+            </p:style>
+            <p:txBody>
+              <a:bodyPr rtlCol="0" anchor="ctr"/>
+              <a:lstStyle/>
+              <a:p>
+                <a:pPr algn="ctr"/>
+                <a:endParaRPr lang="zh-CN" altLang="en-US"/>
+              </a:p>
+            </p:txBody>
+          </p:sp>
+          <p:sp>
+            <p:nvSpPr>
+              <p:cNvPr id="169" name="Rectangle 168">
+                <a:extLst>
+                  <a:ext uri="{FF2B5EF4-FFF2-40B4-BE49-F238E27FC236}">
+                    <a16:creationId xmlns:a16="http://schemas.microsoft.com/office/drawing/2014/main" id="{AF49B95F-C0F1-F610-3661-26ED41DFD96E}"/>
+                  </a:ext>
+                </a:extLst>
+              </p:cNvPr>
+              <p:cNvSpPr/>
+              <p:nvPr/>
+            </p:nvSpPr>
+            <p:spPr>
+              <a:xfrm>
+                <a:off x="8015628" y="3930445"/>
+                <a:ext cx="346553" cy="225283"/>
+              </a:xfrm>
+              <a:prstGeom prst="rect">
+                <a:avLst/>
+              </a:prstGeom>
+              <a:solidFill>
+                <a:schemeClr val="bg1"/>
+              </a:solidFill>
+              <a:ln>
+                <a:solidFill>
+                  <a:schemeClr val="tx1"/>
+                </a:solidFill>
+              </a:ln>
+            </p:spPr>
+            <p:style>
+              <a:lnRef idx="2">
+                <a:schemeClr val="accent1">
+                  <a:shade val="50000"/>
+                </a:schemeClr>
+              </a:lnRef>
+              <a:fillRef idx="1">
+                <a:schemeClr val="accent1"/>
+              </a:fillRef>
+              <a:effectRef idx="0">
+                <a:schemeClr val="accent1"/>
+              </a:effectRef>
+              <a:fontRef idx="minor">
+                <a:schemeClr val="lt1"/>
+              </a:fontRef>
+            </p:style>
+            <p:txBody>
+              <a:bodyPr rtlCol="0" anchor="ctr"/>
+              <a:lstStyle/>
+              <a:p>
+                <a:pPr algn="ctr"/>
+                <a:endParaRPr lang="zh-CN" altLang="en-US"/>
+              </a:p>
+            </p:txBody>
+          </p:sp>
+          <p:sp>
+            <p:nvSpPr>
+              <p:cNvPr id="170" name="Rectangle 169">
+                <a:extLst>
+                  <a:ext uri="{FF2B5EF4-FFF2-40B4-BE49-F238E27FC236}">
+                    <a16:creationId xmlns:a16="http://schemas.microsoft.com/office/drawing/2014/main" id="{C9318090-AAE7-5D9D-3769-A5F485A43334}"/>
+                  </a:ext>
+                </a:extLst>
+              </p:cNvPr>
+              <p:cNvSpPr/>
+              <p:nvPr/>
+            </p:nvSpPr>
+            <p:spPr>
+              <a:xfrm>
+                <a:off x="8010395" y="3760862"/>
+                <a:ext cx="346553" cy="225283"/>
+              </a:xfrm>
+              <a:prstGeom prst="rect">
+                <a:avLst/>
+              </a:prstGeom>
+              <a:solidFill>
+                <a:schemeClr val="bg1"/>
+              </a:solidFill>
+              <a:ln>
+                <a:solidFill>
+                  <a:schemeClr val="tx1"/>
+                </a:solidFill>
+              </a:ln>
+            </p:spPr>
+            <p:style>
+              <a:lnRef idx="2">
+                <a:schemeClr val="accent1">
+                  <a:shade val="50000"/>
+                </a:schemeClr>
+              </a:lnRef>
+              <a:fillRef idx="1">
+                <a:schemeClr val="accent1"/>
+              </a:fillRef>
+              <a:effectRef idx="0">
+                <a:schemeClr val="accent1"/>
+              </a:effectRef>
+              <a:fontRef idx="minor">
+                <a:schemeClr val="lt1"/>
+              </a:fontRef>
+            </p:style>
+            <p:txBody>
+              <a:bodyPr rtlCol="0" anchor="ctr"/>
+              <a:lstStyle/>
+              <a:p>
+                <a:pPr algn="ctr"/>
+                <a:endParaRPr lang="zh-CN" altLang="en-US"/>
+              </a:p>
+            </p:txBody>
+          </p:sp>
+          <p:sp>
+            <p:nvSpPr>
+              <p:cNvPr id="171" name="Rectangle 170">
+                <a:extLst>
+                  <a:ext uri="{FF2B5EF4-FFF2-40B4-BE49-F238E27FC236}">
+                    <a16:creationId xmlns:a16="http://schemas.microsoft.com/office/drawing/2014/main" id="{045D43E6-B55B-52DB-C766-B50FB118F7FA}"/>
+                  </a:ext>
+                </a:extLst>
+              </p:cNvPr>
+              <p:cNvSpPr/>
+              <p:nvPr/>
+            </p:nvSpPr>
+            <p:spPr>
+              <a:xfrm>
+                <a:off x="8010395" y="3553477"/>
+                <a:ext cx="346553" cy="225283"/>
+              </a:xfrm>
+              <a:prstGeom prst="rect">
+                <a:avLst/>
+              </a:prstGeom>
+              <a:solidFill>
+                <a:schemeClr val="bg1"/>
+              </a:solidFill>
+              <a:ln>
+                <a:solidFill>
+                  <a:schemeClr val="tx1"/>
+                </a:solidFill>
+              </a:ln>
+            </p:spPr>
+            <p:style>
+              <a:lnRef idx="2">
+                <a:schemeClr val="accent1">
+                  <a:shade val="50000"/>
+                </a:schemeClr>
+              </a:lnRef>
+              <a:fillRef idx="1">
+                <a:schemeClr val="accent1"/>
+              </a:fillRef>
+              <a:effectRef idx="0">
+                <a:schemeClr val="accent1"/>
+              </a:effectRef>
+              <a:fontRef idx="minor">
+                <a:schemeClr val="lt1"/>
+              </a:fontRef>
+            </p:style>
+            <p:txBody>
+              <a:bodyPr rtlCol="0" anchor="ctr"/>
+              <a:lstStyle/>
+              <a:p>
+                <a:pPr algn="ctr"/>
+                <a:endParaRPr lang="zh-CN" altLang="en-US"/>
+              </a:p>
+            </p:txBody>
+          </p:sp>
+        </p:grpSp>
+      </p:grpSp>
+      <p:grpSp>
+        <p:nvGrpSpPr>
+          <p:cNvPr id="172" name="Group 171">
+            <a:extLst>
+              <a:ext uri="{FF2B5EF4-FFF2-40B4-BE49-F238E27FC236}">
+                <a16:creationId xmlns:a16="http://schemas.microsoft.com/office/drawing/2014/main" id="{92316CE5-D50C-8974-D932-CCFA91E0177F}"/>
+              </a:ext>
+            </a:extLst>
+          </p:cNvPr>
+          <p:cNvGrpSpPr/>
+          <p:nvPr/>
+        </p:nvGrpSpPr>
+        <p:grpSpPr>
+          <a:xfrm>
+            <a:off x="6265355" y="4173362"/>
+            <a:ext cx="1048765" cy="848625"/>
+            <a:chOff x="7312058" y="3594608"/>
+            <a:chExt cx="1048765" cy="848625"/>
+          </a:xfrm>
+        </p:grpSpPr>
+        <p:sp>
+          <p:nvSpPr>
+            <p:cNvPr id="173" name="Rectangle 172">
+              <a:extLst>
+                <a:ext uri="{FF2B5EF4-FFF2-40B4-BE49-F238E27FC236}">
+                  <a16:creationId xmlns:a16="http://schemas.microsoft.com/office/drawing/2014/main" id="{BD8476A0-7E4E-8E9A-1B9C-8A13FA9CEE8E}"/>
+                </a:ext>
+              </a:extLst>
+            </p:cNvPr>
+            <p:cNvSpPr/>
+            <p:nvPr/>
+          </p:nvSpPr>
+          <p:spPr>
+            <a:xfrm>
+              <a:off x="7316506" y="3594608"/>
+              <a:ext cx="346553" cy="225283"/>
+            </a:xfrm>
+            <a:prstGeom prst="rect">
+              <a:avLst/>
+            </a:prstGeom>
+            <a:solidFill>
+              <a:schemeClr val="bg1"/>
+            </a:solidFill>
+            <a:ln>
+              <a:solidFill>
+                <a:schemeClr val="tx1"/>
+              </a:solidFill>
+            </a:ln>
+          </p:spPr>
+          <p:style>
+            <a:lnRef idx="2">
+              <a:schemeClr val="accent1">
+                <a:shade val="50000"/>
+              </a:schemeClr>
+            </a:lnRef>
+            <a:fillRef idx="1">
+              <a:schemeClr val="accent1"/>
+            </a:fillRef>
+            <a:effectRef idx="0">
+              <a:schemeClr val="accent1"/>
+            </a:effectRef>
+            <a:fontRef idx="minor">
+              <a:schemeClr val="lt1"/>
+            </a:fontRef>
+          </p:style>
+          <p:txBody>
+            <a:bodyPr rtlCol="0" anchor="ctr"/>
+            <a:lstStyle/>
+            <a:p>
+              <a:pPr algn="ctr"/>
+              <a:endParaRPr lang="zh-CN" altLang="en-US"/>
+            </a:p>
+          </p:txBody>
+        </p:sp>
+        <p:sp>
+          <p:nvSpPr>
+            <p:cNvPr id="174" name="Rectangle 173">
+              <a:extLst>
+                <a:ext uri="{FF2B5EF4-FFF2-40B4-BE49-F238E27FC236}">
+                  <a16:creationId xmlns:a16="http://schemas.microsoft.com/office/drawing/2014/main" id="{B1DCB7FE-13B6-EE23-63C3-54192C854C37}"/>
+                </a:ext>
+              </a:extLst>
+            </p:cNvPr>
+            <p:cNvSpPr/>
+            <p:nvPr/>
+          </p:nvSpPr>
+          <p:spPr>
+            <a:xfrm>
+              <a:off x="7657930" y="3594608"/>
+              <a:ext cx="346553" cy="225283"/>
+            </a:xfrm>
+            <a:prstGeom prst="rect">
+              <a:avLst/>
+            </a:prstGeom>
+            <a:solidFill>
+              <a:schemeClr val="bg1"/>
+            </a:solidFill>
+            <a:ln>
+              <a:solidFill>
+                <a:schemeClr val="tx1"/>
+              </a:solidFill>
+            </a:ln>
+          </p:spPr>
+          <p:style>
+            <a:lnRef idx="2">
+              <a:schemeClr val="accent1">
+                <a:shade val="50000"/>
+              </a:schemeClr>
+            </a:lnRef>
+            <a:fillRef idx="1">
+              <a:schemeClr val="accent1"/>
+            </a:fillRef>
+            <a:effectRef idx="0">
+              <a:schemeClr val="accent1"/>
+            </a:effectRef>
+            <a:fontRef idx="minor">
+              <a:schemeClr val="lt1"/>
+            </a:fontRef>
+          </p:style>
+          <p:txBody>
+            <a:bodyPr rtlCol="0" anchor="ctr"/>
+            <a:lstStyle/>
+            <a:p>
+              <a:pPr algn="ctr"/>
+              <a:endParaRPr lang="zh-CN" altLang="en-US" dirty="0"/>
+            </a:p>
+          </p:txBody>
+        </p:sp>
+        <p:grpSp>
+          <p:nvGrpSpPr>
+            <p:cNvPr id="175" name="Group 174">
+              <a:extLst>
+                <a:ext uri="{FF2B5EF4-FFF2-40B4-BE49-F238E27FC236}">
+                  <a16:creationId xmlns:a16="http://schemas.microsoft.com/office/drawing/2014/main" id="{FDC0E9DE-BF12-A738-301E-99ABF82EA420}"/>
+                </a:ext>
+              </a:extLst>
+            </p:cNvPr>
+            <p:cNvGrpSpPr/>
+            <p:nvPr/>
+          </p:nvGrpSpPr>
+          <p:grpSpPr>
+            <a:xfrm>
+              <a:off x="7312058" y="3648697"/>
+              <a:ext cx="1048765" cy="794536"/>
+              <a:chOff x="7313417" y="3553477"/>
+              <a:chExt cx="1048765" cy="794536"/>
+            </a:xfrm>
+          </p:grpSpPr>
+          <p:sp>
+            <p:nvSpPr>
+              <p:cNvPr id="176" name="Rectangle 175">
+                <a:extLst>
+                  <a:ext uri="{FF2B5EF4-FFF2-40B4-BE49-F238E27FC236}">
+                    <a16:creationId xmlns:a16="http://schemas.microsoft.com/office/drawing/2014/main" id="{23A67FB4-E80E-F31F-9719-07E88CD4A468}"/>
+                  </a:ext>
+                </a:extLst>
+              </p:cNvPr>
+              <p:cNvSpPr/>
+              <p:nvPr/>
+            </p:nvSpPr>
+            <p:spPr>
+              <a:xfrm>
+                <a:off x="7313418" y="4076433"/>
+                <a:ext cx="346553" cy="225283"/>
+              </a:xfrm>
+              <a:prstGeom prst="rect">
+                <a:avLst/>
+              </a:prstGeom>
+              <a:solidFill>
+                <a:schemeClr val="bg1"/>
+              </a:solidFill>
+              <a:ln>
+                <a:solidFill>
+                  <a:schemeClr val="tx1"/>
+                </a:solidFill>
+              </a:ln>
+            </p:spPr>
+            <p:style>
+              <a:lnRef idx="2">
+                <a:schemeClr val="accent1">
+                  <a:shade val="50000"/>
+                </a:schemeClr>
+              </a:lnRef>
+              <a:fillRef idx="1">
+                <a:schemeClr val="accent1"/>
+              </a:fillRef>
+              <a:effectRef idx="0">
+                <a:schemeClr val="accent1"/>
+              </a:effectRef>
+              <a:fontRef idx="minor">
+                <a:schemeClr val="lt1"/>
+              </a:fontRef>
+            </p:style>
+            <p:txBody>
+              <a:bodyPr rtlCol="0" anchor="ctr"/>
+              <a:lstStyle/>
+              <a:p>
+                <a:pPr algn="ctr"/>
+                <a:endParaRPr lang="zh-CN" altLang="en-US"/>
+              </a:p>
+            </p:txBody>
+          </p:sp>
+          <p:sp>
+            <p:nvSpPr>
+              <p:cNvPr id="177" name="Rectangle 176">
+                <a:extLst>
+                  <a:ext uri="{FF2B5EF4-FFF2-40B4-BE49-F238E27FC236}">
+                    <a16:creationId xmlns:a16="http://schemas.microsoft.com/office/drawing/2014/main" id="{609C7CBE-3368-F3CB-0980-4B5BEAF793D1}"/>
+                  </a:ext>
+                </a:extLst>
+              </p:cNvPr>
+              <p:cNvSpPr/>
+              <p:nvPr/>
+            </p:nvSpPr>
+            <p:spPr>
+              <a:xfrm>
+                <a:off x="7313417" y="3884148"/>
+                <a:ext cx="346553" cy="225283"/>
+              </a:xfrm>
+              <a:prstGeom prst="rect">
+                <a:avLst/>
+              </a:prstGeom>
+              <a:solidFill>
+                <a:schemeClr val="bg1"/>
+              </a:solidFill>
+              <a:ln>
+                <a:solidFill>
+                  <a:schemeClr val="tx1"/>
+                </a:solidFill>
+              </a:ln>
+            </p:spPr>
+            <p:style>
+              <a:lnRef idx="2">
+                <a:schemeClr val="accent1">
+                  <a:shade val="50000"/>
+                </a:schemeClr>
+              </a:lnRef>
+              <a:fillRef idx="1">
+                <a:schemeClr val="accent1"/>
+              </a:fillRef>
+              <a:effectRef idx="0">
+                <a:schemeClr val="accent1"/>
+              </a:effectRef>
+              <a:fontRef idx="minor">
+                <a:schemeClr val="lt1"/>
+              </a:fontRef>
+            </p:style>
+            <p:txBody>
+              <a:bodyPr rtlCol="0" anchor="ctr"/>
+              <a:lstStyle/>
+              <a:p>
+                <a:pPr algn="ctr"/>
+                <a:endParaRPr lang="zh-CN" altLang="en-US"/>
+              </a:p>
+            </p:txBody>
+          </p:sp>
+          <p:sp>
+            <p:nvSpPr>
+              <p:cNvPr id="178" name="Rectangle 177">
+                <a:extLst>
+                  <a:ext uri="{FF2B5EF4-FFF2-40B4-BE49-F238E27FC236}">
+                    <a16:creationId xmlns:a16="http://schemas.microsoft.com/office/drawing/2014/main" id="{188925A9-BB99-3F0B-94DC-566D1859BFE9}"/>
+                  </a:ext>
+                </a:extLst>
+              </p:cNvPr>
+              <p:cNvSpPr/>
+              <p:nvPr/>
+            </p:nvSpPr>
+            <p:spPr>
+              <a:xfrm>
+                <a:off x="7327545" y="3713197"/>
+                <a:ext cx="346553" cy="225283"/>
+              </a:xfrm>
+              <a:prstGeom prst="rect">
+                <a:avLst/>
+              </a:prstGeom>
+              <a:solidFill>
+                <a:schemeClr val="bg1"/>
+              </a:solidFill>
+              <a:ln>
+                <a:solidFill>
+                  <a:schemeClr val="tx1"/>
+                </a:solidFill>
+              </a:ln>
+            </p:spPr>
+            <p:style>
+              <a:lnRef idx="2">
+                <a:schemeClr val="accent1">
+                  <a:shade val="50000"/>
+                </a:schemeClr>
+              </a:lnRef>
+              <a:fillRef idx="1">
+                <a:schemeClr val="accent1"/>
+              </a:fillRef>
+              <a:effectRef idx="0">
+                <a:schemeClr val="accent1"/>
+              </a:effectRef>
+              <a:fontRef idx="minor">
+                <a:schemeClr val="lt1"/>
+              </a:fontRef>
+            </p:style>
+            <p:txBody>
+              <a:bodyPr rtlCol="0" anchor="ctr"/>
+              <a:lstStyle/>
+              <a:p>
+                <a:pPr algn="ctr"/>
+                <a:endParaRPr lang="zh-CN" altLang="en-US"/>
+              </a:p>
+            </p:txBody>
+          </p:sp>
+          <p:sp>
+            <p:nvSpPr>
+              <p:cNvPr id="179" name="Rectangle 178">
+                <a:extLst>
+                  <a:ext uri="{FF2B5EF4-FFF2-40B4-BE49-F238E27FC236}">
+                    <a16:creationId xmlns:a16="http://schemas.microsoft.com/office/drawing/2014/main" id="{9E5AA0A7-D771-46A1-D696-D7B1F09C0021}"/>
+                  </a:ext>
+                </a:extLst>
+              </p:cNvPr>
+              <p:cNvSpPr/>
+              <p:nvPr/>
+            </p:nvSpPr>
+            <p:spPr>
+              <a:xfrm>
+                <a:off x="7649854" y="4051153"/>
+                <a:ext cx="346553" cy="225283"/>
+              </a:xfrm>
+              <a:prstGeom prst="rect">
+                <a:avLst/>
+              </a:prstGeom>
+              <a:solidFill>
+                <a:schemeClr val="bg1"/>
+              </a:solidFill>
+              <a:ln>
+                <a:solidFill>
+                  <a:schemeClr val="tx1"/>
+                </a:solidFill>
+              </a:ln>
+            </p:spPr>
+            <p:style>
+              <a:lnRef idx="2">
+                <a:schemeClr val="accent1">
+                  <a:shade val="50000"/>
+                </a:schemeClr>
+              </a:lnRef>
+              <a:fillRef idx="1">
+                <a:schemeClr val="accent1"/>
+              </a:fillRef>
+              <a:effectRef idx="0">
+                <a:schemeClr val="accent1"/>
+              </a:effectRef>
+              <a:fontRef idx="minor">
+                <a:schemeClr val="lt1"/>
+              </a:fontRef>
+            </p:style>
+            <p:txBody>
+              <a:bodyPr rtlCol="0" anchor="ctr"/>
+              <a:lstStyle/>
+              <a:p>
+                <a:pPr algn="ctr"/>
+                <a:endParaRPr lang="zh-CN" altLang="en-US"/>
+              </a:p>
+            </p:txBody>
+          </p:sp>
+          <p:sp>
+            <p:nvSpPr>
+              <p:cNvPr id="180" name="Rectangle 179">
+                <a:extLst>
+                  <a:ext uri="{FF2B5EF4-FFF2-40B4-BE49-F238E27FC236}">
+                    <a16:creationId xmlns:a16="http://schemas.microsoft.com/office/drawing/2014/main" id="{3F911E24-320F-9012-802F-FCF762FD44E3}"/>
+                  </a:ext>
+                </a:extLst>
+              </p:cNvPr>
+              <p:cNvSpPr/>
+              <p:nvPr/>
+            </p:nvSpPr>
+            <p:spPr>
+              <a:xfrm>
+                <a:off x="7649853" y="3858868"/>
+                <a:ext cx="346553" cy="225283"/>
+              </a:xfrm>
+              <a:prstGeom prst="rect">
+                <a:avLst/>
+              </a:prstGeom>
+              <a:solidFill>
+                <a:schemeClr val="bg1"/>
+              </a:solidFill>
+              <a:ln>
+                <a:solidFill>
+                  <a:schemeClr val="tx1"/>
+                </a:solidFill>
+              </a:ln>
+            </p:spPr>
+            <p:style>
+              <a:lnRef idx="2">
+                <a:schemeClr val="accent1">
+                  <a:shade val="50000"/>
+                </a:schemeClr>
+              </a:lnRef>
+              <a:fillRef idx="1">
+                <a:schemeClr val="accent1"/>
+              </a:fillRef>
+              <a:effectRef idx="0">
+                <a:schemeClr val="accent1"/>
+              </a:effectRef>
+              <a:fontRef idx="minor">
+                <a:schemeClr val="lt1"/>
+              </a:fontRef>
+            </p:style>
+            <p:txBody>
+              <a:bodyPr rtlCol="0" anchor="ctr"/>
+              <a:lstStyle/>
+              <a:p>
+                <a:pPr algn="ctr"/>
+                <a:endParaRPr lang="zh-CN" altLang="en-US"/>
+              </a:p>
+            </p:txBody>
+          </p:sp>
+          <p:sp>
+            <p:nvSpPr>
+              <p:cNvPr id="181" name="Rectangle 180">
+                <a:extLst>
+                  <a:ext uri="{FF2B5EF4-FFF2-40B4-BE49-F238E27FC236}">
+                    <a16:creationId xmlns:a16="http://schemas.microsoft.com/office/drawing/2014/main" id="{6B864240-39C0-7D70-23AA-CFC940D04B03}"/>
+                  </a:ext>
+                </a:extLst>
+              </p:cNvPr>
+              <p:cNvSpPr/>
+              <p:nvPr/>
+            </p:nvSpPr>
+            <p:spPr>
+              <a:xfrm>
+                <a:off x="7654737" y="3681213"/>
+                <a:ext cx="346553" cy="225283"/>
+              </a:xfrm>
+              <a:prstGeom prst="rect">
+                <a:avLst/>
+              </a:prstGeom>
+              <a:solidFill>
+                <a:schemeClr val="bg1"/>
+              </a:solidFill>
+              <a:ln>
+                <a:solidFill>
+                  <a:schemeClr val="tx1"/>
+                </a:solidFill>
+              </a:ln>
+            </p:spPr>
+            <p:style>
+              <a:lnRef idx="2">
+                <a:schemeClr val="accent1">
+                  <a:shade val="50000"/>
+                </a:schemeClr>
+              </a:lnRef>
+              <a:fillRef idx="1">
+                <a:schemeClr val="accent1"/>
+              </a:fillRef>
+              <a:effectRef idx="0">
+                <a:schemeClr val="accent1"/>
+              </a:effectRef>
+              <a:fontRef idx="minor">
+                <a:schemeClr val="lt1"/>
+              </a:fontRef>
+            </p:style>
+            <p:txBody>
+              <a:bodyPr rtlCol="0" anchor="ctr"/>
+              <a:lstStyle/>
+              <a:p>
+                <a:pPr algn="ctr"/>
+                <a:endParaRPr lang="zh-CN" altLang="en-US"/>
+              </a:p>
+            </p:txBody>
+          </p:sp>
+          <p:sp>
+            <p:nvSpPr>
+              <p:cNvPr id="182" name="Rectangle 181">
+                <a:extLst>
+                  <a:ext uri="{FF2B5EF4-FFF2-40B4-BE49-F238E27FC236}">
+                    <a16:creationId xmlns:a16="http://schemas.microsoft.com/office/drawing/2014/main" id="{F7F9F07E-7DEA-6FC9-E67B-B79C60C61AB9}"/>
+                  </a:ext>
+                </a:extLst>
+              </p:cNvPr>
+              <p:cNvSpPr/>
+              <p:nvPr/>
+            </p:nvSpPr>
+            <p:spPr>
+              <a:xfrm>
+                <a:off x="8015629" y="4122730"/>
+                <a:ext cx="346553" cy="225283"/>
+              </a:xfrm>
+              <a:prstGeom prst="rect">
+                <a:avLst/>
+              </a:prstGeom>
+              <a:solidFill>
+                <a:schemeClr val="bg1"/>
+              </a:solidFill>
+              <a:ln>
+                <a:solidFill>
+                  <a:schemeClr val="tx1"/>
+                </a:solidFill>
+              </a:ln>
+            </p:spPr>
+            <p:style>
+              <a:lnRef idx="2">
+                <a:schemeClr val="accent1">
+                  <a:shade val="50000"/>
+                </a:schemeClr>
+              </a:lnRef>
+              <a:fillRef idx="1">
+                <a:schemeClr val="accent1"/>
+              </a:fillRef>
+              <a:effectRef idx="0">
+                <a:schemeClr val="accent1"/>
+              </a:effectRef>
+              <a:fontRef idx="minor">
+                <a:schemeClr val="lt1"/>
+              </a:fontRef>
+            </p:style>
+            <p:txBody>
+              <a:bodyPr rtlCol="0" anchor="ctr"/>
+              <a:lstStyle/>
+              <a:p>
+                <a:pPr algn="ctr"/>
+                <a:endParaRPr lang="zh-CN" altLang="en-US"/>
+              </a:p>
+            </p:txBody>
+          </p:sp>
+          <p:sp>
+            <p:nvSpPr>
+              <p:cNvPr id="183" name="Rectangle 182">
+                <a:extLst>
+                  <a:ext uri="{FF2B5EF4-FFF2-40B4-BE49-F238E27FC236}">
+                    <a16:creationId xmlns:a16="http://schemas.microsoft.com/office/drawing/2014/main" id="{81452350-877C-BF10-1986-F05DDD9A7ECC}"/>
+                  </a:ext>
+                </a:extLst>
+              </p:cNvPr>
+              <p:cNvSpPr/>
+              <p:nvPr/>
+            </p:nvSpPr>
+            <p:spPr>
+              <a:xfrm>
+                <a:off x="8015628" y="3930445"/>
+                <a:ext cx="346553" cy="225283"/>
+              </a:xfrm>
+              <a:prstGeom prst="rect">
+                <a:avLst/>
+              </a:prstGeom>
+              <a:solidFill>
+                <a:schemeClr val="bg1"/>
+              </a:solidFill>
+              <a:ln>
+                <a:solidFill>
+                  <a:schemeClr val="tx1"/>
+                </a:solidFill>
+              </a:ln>
+            </p:spPr>
+            <p:style>
+              <a:lnRef idx="2">
+                <a:schemeClr val="accent1">
+                  <a:shade val="50000"/>
+                </a:schemeClr>
+              </a:lnRef>
+              <a:fillRef idx="1">
+                <a:schemeClr val="accent1"/>
+              </a:fillRef>
+              <a:effectRef idx="0">
+                <a:schemeClr val="accent1"/>
+              </a:effectRef>
+              <a:fontRef idx="minor">
+                <a:schemeClr val="lt1"/>
+              </a:fontRef>
+            </p:style>
+            <p:txBody>
+              <a:bodyPr rtlCol="0" anchor="ctr"/>
+              <a:lstStyle/>
+              <a:p>
+                <a:pPr algn="ctr"/>
+                <a:endParaRPr lang="zh-CN" altLang="en-US"/>
+              </a:p>
+            </p:txBody>
+          </p:sp>
+          <p:sp>
+            <p:nvSpPr>
+              <p:cNvPr id="184" name="Rectangle 183">
+                <a:extLst>
+                  <a:ext uri="{FF2B5EF4-FFF2-40B4-BE49-F238E27FC236}">
+                    <a16:creationId xmlns:a16="http://schemas.microsoft.com/office/drawing/2014/main" id="{A6599E8C-1388-57DA-6790-B0D83DF71618}"/>
+                  </a:ext>
+                </a:extLst>
+              </p:cNvPr>
+              <p:cNvSpPr/>
+              <p:nvPr/>
+            </p:nvSpPr>
+            <p:spPr>
+              <a:xfrm>
+                <a:off x="8010395" y="3760862"/>
+                <a:ext cx="346553" cy="225283"/>
+              </a:xfrm>
+              <a:prstGeom prst="rect">
+                <a:avLst/>
+              </a:prstGeom>
+              <a:solidFill>
+                <a:schemeClr val="bg1"/>
+              </a:solidFill>
+              <a:ln>
+                <a:solidFill>
+                  <a:schemeClr val="tx1"/>
+                </a:solidFill>
+              </a:ln>
+            </p:spPr>
+            <p:style>
+              <a:lnRef idx="2">
+                <a:schemeClr val="accent1">
+                  <a:shade val="50000"/>
+                </a:schemeClr>
+              </a:lnRef>
+              <a:fillRef idx="1">
+                <a:schemeClr val="accent1"/>
+              </a:fillRef>
+              <a:effectRef idx="0">
+                <a:schemeClr val="accent1"/>
+              </a:effectRef>
+              <a:fontRef idx="minor">
+                <a:schemeClr val="lt1"/>
+              </a:fontRef>
+            </p:style>
+            <p:txBody>
+              <a:bodyPr rtlCol="0" anchor="ctr"/>
+              <a:lstStyle/>
+              <a:p>
+                <a:pPr algn="ctr"/>
+                <a:endParaRPr lang="zh-CN" altLang="en-US"/>
+              </a:p>
+            </p:txBody>
+          </p:sp>
+          <p:sp>
+            <p:nvSpPr>
+              <p:cNvPr id="185" name="Rectangle 184">
+                <a:extLst>
+                  <a:ext uri="{FF2B5EF4-FFF2-40B4-BE49-F238E27FC236}">
+                    <a16:creationId xmlns:a16="http://schemas.microsoft.com/office/drawing/2014/main" id="{4645B128-8921-D91D-FD67-59EA3261943F}"/>
+                  </a:ext>
+                </a:extLst>
+              </p:cNvPr>
+              <p:cNvSpPr/>
+              <p:nvPr/>
+            </p:nvSpPr>
+            <p:spPr>
+              <a:xfrm>
+                <a:off x="8010395" y="3553477"/>
+                <a:ext cx="346553" cy="225283"/>
+              </a:xfrm>
+              <a:prstGeom prst="rect">
+                <a:avLst/>
+              </a:prstGeom>
+              <a:solidFill>
+                <a:schemeClr val="bg1"/>
+              </a:solidFill>
+              <a:ln>
+                <a:solidFill>
+                  <a:schemeClr val="tx1"/>
+                </a:solidFill>
+              </a:ln>
+            </p:spPr>
+            <p:style>
+              <a:lnRef idx="2">
+                <a:schemeClr val="accent1">
+                  <a:shade val="50000"/>
+                </a:schemeClr>
+              </a:lnRef>
+              <a:fillRef idx="1">
+                <a:schemeClr val="accent1"/>
+              </a:fillRef>
+              <a:effectRef idx="0">
+                <a:schemeClr val="accent1"/>
+              </a:effectRef>
+              <a:fontRef idx="minor">
+                <a:schemeClr val="lt1"/>
+              </a:fontRef>
+            </p:style>
+            <p:txBody>
+              <a:bodyPr rtlCol="0" anchor="ctr"/>
+              <a:lstStyle/>
+              <a:p>
+                <a:pPr algn="ctr"/>
+                <a:endParaRPr lang="zh-CN" altLang="en-US"/>
+              </a:p>
+            </p:txBody>
+          </p:sp>
+        </p:grpSp>
+      </p:grpSp>
+      <p:sp>
+        <p:nvSpPr>
+          <p:cNvPr id="17" name="TextBox 16">
+            <a:extLst>
+              <a:ext uri="{FF2B5EF4-FFF2-40B4-BE49-F238E27FC236}">
+                <a16:creationId xmlns:a16="http://schemas.microsoft.com/office/drawing/2014/main" id="{D7D752BE-953C-FEFE-0C73-5AEA3CD36FAA}"/>
+              </a:ext>
+            </a:extLst>
+          </p:cNvPr>
+          <p:cNvSpPr txBox="1"/>
+          <p:nvPr/>
+        </p:nvSpPr>
+        <p:spPr>
+          <a:xfrm>
+            <a:off x="8010395" y="4924042"/>
+            <a:ext cx="844791" cy="338554"/>
+          </a:xfrm>
+          <a:prstGeom prst="rect">
+            <a:avLst/>
+          </a:prstGeom>
+        </p:spPr>
+        <p:style>
+          <a:lnRef idx="2">
+            <a:schemeClr val="accent1">
+              <a:shade val="50000"/>
+            </a:schemeClr>
+          </a:lnRef>
+          <a:fillRef idx="1">
+            <a:schemeClr val="accent1"/>
+          </a:fillRef>
+          <a:effectRef idx="0">
+            <a:schemeClr val="accent1"/>
+          </a:effectRef>
+          <a:fontRef idx="minor">
+            <a:schemeClr val="lt1"/>
+          </a:fontRef>
+        </p:style>
+        <p:txBody>
+          <a:bodyPr wrap="square" rtlCol="0">
+            <a:spAutoFit/>
+          </a:bodyPr>
+          <a:lstStyle/>
+          <a:p>
+            <a:r>
+              <a:rPr lang="zh-CN" altLang="en-US" sz="1600" dirty="0"/>
+              <a:t>下一步</a:t>
+            </a:r>
+          </a:p>
+        </p:txBody>
+      </p:sp>
+      <p:sp>
+        <p:nvSpPr>
+          <p:cNvPr id="186" name="TextBox 185">
+            <a:extLst>
+              <a:ext uri="{FF2B5EF4-FFF2-40B4-BE49-F238E27FC236}">
+                <a16:creationId xmlns:a16="http://schemas.microsoft.com/office/drawing/2014/main" id="{757A1D6D-B387-F30F-582C-312BD244998D}"/>
+              </a:ext>
+            </a:extLst>
+          </p:cNvPr>
+          <p:cNvSpPr txBox="1"/>
+          <p:nvPr/>
+        </p:nvSpPr>
+        <p:spPr>
+          <a:xfrm>
+            <a:off x="3346770" y="1467951"/>
+            <a:ext cx="649033" cy="338554"/>
+          </a:xfrm>
+          <a:prstGeom prst="rect">
+            <a:avLst/>
+          </a:prstGeom>
+        </p:spPr>
+        <p:style>
+          <a:lnRef idx="2">
+            <a:schemeClr val="accent1">
+              <a:shade val="50000"/>
+            </a:schemeClr>
+          </a:lnRef>
+          <a:fillRef idx="1">
+            <a:schemeClr val="accent1"/>
+          </a:fillRef>
+          <a:effectRef idx="0">
+            <a:schemeClr val="accent1"/>
+          </a:effectRef>
+          <a:fontRef idx="minor">
+            <a:schemeClr val="lt1"/>
+          </a:fontRef>
+        </p:style>
+        <p:txBody>
+          <a:bodyPr wrap="square" rtlCol="0">
+            <a:spAutoFit/>
+          </a:bodyPr>
+          <a:lstStyle/>
+          <a:p>
+            <a:r>
+              <a:rPr lang="zh-CN" altLang="en-US" sz="1600" dirty="0"/>
+              <a:t>退出</a:t>
+            </a:r>
+          </a:p>
+        </p:txBody>
+      </p:sp>
+      <p:sp>
+        <p:nvSpPr>
+          <p:cNvPr id="2" name="TextBox 1">
+            <a:extLst>
+              <a:ext uri="{FF2B5EF4-FFF2-40B4-BE49-F238E27FC236}">
+                <a16:creationId xmlns:a16="http://schemas.microsoft.com/office/drawing/2014/main" id="{ADF88D4B-EA19-3B37-79D4-59A5E5F3E466}"/>
+              </a:ext>
+            </a:extLst>
+          </p:cNvPr>
+          <p:cNvSpPr txBox="1"/>
+          <p:nvPr/>
+        </p:nvSpPr>
+        <p:spPr>
+          <a:xfrm>
+            <a:off x="4076581" y="2180492"/>
+            <a:ext cx="1620834" cy="338554"/>
+          </a:xfrm>
+          <a:prstGeom prst="rect">
+            <a:avLst/>
+          </a:prstGeom>
+          <a:solidFill>
+            <a:schemeClr val="accent6"/>
+          </a:solidFill>
+        </p:spPr>
+        <p:txBody>
+          <a:bodyPr wrap="square" rtlCol="0">
+            <a:spAutoFit/>
+          </a:bodyPr>
+          <a:lstStyle/>
+          <a:p>
+            <a:r>
+              <a:rPr lang="zh-CN" altLang="en-US" sz="1600" dirty="0"/>
+              <a:t>在库：</a:t>
+            </a:r>
+            <a:r>
+              <a:rPr lang="en-US" altLang="zh-CN" sz="1600" dirty="0"/>
+              <a:t>XX </a:t>
+            </a:r>
+            <a:r>
+              <a:rPr lang="zh-CN" altLang="en-US" sz="1600" dirty="0"/>
+              <a:t>公斤</a:t>
+            </a:r>
+            <a:endParaRPr lang="en-US" altLang="zh-CN" sz="1600" dirty="0"/>
+          </a:p>
+        </p:txBody>
+      </p:sp>
+      <p:sp>
+        <p:nvSpPr>
+          <p:cNvPr id="7" name="TextBox 6">
+            <a:extLst>
+              <a:ext uri="{FF2B5EF4-FFF2-40B4-BE49-F238E27FC236}">
+                <a16:creationId xmlns:a16="http://schemas.microsoft.com/office/drawing/2014/main" id="{7B619204-A82C-8C46-1168-833DDE11BA7E}"/>
+              </a:ext>
+            </a:extLst>
+          </p:cNvPr>
+          <p:cNvSpPr txBox="1"/>
+          <p:nvPr/>
+        </p:nvSpPr>
+        <p:spPr>
+          <a:xfrm>
+            <a:off x="5519773" y="2649986"/>
+            <a:ext cx="661001" cy="369332"/>
+          </a:xfrm>
+          <a:prstGeom prst="rect">
+            <a:avLst/>
+          </a:prstGeom>
+          <a:solidFill>
+            <a:schemeClr val="tx1"/>
+          </a:solidFill>
+        </p:spPr>
+        <p:txBody>
+          <a:bodyPr wrap="square" rtlCol="0">
+            <a:spAutoFit/>
+          </a:bodyPr>
+          <a:lstStyle/>
+          <a:p>
+            <a:r>
+              <a:rPr lang="zh-CN" altLang="en-US" dirty="0">
+                <a:solidFill>
+                  <a:schemeClr val="bg1"/>
+                </a:solidFill>
+              </a:rPr>
+              <a:t>出库</a:t>
+            </a:r>
+          </a:p>
+        </p:txBody>
+      </p:sp>
+      <p:sp>
+        <p:nvSpPr>
+          <p:cNvPr id="8" name="TextBox 7">
+            <a:extLst>
+              <a:ext uri="{FF2B5EF4-FFF2-40B4-BE49-F238E27FC236}">
+                <a16:creationId xmlns:a16="http://schemas.microsoft.com/office/drawing/2014/main" id="{7FB399BA-EF86-16BB-7EB1-BBD93F267BD2}"/>
+              </a:ext>
+            </a:extLst>
+          </p:cNvPr>
+          <p:cNvSpPr txBox="1"/>
+          <p:nvPr/>
+        </p:nvSpPr>
+        <p:spPr>
+          <a:xfrm>
+            <a:off x="3597490" y="2645403"/>
+            <a:ext cx="1868750" cy="369332"/>
+          </a:xfrm>
+          <a:prstGeom prst="rect">
+            <a:avLst/>
+          </a:prstGeom>
+          <a:noFill/>
+        </p:spPr>
+        <p:txBody>
+          <a:bodyPr wrap="square" rtlCol="0">
+            <a:spAutoFit/>
+          </a:bodyPr>
+          <a:lstStyle/>
+          <a:p>
+            <a:r>
+              <a:rPr lang="zh-CN" altLang="en-US" dirty="0"/>
+              <a:t>输入出库量：</a:t>
+            </a:r>
+            <a:r>
+              <a:rPr lang="en-US" altLang="zh-CN" dirty="0"/>
+              <a:t>XX</a:t>
+            </a:r>
+            <a:endParaRPr lang="zh-CN" altLang="en-US" dirty="0"/>
+          </a:p>
+        </p:txBody>
+      </p:sp>
+      <p:sp>
+        <p:nvSpPr>
+          <p:cNvPr id="9" name="Rectangle 8">
+            <a:extLst>
+              <a:ext uri="{FF2B5EF4-FFF2-40B4-BE49-F238E27FC236}">
+                <a16:creationId xmlns:a16="http://schemas.microsoft.com/office/drawing/2014/main" id="{9DB2F5F9-0CC7-7705-B0A9-DDCD7EE017A9}"/>
+              </a:ext>
+            </a:extLst>
+          </p:cNvPr>
+          <p:cNvSpPr/>
+          <p:nvPr/>
+        </p:nvSpPr>
+        <p:spPr>
+          <a:xfrm>
+            <a:off x="3472162" y="2085098"/>
+            <a:ext cx="2856599" cy="991453"/>
+          </a:xfrm>
+          <a:prstGeom prst="rect">
+            <a:avLst/>
+          </a:prstGeom>
+          <a:noFill/>
+        </p:spPr>
+        <p:style>
+          <a:lnRef idx="2">
+            <a:schemeClr val="accent1"/>
+          </a:lnRef>
+          <a:fillRef idx="1">
+            <a:schemeClr val="lt1"/>
+          </a:fillRef>
+          <a:effectRef idx="0">
+            <a:schemeClr val="accent1"/>
+          </a:effectRef>
+          <a:fontRef idx="minor">
+            <a:schemeClr val="dk1"/>
+          </a:fontRef>
+        </p:style>
+        <p:txBody>
+          <a:bodyPr rtlCol="0" anchor="ctr"/>
+          <a:lstStyle/>
+          <a:p>
+            <a:pPr algn="ctr"/>
+            <a:endParaRPr lang="zh-CN" altLang="en-US"/>
+          </a:p>
+        </p:txBody>
+      </p:sp>
+    </p:spTree>
+    <p:extLst>
+      <p:ext uri="{BB962C8B-B14F-4D97-AF65-F5344CB8AC3E}">
+        <p14:creationId xmlns:p14="http://schemas.microsoft.com/office/powerpoint/2010/main" val="3471960529"/>
+      </p:ext>
+    </p:extLst>
+  </p:cSld>
+  <p:clrMapOvr>
+    <a:masterClrMapping/>
+  </p:clrMapOvr>
+</p:sld>
+</file>
+
+<file path=ppt/slides/slide12.xml><?xml version="1.0" encoding="utf-8"?>
+<p:sld xmlns:a="http://schemas.openxmlformats.org/drawingml/2006/main" xmlns:r="http://schemas.openxmlformats.org/officeDocument/2006/relationships" xmlns:p="http://schemas.openxmlformats.org/presentationml/2006/main">
+  <p:cSld>
+    <p:spTree>
+      <p:nvGrpSpPr>
+        <p:cNvPr id="1" name=""/>
+        <p:cNvGrpSpPr/>
+        <p:nvPr/>
+      </p:nvGrpSpPr>
+      <p:grpSpPr>
+        <a:xfrm>
+          <a:off x="0" y="0"/>
+          <a:ext cx="0" cy="0"/>
+          <a:chOff x="0" y="0"/>
+          <a:chExt cx="0" cy="0"/>
+        </a:xfrm>
+      </p:grpSpPr>
+      <p:sp>
+        <p:nvSpPr>
+          <p:cNvPr id="4" name="TextBox 3">
+            <a:extLst>
+              <a:ext uri="{FF2B5EF4-FFF2-40B4-BE49-F238E27FC236}">
+                <a16:creationId xmlns:a16="http://schemas.microsoft.com/office/drawing/2014/main" id="{25B32D73-3EF3-37A7-8019-39DD306CB2C2}"/>
+              </a:ext>
+            </a:extLst>
+          </p:cNvPr>
+          <p:cNvSpPr txBox="1"/>
+          <p:nvPr/>
+        </p:nvSpPr>
+        <p:spPr>
+          <a:xfrm>
+            <a:off x="428425" y="230199"/>
+            <a:ext cx="1688474" cy="369332"/>
+          </a:xfrm>
+          <a:prstGeom prst="rect">
+            <a:avLst/>
+          </a:prstGeom>
+          <a:noFill/>
+        </p:spPr>
+        <p:txBody>
+          <a:bodyPr wrap="square" rtlCol="0">
+            <a:spAutoFit/>
+          </a:bodyPr>
+          <a:lstStyle/>
+          <a:p>
+            <a:r>
+              <a:rPr lang="zh-CN" altLang="en-US" dirty="0"/>
+              <a:t>仓储管理页（</a:t>
+            </a:r>
+            <a:r>
+              <a:rPr lang="en-US" altLang="zh-CN" dirty="0"/>
+              <a:t>2</a:t>
+            </a:r>
+            <a:r>
+              <a:rPr lang="zh-CN" altLang="en-US" dirty="0"/>
+              <a:t>）</a:t>
+            </a:r>
+          </a:p>
+        </p:txBody>
+      </p:sp>
+      <p:sp>
+        <p:nvSpPr>
+          <p:cNvPr id="5" name="Rectangle 4">
+            <a:extLst>
+              <a:ext uri="{FF2B5EF4-FFF2-40B4-BE49-F238E27FC236}">
+                <a16:creationId xmlns:a16="http://schemas.microsoft.com/office/drawing/2014/main" id="{13B65C2B-3536-20C6-FE93-55C5B83507AF}"/>
+              </a:ext>
+            </a:extLst>
+          </p:cNvPr>
+          <p:cNvSpPr/>
+          <p:nvPr/>
+        </p:nvSpPr>
+        <p:spPr>
+          <a:xfrm>
+            <a:off x="3336814" y="1464319"/>
+            <a:ext cx="5518372" cy="3798277"/>
+          </a:xfrm>
+          <a:prstGeom prst="rect">
+            <a:avLst/>
+          </a:prstGeom>
+          <a:noFill/>
+        </p:spPr>
+        <p:style>
+          <a:lnRef idx="2">
+            <a:schemeClr val="dk1"/>
+          </a:lnRef>
+          <a:fillRef idx="1">
+            <a:schemeClr val="lt1"/>
+          </a:fillRef>
+          <a:effectRef idx="0">
+            <a:schemeClr val="dk1"/>
+          </a:effectRef>
+          <a:fontRef idx="minor">
+            <a:schemeClr val="dk1"/>
+          </a:fontRef>
+        </p:style>
+        <p:txBody>
+          <a:bodyPr rtlCol="0" anchor="ctr"/>
+          <a:lstStyle/>
+          <a:p>
+            <a:pPr algn="ctr"/>
+            <a:endParaRPr lang="zh-CN" altLang="en-US"/>
+          </a:p>
+        </p:txBody>
+      </p:sp>
+      <p:sp>
+        <p:nvSpPr>
+          <p:cNvPr id="6" name="TextBox 5">
+            <a:extLst>
+              <a:ext uri="{FF2B5EF4-FFF2-40B4-BE49-F238E27FC236}">
+                <a16:creationId xmlns:a16="http://schemas.microsoft.com/office/drawing/2014/main" id="{23E4B893-EF89-1435-5302-7F3D591429CE}"/>
+              </a:ext>
+            </a:extLst>
+          </p:cNvPr>
+          <p:cNvSpPr txBox="1"/>
+          <p:nvPr/>
+        </p:nvSpPr>
+        <p:spPr>
+          <a:xfrm>
+            <a:off x="4599139" y="1653436"/>
+            <a:ext cx="2993721" cy="369332"/>
+          </a:xfrm>
+          <a:prstGeom prst="rect">
+            <a:avLst/>
+          </a:prstGeom>
+        </p:spPr>
+        <p:style>
+          <a:lnRef idx="2">
+            <a:schemeClr val="accent2">
+              <a:shade val="50000"/>
+            </a:schemeClr>
+          </a:lnRef>
+          <a:fillRef idx="1">
+            <a:schemeClr val="accent2"/>
+          </a:fillRef>
+          <a:effectRef idx="0">
+            <a:schemeClr val="accent2"/>
+          </a:effectRef>
+          <a:fontRef idx="minor">
+            <a:schemeClr val="lt1"/>
+          </a:fontRef>
+        </p:style>
+        <p:txBody>
+          <a:bodyPr wrap="square" rtlCol="0">
+            <a:spAutoFit/>
+          </a:bodyPr>
+          <a:lstStyle/>
+          <a:p>
+            <a:pPr algn="ctr"/>
+            <a:r>
+              <a:rPr lang="zh-CN" altLang="en-US" dirty="0"/>
+              <a:t>黄河、长江流域：室内仓储</a:t>
+            </a:r>
+          </a:p>
+        </p:txBody>
+      </p:sp>
+      <p:sp>
+        <p:nvSpPr>
+          <p:cNvPr id="13" name="TextBox 12">
+            <a:extLst>
+              <a:ext uri="{FF2B5EF4-FFF2-40B4-BE49-F238E27FC236}">
+                <a16:creationId xmlns:a16="http://schemas.microsoft.com/office/drawing/2014/main" id="{B7B515AB-17AE-AA6E-73C4-DB094DAAAB36}"/>
+              </a:ext>
+            </a:extLst>
+          </p:cNvPr>
+          <p:cNvSpPr txBox="1"/>
+          <p:nvPr/>
+        </p:nvSpPr>
+        <p:spPr>
+          <a:xfrm>
+            <a:off x="9475940" y="3479197"/>
+            <a:ext cx="2404997" cy="923330"/>
+          </a:xfrm>
+          <a:prstGeom prst="rect">
+            <a:avLst/>
+          </a:prstGeom>
+          <a:noFill/>
+        </p:spPr>
+        <p:txBody>
+          <a:bodyPr wrap="square" rtlCol="0">
+            <a:spAutoFit/>
+          </a:bodyPr>
+          <a:lstStyle/>
+          <a:p>
+            <a:r>
+              <a:rPr lang="zh-CN" altLang="en-US" dirty="0"/>
+              <a:t>注：此为黄河流域、长江流域棉产区仓储管理页</a:t>
+            </a:r>
+          </a:p>
+        </p:txBody>
+      </p:sp>
+      <p:cxnSp>
+        <p:nvCxnSpPr>
+          <p:cNvPr id="3" name="Straight Connector 2">
+            <a:extLst>
+              <a:ext uri="{FF2B5EF4-FFF2-40B4-BE49-F238E27FC236}">
+                <a16:creationId xmlns:a16="http://schemas.microsoft.com/office/drawing/2014/main" id="{682EA8D8-CDA1-A1D0-746E-BABE5018A33E}"/>
+              </a:ext>
+            </a:extLst>
+          </p:cNvPr>
+          <p:cNvCxnSpPr>
+            <a:stCxn id="5" idx="1"/>
+            <a:endCxn id="5" idx="3"/>
+          </p:cNvCxnSpPr>
+          <p:nvPr/>
+        </p:nvCxnSpPr>
+        <p:spPr>
+          <a:xfrm>
+            <a:off x="3336814" y="3363458"/>
+            <a:ext cx="5518372" cy="0"/>
+          </a:xfrm>
+          <a:prstGeom prst="line">
+            <a:avLst/>
+          </a:prstGeom>
+        </p:spPr>
+        <p:style>
+          <a:lnRef idx="1">
+            <a:schemeClr val="dk1"/>
+          </a:lnRef>
+          <a:fillRef idx="0">
+            <a:schemeClr val="dk1"/>
+          </a:fillRef>
+          <a:effectRef idx="0">
+            <a:schemeClr val="dk1"/>
+          </a:effectRef>
+          <a:fontRef idx="minor">
+            <a:schemeClr val="tx1"/>
+          </a:fontRef>
+        </p:style>
+      </p:cxnSp>
+      <p:sp>
+        <p:nvSpPr>
+          <p:cNvPr id="18" name="Rectangle 17">
+            <a:extLst>
+              <a:ext uri="{FF2B5EF4-FFF2-40B4-BE49-F238E27FC236}">
+                <a16:creationId xmlns:a16="http://schemas.microsoft.com/office/drawing/2014/main" id="{48B3F479-1741-6166-458A-CD73E507468D}"/>
+              </a:ext>
+            </a:extLst>
+          </p:cNvPr>
+          <p:cNvSpPr/>
+          <p:nvPr/>
+        </p:nvSpPr>
+        <p:spPr>
+          <a:xfrm>
+            <a:off x="5567819" y="3317929"/>
+            <a:ext cx="225469" cy="322536"/>
+          </a:xfrm>
+          <a:prstGeom prst="rect">
+            <a:avLst/>
+          </a:prstGeom>
+          <a:solidFill>
+            <a:srgbClr val="C00000"/>
+          </a:solidFill>
+        </p:spPr>
+        <p:style>
+          <a:lnRef idx="2">
+            <a:schemeClr val="accent1">
+              <a:shade val="50000"/>
+            </a:schemeClr>
+          </a:lnRef>
+          <a:fillRef idx="1">
+            <a:schemeClr val="accent1"/>
+          </a:fillRef>
+          <a:effectRef idx="0">
+            <a:schemeClr val="accent1"/>
+          </a:effectRef>
+          <a:fontRef idx="minor">
+            <a:schemeClr val="lt1"/>
+          </a:fontRef>
+        </p:style>
+        <p:txBody>
+          <a:bodyPr rtlCol="0" anchor="ctr"/>
+          <a:lstStyle/>
+          <a:p>
+            <a:pPr algn="ctr"/>
+            <a:endParaRPr lang="zh-CN" altLang="en-US"/>
+          </a:p>
+        </p:txBody>
+      </p:sp>
+      <p:sp>
+        <p:nvSpPr>
+          <p:cNvPr id="19" name="Oval 18">
+            <a:extLst>
+              <a:ext uri="{FF2B5EF4-FFF2-40B4-BE49-F238E27FC236}">
+                <a16:creationId xmlns:a16="http://schemas.microsoft.com/office/drawing/2014/main" id="{4991661E-34FD-50A1-17A2-C389A71B49E7}"/>
+              </a:ext>
+            </a:extLst>
+          </p:cNvPr>
+          <p:cNvSpPr/>
+          <p:nvPr/>
+        </p:nvSpPr>
+        <p:spPr>
+          <a:xfrm>
+            <a:off x="4328120" y="3613033"/>
+            <a:ext cx="192493" cy="192493"/>
+          </a:xfrm>
+          <a:prstGeom prst="ellipse">
+            <a:avLst/>
+          </a:prstGeom>
+          <a:solidFill>
+            <a:schemeClr val="tx1"/>
+          </a:solidFill>
+        </p:spPr>
+        <p:style>
+          <a:lnRef idx="2">
+            <a:schemeClr val="accent1">
+              <a:shade val="50000"/>
+            </a:schemeClr>
+          </a:lnRef>
+          <a:fillRef idx="1">
+            <a:schemeClr val="accent1"/>
+          </a:fillRef>
+          <a:effectRef idx="0">
+            <a:schemeClr val="accent1"/>
+          </a:effectRef>
+          <a:fontRef idx="minor">
+            <a:schemeClr val="lt1"/>
+          </a:fontRef>
+        </p:style>
+        <p:txBody>
+          <a:bodyPr rtlCol="0" anchor="ctr"/>
+          <a:lstStyle/>
+          <a:p>
+            <a:pPr algn="ctr"/>
+            <a:endParaRPr lang="zh-CN" altLang="en-US"/>
+          </a:p>
+        </p:txBody>
+      </p:sp>
+      <p:sp>
+        <p:nvSpPr>
+          <p:cNvPr id="20" name="Oval 19">
+            <a:extLst>
+              <a:ext uri="{FF2B5EF4-FFF2-40B4-BE49-F238E27FC236}">
+                <a16:creationId xmlns:a16="http://schemas.microsoft.com/office/drawing/2014/main" id="{7124ED13-9A18-76D5-3ADA-6B5BAFC45935}"/>
+              </a:ext>
+            </a:extLst>
+          </p:cNvPr>
+          <p:cNvSpPr/>
+          <p:nvPr/>
+        </p:nvSpPr>
+        <p:spPr>
+          <a:xfrm>
+            <a:off x="4076581" y="3609759"/>
+            <a:ext cx="192493" cy="192493"/>
+          </a:xfrm>
+          <a:prstGeom prst="ellipse">
+            <a:avLst/>
+          </a:prstGeom>
+          <a:solidFill>
+            <a:schemeClr val="tx1"/>
+          </a:solidFill>
+        </p:spPr>
+        <p:style>
+          <a:lnRef idx="2">
+            <a:schemeClr val="accent1">
+              <a:shade val="50000"/>
+            </a:schemeClr>
+          </a:lnRef>
+          <a:fillRef idx="1">
+            <a:schemeClr val="accent1"/>
+          </a:fillRef>
+          <a:effectRef idx="0">
+            <a:schemeClr val="accent1"/>
+          </a:effectRef>
+          <a:fontRef idx="minor">
+            <a:schemeClr val="lt1"/>
+          </a:fontRef>
+        </p:style>
+        <p:txBody>
+          <a:bodyPr rtlCol="0" anchor="ctr"/>
+          <a:lstStyle/>
+          <a:p>
+            <a:pPr algn="ctr"/>
+            <a:endParaRPr lang="zh-CN" altLang="en-US"/>
+          </a:p>
+        </p:txBody>
+      </p:sp>
+      <p:sp>
+        <p:nvSpPr>
+          <p:cNvPr id="21" name="Oval 20">
+            <a:extLst>
+              <a:ext uri="{FF2B5EF4-FFF2-40B4-BE49-F238E27FC236}">
+                <a16:creationId xmlns:a16="http://schemas.microsoft.com/office/drawing/2014/main" id="{1BEF5BE4-CD8D-C470-1949-81138234496D}"/>
+              </a:ext>
+            </a:extLst>
+          </p:cNvPr>
+          <p:cNvSpPr/>
+          <p:nvPr/>
+        </p:nvSpPr>
+        <p:spPr>
+          <a:xfrm>
+            <a:off x="5552350" y="3604651"/>
+            <a:ext cx="192493" cy="192493"/>
+          </a:xfrm>
+          <a:prstGeom prst="ellipse">
+            <a:avLst/>
+          </a:prstGeom>
+          <a:solidFill>
+            <a:schemeClr val="tx1"/>
+          </a:solidFill>
+        </p:spPr>
+        <p:style>
+          <a:lnRef idx="2">
+            <a:schemeClr val="accent1">
+              <a:shade val="50000"/>
+            </a:schemeClr>
+          </a:lnRef>
+          <a:fillRef idx="1">
+            <a:schemeClr val="accent1"/>
+          </a:fillRef>
+          <a:effectRef idx="0">
+            <a:schemeClr val="accent1"/>
+          </a:effectRef>
+          <a:fontRef idx="minor">
+            <a:schemeClr val="lt1"/>
+          </a:fontRef>
+        </p:style>
+        <p:txBody>
+          <a:bodyPr rtlCol="0" anchor="ctr"/>
+          <a:lstStyle/>
+          <a:p>
+            <a:pPr algn="ctr"/>
+            <a:endParaRPr lang="zh-CN" altLang="en-US"/>
+          </a:p>
+        </p:txBody>
+      </p:sp>
+      <p:sp>
+        <p:nvSpPr>
+          <p:cNvPr id="22" name="Rectangle 21">
+            <a:extLst>
+              <a:ext uri="{FF2B5EF4-FFF2-40B4-BE49-F238E27FC236}">
+                <a16:creationId xmlns:a16="http://schemas.microsoft.com/office/drawing/2014/main" id="{B3E6AC7E-B1E3-00B9-3D79-8863CA5DEDFE}"/>
+              </a:ext>
+            </a:extLst>
+          </p:cNvPr>
+          <p:cNvSpPr/>
+          <p:nvPr/>
+        </p:nvSpPr>
+        <p:spPr>
+          <a:xfrm>
+            <a:off x="5648596" y="3317929"/>
+            <a:ext cx="144692" cy="192493"/>
+          </a:xfrm>
+          <a:prstGeom prst="rect">
+            <a:avLst/>
+          </a:prstGeom>
+        </p:spPr>
+        <p:style>
+          <a:lnRef idx="2">
+            <a:schemeClr val="accent1">
+              <a:shade val="50000"/>
+            </a:schemeClr>
+          </a:lnRef>
+          <a:fillRef idx="1">
+            <a:schemeClr val="accent1"/>
+          </a:fillRef>
+          <a:effectRef idx="0">
+            <a:schemeClr val="accent1"/>
+          </a:effectRef>
+          <a:fontRef idx="minor">
+            <a:schemeClr val="lt1"/>
+          </a:fontRef>
+        </p:style>
+        <p:txBody>
+          <a:bodyPr rtlCol="0" anchor="ctr"/>
+          <a:lstStyle/>
+          <a:p>
+            <a:pPr algn="ctr"/>
+            <a:endParaRPr lang="zh-CN" altLang="en-US"/>
+          </a:p>
+        </p:txBody>
+      </p:sp>
+      <p:sp>
+        <p:nvSpPr>
+          <p:cNvPr id="23" name="Rectangle 22">
+            <a:extLst>
+              <a:ext uri="{FF2B5EF4-FFF2-40B4-BE49-F238E27FC236}">
+                <a16:creationId xmlns:a16="http://schemas.microsoft.com/office/drawing/2014/main" id="{FD0834E2-289A-334C-AA3F-C88D2C654D0C}"/>
+              </a:ext>
+            </a:extLst>
+          </p:cNvPr>
+          <p:cNvSpPr/>
+          <p:nvPr/>
+        </p:nvSpPr>
+        <p:spPr>
+          <a:xfrm>
+            <a:off x="3995803" y="3125244"/>
+            <a:ext cx="1556547" cy="369332"/>
+          </a:xfrm>
+          <a:prstGeom prst="rect">
+            <a:avLst/>
+          </a:prstGeom>
+          <a:solidFill>
+            <a:schemeClr val="bg1"/>
+          </a:solidFill>
+        </p:spPr>
+        <p:style>
+          <a:lnRef idx="2">
+            <a:schemeClr val="accent1">
+              <a:shade val="50000"/>
+            </a:schemeClr>
+          </a:lnRef>
+          <a:fillRef idx="1">
+            <a:schemeClr val="accent1"/>
+          </a:fillRef>
+          <a:effectRef idx="0">
+            <a:schemeClr val="accent1"/>
+          </a:effectRef>
+          <a:fontRef idx="minor">
+            <a:schemeClr val="lt1"/>
+          </a:fontRef>
+        </p:style>
+        <p:txBody>
+          <a:bodyPr rtlCol="0" anchor="ctr"/>
+          <a:lstStyle/>
+          <a:p>
+            <a:pPr algn="ctr"/>
+            <a:endParaRPr lang="zh-CN" altLang="en-US"/>
+          </a:p>
+        </p:txBody>
+      </p:sp>
+      <p:sp>
+        <p:nvSpPr>
+          <p:cNvPr id="14" name="Rectangle 13">
+            <a:extLst>
+              <a:ext uri="{FF2B5EF4-FFF2-40B4-BE49-F238E27FC236}">
+                <a16:creationId xmlns:a16="http://schemas.microsoft.com/office/drawing/2014/main" id="{E8F99675-4ECD-E1B9-257A-B78AB4DD6CD1}"/>
+              </a:ext>
+            </a:extLst>
+          </p:cNvPr>
+          <p:cNvSpPr/>
+          <p:nvPr/>
+        </p:nvSpPr>
+        <p:spPr>
+          <a:xfrm>
+            <a:off x="3995803" y="3194249"/>
+            <a:ext cx="1572016" cy="469502"/>
+          </a:xfrm>
+          <a:prstGeom prst="rect">
+            <a:avLst/>
+          </a:prstGeom>
+          <a:solidFill>
+            <a:srgbClr val="FF0000"/>
+          </a:solidFill>
+        </p:spPr>
+        <p:style>
+          <a:lnRef idx="2">
+            <a:schemeClr val="accent1">
+              <a:shade val="50000"/>
+            </a:schemeClr>
+          </a:lnRef>
+          <a:fillRef idx="1">
+            <a:schemeClr val="accent1"/>
+          </a:fillRef>
+          <a:effectRef idx="0">
+            <a:schemeClr val="accent1"/>
+          </a:effectRef>
+          <a:fontRef idx="minor">
+            <a:schemeClr val="lt1"/>
+          </a:fontRef>
+        </p:style>
+        <p:txBody>
+          <a:bodyPr rtlCol="0" anchor="ctr"/>
+          <a:lstStyle/>
+          <a:p>
+            <a:pPr algn="ctr"/>
+            <a:endParaRPr lang="zh-CN" altLang="en-US"/>
+          </a:p>
+        </p:txBody>
+      </p:sp>
+      <p:sp>
+        <p:nvSpPr>
+          <p:cNvPr id="106" name="Rectangle 105">
+            <a:extLst>
+              <a:ext uri="{FF2B5EF4-FFF2-40B4-BE49-F238E27FC236}">
+                <a16:creationId xmlns:a16="http://schemas.microsoft.com/office/drawing/2014/main" id="{4A1F346C-DDB3-1B18-4A4E-FE36EF5B9AC7}"/>
+              </a:ext>
+            </a:extLst>
+          </p:cNvPr>
+          <p:cNvSpPr/>
+          <p:nvPr/>
+        </p:nvSpPr>
+        <p:spPr>
+          <a:xfrm>
+            <a:off x="7246307" y="3269293"/>
+            <a:ext cx="346553" cy="225283"/>
+          </a:xfrm>
+          <a:prstGeom prst="rect">
+            <a:avLst/>
+          </a:prstGeom>
+          <a:solidFill>
+            <a:schemeClr val="bg1"/>
+          </a:solidFill>
+          <a:ln>
+            <a:solidFill>
+              <a:schemeClr val="tx1"/>
+            </a:solidFill>
+          </a:ln>
+        </p:spPr>
+        <p:style>
+          <a:lnRef idx="2">
+            <a:schemeClr val="accent1">
+              <a:shade val="50000"/>
+            </a:schemeClr>
+          </a:lnRef>
+          <a:fillRef idx="1">
+            <a:schemeClr val="accent1"/>
+          </a:fillRef>
+          <a:effectRef idx="0">
+            <a:schemeClr val="accent1"/>
+          </a:effectRef>
+          <a:fontRef idx="minor">
+            <a:schemeClr val="lt1"/>
+          </a:fontRef>
+        </p:style>
+        <p:txBody>
+          <a:bodyPr rtlCol="0" anchor="ctr"/>
+          <a:lstStyle/>
+          <a:p>
+            <a:pPr algn="ctr"/>
+            <a:endParaRPr lang="zh-CN" altLang="en-US"/>
+          </a:p>
+        </p:txBody>
+      </p:sp>
+      <p:sp>
+        <p:nvSpPr>
+          <p:cNvPr id="107" name="Rectangle 106">
+            <a:extLst>
+              <a:ext uri="{FF2B5EF4-FFF2-40B4-BE49-F238E27FC236}">
+                <a16:creationId xmlns:a16="http://schemas.microsoft.com/office/drawing/2014/main" id="{3B838595-F383-6197-E527-4BF384E604EC}"/>
+              </a:ext>
+            </a:extLst>
+          </p:cNvPr>
+          <p:cNvSpPr/>
+          <p:nvPr/>
+        </p:nvSpPr>
+        <p:spPr>
+          <a:xfrm>
+            <a:off x="7249839" y="3079941"/>
+            <a:ext cx="346553" cy="225283"/>
+          </a:xfrm>
+          <a:prstGeom prst="rect">
+            <a:avLst/>
+          </a:prstGeom>
+          <a:solidFill>
+            <a:schemeClr val="bg1"/>
+          </a:solidFill>
+          <a:ln>
+            <a:solidFill>
+              <a:schemeClr val="tx1"/>
+            </a:solidFill>
+          </a:ln>
+        </p:spPr>
+        <p:style>
+          <a:lnRef idx="2">
+            <a:schemeClr val="accent1">
+              <a:shade val="50000"/>
+            </a:schemeClr>
+          </a:lnRef>
+          <a:fillRef idx="1">
+            <a:schemeClr val="accent1"/>
+          </a:fillRef>
+          <a:effectRef idx="0">
+            <a:schemeClr val="accent1"/>
+          </a:effectRef>
+          <a:fontRef idx="minor">
+            <a:schemeClr val="lt1"/>
+          </a:fontRef>
+        </p:style>
+        <p:txBody>
+          <a:bodyPr rtlCol="0" anchor="ctr"/>
+          <a:lstStyle/>
+          <a:p>
+            <a:pPr algn="ctr"/>
+            <a:endParaRPr lang="zh-CN" altLang="en-US"/>
+          </a:p>
+        </p:txBody>
+      </p:sp>
+      <p:sp>
+        <p:nvSpPr>
+          <p:cNvPr id="108" name="Rectangle 107">
+            <a:extLst>
+              <a:ext uri="{FF2B5EF4-FFF2-40B4-BE49-F238E27FC236}">
+                <a16:creationId xmlns:a16="http://schemas.microsoft.com/office/drawing/2014/main" id="{CF809FC7-BBBC-FE70-4D53-488037E83141}"/>
+              </a:ext>
+            </a:extLst>
+          </p:cNvPr>
+          <p:cNvSpPr/>
+          <p:nvPr/>
+        </p:nvSpPr>
+        <p:spPr>
+          <a:xfrm>
+            <a:off x="7253371" y="2882695"/>
+            <a:ext cx="346553" cy="225283"/>
+          </a:xfrm>
+          <a:prstGeom prst="rect">
+            <a:avLst/>
+          </a:prstGeom>
+          <a:solidFill>
+            <a:schemeClr val="bg1"/>
+          </a:solidFill>
+          <a:ln>
+            <a:solidFill>
+              <a:schemeClr val="tx1"/>
+            </a:solidFill>
+          </a:ln>
+        </p:spPr>
+        <p:style>
+          <a:lnRef idx="2">
+            <a:schemeClr val="accent1">
+              <a:shade val="50000"/>
+            </a:schemeClr>
+          </a:lnRef>
+          <a:fillRef idx="1">
+            <a:schemeClr val="accent1"/>
+          </a:fillRef>
+          <a:effectRef idx="0">
+            <a:schemeClr val="accent1"/>
+          </a:effectRef>
+          <a:fontRef idx="minor">
+            <a:schemeClr val="lt1"/>
+          </a:fontRef>
+        </p:style>
+        <p:txBody>
+          <a:bodyPr rtlCol="0" anchor="ctr"/>
+          <a:lstStyle/>
+          <a:p>
+            <a:pPr algn="ctr"/>
+            <a:endParaRPr lang="zh-CN" altLang="en-US"/>
+          </a:p>
+        </p:txBody>
+      </p:sp>
+      <p:sp>
+        <p:nvSpPr>
+          <p:cNvPr id="109" name="Rectangle 108">
+            <a:extLst>
+              <a:ext uri="{FF2B5EF4-FFF2-40B4-BE49-F238E27FC236}">
+                <a16:creationId xmlns:a16="http://schemas.microsoft.com/office/drawing/2014/main" id="{1DDCA2C5-8660-C4F1-020C-0360503D5B1D}"/>
+              </a:ext>
+            </a:extLst>
+          </p:cNvPr>
+          <p:cNvSpPr/>
+          <p:nvPr/>
+        </p:nvSpPr>
+        <p:spPr>
+          <a:xfrm>
+            <a:off x="7246307" y="2667007"/>
+            <a:ext cx="346553" cy="225283"/>
+          </a:xfrm>
+          <a:prstGeom prst="rect">
+            <a:avLst/>
+          </a:prstGeom>
+          <a:solidFill>
+            <a:schemeClr val="bg1"/>
+          </a:solidFill>
+          <a:ln>
+            <a:solidFill>
+              <a:schemeClr val="tx1"/>
+            </a:solidFill>
+          </a:ln>
+        </p:spPr>
+        <p:style>
+          <a:lnRef idx="2">
+            <a:schemeClr val="accent1">
+              <a:shade val="50000"/>
+            </a:schemeClr>
+          </a:lnRef>
+          <a:fillRef idx="1">
+            <a:schemeClr val="accent1"/>
+          </a:fillRef>
+          <a:effectRef idx="0">
+            <a:schemeClr val="accent1"/>
+          </a:effectRef>
+          <a:fontRef idx="minor">
+            <a:schemeClr val="lt1"/>
+          </a:fontRef>
+        </p:style>
+        <p:txBody>
+          <a:bodyPr rtlCol="0" anchor="ctr"/>
+          <a:lstStyle/>
+          <a:p>
+            <a:pPr algn="ctr"/>
+            <a:endParaRPr lang="zh-CN" altLang="en-US"/>
+          </a:p>
+        </p:txBody>
+      </p:sp>
+      <p:sp>
+        <p:nvSpPr>
+          <p:cNvPr id="110" name="Rectangle 109">
+            <a:extLst>
+              <a:ext uri="{FF2B5EF4-FFF2-40B4-BE49-F238E27FC236}">
+                <a16:creationId xmlns:a16="http://schemas.microsoft.com/office/drawing/2014/main" id="{B5DEBB5F-BFD1-8151-0DBA-285392357BD2}"/>
+              </a:ext>
+            </a:extLst>
+          </p:cNvPr>
+          <p:cNvSpPr/>
+          <p:nvPr/>
+        </p:nvSpPr>
+        <p:spPr>
+          <a:xfrm>
+            <a:off x="7599924" y="3316358"/>
+            <a:ext cx="346553" cy="225283"/>
+          </a:xfrm>
+          <a:prstGeom prst="rect">
+            <a:avLst/>
+          </a:prstGeom>
+          <a:solidFill>
+            <a:schemeClr val="bg1"/>
+          </a:solidFill>
+          <a:ln>
+            <a:solidFill>
+              <a:schemeClr val="tx1"/>
+            </a:solidFill>
+          </a:ln>
+        </p:spPr>
+        <p:style>
+          <a:lnRef idx="2">
+            <a:schemeClr val="accent1">
+              <a:shade val="50000"/>
+            </a:schemeClr>
+          </a:lnRef>
+          <a:fillRef idx="1">
+            <a:schemeClr val="accent1"/>
+          </a:fillRef>
+          <a:effectRef idx="0">
+            <a:schemeClr val="accent1"/>
+          </a:effectRef>
+          <a:fontRef idx="minor">
+            <a:schemeClr val="lt1"/>
+          </a:fontRef>
+        </p:style>
+        <p:txBody>
+          <a:bodyPr rtlCol="0" anchor="ctr"/>
+          <a:lstStyle/>
+          <a:p>
+            <a:pPr algn="ctr"/>
+            <a:endParaRPr lang="zh-CN" altLang="en-US"/>
+          </a:p>
+        </p:txBody>
+      </p:sp>
+      <p:sp>
+        <p:nvSpPr>
+          <p:cNvPr id="111" name="Rectangle 110">
+            <a:extLst>
+              <a:ext uri="{FF2B5EF4-FFF2-40B4-BE49-F238E27FC236}">
+                <a16:creationId xmlns:a16="http://schemas.microsoft.com/office/drawing/2014/main" id="{997580CF-39D7-7630-6F68-5DBD7A16868F}"/>
+              </a:ext>
+            </a:extLst>
+          </p:cNvPr>
+          <p:cNvSpPr/>
+          <p:nvPr/>
+        </p:nvSpPr>
+        <p:spPr>
+          <a:xfrm>
+            <a:off x="7606988" y="3084610"/>
+            <a:ext cx="346553" cy="225283"/>
+          </a:xfrm>
+          <a:prstGeom prst="rect">
+            <a:avLst/>
+          </a:prstGeom>
+          <a:solidFill>
+            <a:schemeClr val="bg1"/>
+          </a:solidFill>
+          <a:ln>
+            <a:solidFill>
+              <a:schemeClr val="tx1"/>
+            </a:solidFill>
+          </a:ln>
+        </p:spPr>
+        <p:style>
+          <a:lnRef idx="2">
+            <a:schemeClr val="accent1">
+              <a:shade val="50000"/>
+            </a:schemeClr>
+          </a:lnRef>
+          <a:fillRef idx="1">
+            <a:schemeClr val="accent1"/>
+          </a:fillRef>
+          <a:effectRef idx="0">
+            <a:schemeClr val="accent1"/>
+          </a:effectRef>
+          <a:fontRef idx="minor">
+            <a:schemeClr val="lt1"/>
+          </a:fontRef>
+        </p:style>
+        <p:txBody>
+          <a:bodyPr rtlCol="0" anchor="ctr"/>
+          <a:lstStyle/>
+          <a:p>
+            <a:pPr algn="ctr"/>
+            <a:endParaRPr lang="zh-CN" altLang="en-US"/>
+          </a:p>
+        </p:txBody>
+      </p:sp>
+      <p:sp>
+        <p:nvSpPr>
+          <p:cNvPr id="112" name="Rectangle 111">
+            <a:extLst>
+              <a:ext uri="{FF2B5EF4-FFF2-40B4-BE49-F238E27FC236}">
+                <a16:creationId xmlns:a16="http://schemas.microsoft.com/office/drawing/2014/main" id="{E7F12DC2-337A-2766-7126-09C496C17191}"/>
+              </a:ext>
+            </a:extLst>
+          </p:cNvPr>
+          <p:cNvSpPr/>
+          <p:nvPr/>
+        </p:nvSpPr>
+        <p:spPr>
+          <a:xfrm>
+            <a:off x="7614052" y="2895203"/>
+            <a:ext cx="346553" cy="225283"/>
+          </a:xfrm>
+          <a:prstGeom prst="rect">
+            <a:avLst/>
+          </a:prstGeom>
+          <a:solidFill>
+            <a:schemeClr val="bg1"/>
+          </a:solidFill>
+          <a:ln>
+            <a:solidFill>
+              <a:schemeClr val="tx1"/>
+            </a:solidFill>
+          </a:ln>
+        </p:spPr>
+        <p:style>
+          <a:lnRef idx="2">
+            <a:schemeClr val="accent1">
+              <a:shade val="50000"/>
+            </a:schemeClr>
+          </a:lnRef>
+          <a:fillRef idx="1">
+            <a:schemeClr val="accent1"/>
+          </a:fillRef>
+          <a:effectRef idx="0">
+            <a:schemeClr val="accent1"/>
+          </a:effectRef>
+          <a:fontRef idx="minor">
+            <a:schemeClr val="lt1"/>
+          </a:fontRef>
+        </p:style>
+        <p:txBody>
+          <a:bodyPr rtlCol="0" anchor="ctr"/>
+          <a:lstStyle/>
+          <a:p>
+            <a:pPr algn="ctr"/>
+            <a:endParaRPr lang="zh-CN" altLang="en-US"/>
+          </a:p>
+        </p:txBody>
+      </p:sp>
+      <p:sp>
+        <p:nvSpPr>
+          <p:cNvPr id="113" name="Rectangle 112">
+            <a:extLst>
+              <a:ext uri="{FF2B5EF4-FFF2-40B4-BE49-F238E27FC236}">
+                <a16:creationId xmlns:a16="http://schemas.microsoft.com/office/drawing/2014/main" id="{D49D9481-1491-4844-7F5C-76BF8A84B1DE}"/>
+              </a:ext>
+            </a:extLst>
+          </p:cNvPr>
+          <p:cNvSpPr/>
+          <p:nvPr/>
+        </p:nvSpPr>
+        <p:spPr>
+          <a:xfrm>
+            <a:off x="7591087" y="2701904"/>
+            <a:ext cx="346553" cy="225283"/>
+          </a:xfrm>
+          <a:prstGeom prst="rect">
+            <a:avLst/>
+          </a:prstGeom>
+          <a:solidFill>
+            <a:schemeClr val="bg1"/>
+          </a:solidFill>
+          <a:ln>
+            <a:solidFill>
+              <a:schemeClr val="tx1"/>
+            </a:solidFill>
+          </a:ln>
+        </p:spPr>
+        <p:style>
+          <a:lnRef idx="2">
+            <a:schemeClr val="accent1">
+              <a:shade val="50000"/>
+            </a:schemeClr>
+          </a:lnRef>
+          <a:fillRef idx="1">
+            <a:schemeClr val="accent1"/>
+          </a:fillRef>
+          <a:effectRef idx="0">
+            <a:schemeClr val="accent1"/>
+          </a:effectRef>
+          <a:fontRef idx="minor">
+            <a:schemeClr val="lt1"/>
+          </a:fontRef>
+        </p:style>
+        <p:txBody>
+          <a:bodyPr rtlCol="0" anchor="ctr"/>
+          <a:lstStyle/>
+          <a:p>
+            <a:pPr algn="ctr"/>
+            <a:endParaRPr lang="zh-CN" altLang="en-US"/>
+          </a:p>
+        </p:txBody>
+      </p:sp>
+      <p:sp>
+        <p:nvSpPr>
+          <p:cNvPr id="114" name="Rectangle 113">
+            <a:extLst>
+              <a:ext uri="{FF2B5EF4-FFF2-40B4-BE49-F238E27FC236}">
+                <a16:creationId xmlns:a16="http://schemas.microsoft.com/office/drawing/2014/main" id="{5AF05691-F3E4-C32B-79BE-B80BDFA76DB1}"/>
+              </a:ext>
+            </a:extLst>
+          </p:cNvPr>
+          <p:cNvSpPr/>
+          <p:nvPr/>
+        </p:nvSpPr>
+        <p:spPr>
+          <a:xfrm>
+            <a:off x="6979170" y="3508642"/>
+            <a:ext cx="346553" cy="225283"/>
+          </a:xfrm>
+          <a:prstGeom prst="rect">
+            <a:avLst/>
+          </a:prstGeom>
+          <a:solidFill>
+            <a:schemeClr val="bg1"/>
+          </a:solidFill>
+          <a:ln>
+            <a:solidFill>
+              <a:schemeClr val="tx1"/>
+            </a:solidFill>
+          </a:ln>
+        </p:spPr>
+        <p:style>
+          <a:lnRef idx="2">
+            <a:schemeClr val="accent1">
+              <a:shade val="50000"/>
+            </a:schemeClr>
+          </a:lnRef>
+          <a:fillRef idx="1">
+            <a:schemeClr val="accent1"/>
+          </a:fillRef>
+          <a:effectRef idx="0">
+            <a:schemeClr val="accent1"/>
+          </a:effectRef>
+          <a:fontRef idx="minor">
+            <a:schemeClr val="lt1"/>
+          </a:fontRef>
+        </p:style>
+        <p:txBody>
+          <a:bodyPr rtlCol="0" anchor="ctr"/>
+          <a:lstStyle/>
+          <a:p>
+            <a:pPr algn="ctr"/>
+            <a:endParaRPr lang="zh-CN" altLang="en-US"/>
+          </a:p>
+        </p:txBody>
+      </p:sp>
+      <p:sp>
+        <p:nvSpPr>
+          <p:cNvPr id="115" name="Rectangle 114">
+            <a:extLst>
+              <a:ext uri="{FF2B5EF4-FFF2-40B4-BE49-F238E27FC236}">
+                <a16:creationId xmlns:a16="http://schemas.microsoft.com/office/drawing/2014/main" id="{5B956338-6152-4599-F49B-AA109E77AD9A}"/>
+              </a:ext>
+            </a:extLst>
+          </p:cNvPr>
+          <p:cNvSpPr/>
+          <p:nvPr/>
+        </p:nvSpPr>
+        <p:spPr>
+          <a:xfrm>
+            <a:off x="6979169" y="3316357"/>
+            <a:ext cx="346553" cy="225283"/>
+          </a:xfrm>
+          <a:prstGeom prst="rect">
+            <a:avLst/>
+          </a:prstGeom>
+          <a:solidFill>
+            <a:schemeClr val="bg1"/>
+          </a:solidFill>
+          <a:ln>
+            <a:solidFill>
+              <a:schemeClr val="tx1"/>
+            </a:solidFill>
+          </a:ln>
+        </p:spPr>
+        <p:style>
+          <a:lnRef idx="2">
+            <a:schemeClr val="accent1">
+              <a:shade val="50000"/>
+            </a:schemeClr>
+          </a:lnRef>
+          <a:fillRef idx="1">
+            <a:schemeClr val="accent1"/>
+          </a:fillRef>
+          <a:effectRef idx="0">
+            <a:schemeClr val="accent1"/>
+          </a:effectRef>
+          <a:fontRef idx="minor">
+            <a:schemeClr val="lt1"/>
+          </a:fontRef>
+        </p:style>
+        <p:txBody>
+          <a:bodyPr rtlCol="0" anchor="ctr"/>
+          <a:lstStyle/>
+          <a:p>
+            <a:pPr algn="ctr"/>
+            <a:endParaRPr lang="zh-CN" altLang="en-US"/>
+          </a:p>
+        </p:txBody>
+      </p:sp>
+      <p:sp>
+        <p:nvSpPr>
+          <p:cNvPr id="116" name="Rectangle 115">
+            <a:extLst>
+              <a:ext uri="{FF2B5EF4-FFF2-40B4-BE49-F238E27FC236}">
+                <a16:creationId xmlns:a16="http://schemas.microsoft.com/office/drawing/2014/main" id="{F6A6E1EF-F477-A624-C6D0-6AC2FA026C14}"/>
+              </a:ext>
+            </a:extLst>
+          </p:cNvPr>
+          <p:cNvSpPr/>
+          <p:nvPr/>
+        </p:nvSpPr>
+        <p:spPr>
+          <a:xfrm>
+            <a:off x="6993297" y="3145406"/>
+            <a:ext cx="346553" cy="225283"/>
+          </a:xfrm>
+          <a:prstGeom prst="rect">
+            <a:avLst/>
+          </a:prstGeom>
+          <a:solidFill>
+            <a:schemeClr val="bg1"/>
+          </a:solidFill>
+          <a:ln>
+            <a:solidFill>
+              <a:schemeClr val="tx1"/>
+            </a:solidFill>
+          </a:ln>
+        </p:spPr>
+        <p:style>
+          <a:lnRef idx="2">
+            <a:schemeClr val="accent1">
+              <a:shade val="50000"/>
+            </a:schemeClr>
+          </a:lnRef>
+          <a:fillRef idx="1">
+            <a:schemeClr val="accent1"/>
+          </a:fillRef>
+          <a:effectRef idx="0">
+            <a:schemeClr val="accent1"/>
+          </a:effectRef>
+          <a:fontRef idx="minor">
+            <a:schemeClr val="lt1"/>
+          </a:fontRef>
+        </p:style>
+        <p:txBody>
+          <a:bodyPr rtlCol="0" anchor="ctr"/>
+          <a:lstStyle/>
+          <a:p>
+            <a:pPr algn="ctr"/>
+            <a:endParaRPr lang="zh-CN" altLang="en-US"/>
+          </a:p>
+        </p:txBody>
+      </p:sp>
+      <p:sp>
+        <p:nvSpPr>
+          <p:cNvPr id="117" name="Rectangle 116">
+            <a:extLst>
+              <a:ext uri="{FF2B5EF4-FFF2-40B4-BE49-F238E27FC236}">
+                <a16:creationId xmlns:a16="http://schemas.microsoft.com/office/drawing/2014/main" id="{5D55BBA1-C46E-17E2-7C67-0B97AAB71943}"/>
+              </a:ext>
+            </a:extLst>
+          </p:cNvPr>
+          <p:cNvSpPr/>
+          <p:nvPr/>
+        </p:nvSpPr>
+        <p:spPr>
+          <a:xfrm>
+            <a:off x="6973936" y="2939389"/>
+            <a:ext cx="346553" cy="225283"/>
+          </a:xfrm>
+          <a:prstGeom prst="rect">
+            <a:avLst/>
+          </a:prstGeom>
+          <a:solidFill>
+            <a:schemeClr val="bg1"/>
+          </a:solidFill>
+          <a:ln>
+            <a:solidFill>
+              <a:schemeClr val="tx1"/>
+            </a:solidFill>
+          </a:ln>
+        </p:spPr>
+        <p:style>
+          <a:lnRef idx="2">
+            <a:schemeClr val="accent1">
+              <a:shade val="50000"/>
+            </a:schemeClr>
+          </a:lnRef>
+          <a:fillRef idx="1">
+            <a:schemeClr val="accent1"/>
+          </a:fillRef>
+          <a:effectRef idx="0">
+            <a:schemeClr val="accent1"/>
+          </a:effectRef>
+          <a:fontRef idx="minor">
+            <a:schemeClr val="lt1"/>
+          </a:fontRef>
+        </p:style>
+        <p:txBody>
+          <a:bodyPr rtlCol="0" anchor="ctr"/>
+          <a:lstStyle/>
+          <a:p>
+            <a:pPr algn="ctr"/>
+            <a:endParaRPr lang="zh-CN" altLang="en-US"/>
+          </a:p>
+        </p:txBody>
+      </p:sp>
+      <p:sp>
+        <p:nvSpPr>
+          <p:cNvPr id="126" name="Rectangle 125">
+            <a:extLst>
+              <a:ext uri="{FF2B5EF4-FFF2-40B4-BE49-F238E27FC236}">
+                <a16:creationId xmlns:a16="http://schemas.microsoft.com/office/drawing/2014/main" id="{B50E8122-45A9-ADFB-E912-ABDA084EB9A2}"/>
+              </a:ext>
+            </a:extLst>
+          </p:cNvPr>
+          <p:cNvSpPr/>
+          <p:nvPr/>
+        </p:nvSpPr>
+        <p:spPr>
+          <a:xfrm>
+            <a:off x="7977046" y="3273520"/>
+            <a:ext cx="346553" cy="225283"/>
+          </a:xfrm>
+          <a:prstGeom prst="rect">
+            <a:avLst/>
+          </a:prstGeom>
+          <a:solidFill>
+            <a:schemeClr val="bg1"/>
+          </a:solidFill>
+          <a:ln>
+            <a:solidFill>
+              <a:schemeClr val="tx1"/>
+            </a:solidFill>
+          </a:ln>
+        </p:spPr>
+        <p:style>
+          <a:lnRef idx="2">
+            <a:schemeClr val="accent1">
+              <a:shade val="50000"/>
+            </a:schemeClr>
+          </a:lnRef>
+          <a:fillRef idx="1">
+            <a:schemeClr val="accent1"/>
+          </a:fillRef>
+          <a:effectRef idx="0">
+            <a:schemeClr val="accent1"/>
+          </a:effectRef>
+          <a:fontRef idx="minor">
+            <a:schemeClr val="lt1"/>
+          </a:fontRef>
+        </p:style>
+        <p:txBody>
+          <a:bodyPr rtlCol="0" anchor="ctr"/>
+          <a:lstStyle/>
+          <a:p>
+            <a:pPr algn="ctr"/>
+            <a:endParaRPr lang="zh-CN" altLang="en-US"/>
+          </a:p>
+        </p:txBody>
+      </p:sp>
+      <p:sp>
+        <p:nvSpPr>
+          <p:cNvPr id="127" name="Rectangle 126">
+            <a:extLst>
+              <a:ext uri="{FF2B5EF4-FFF2-40B4-BE49-F238E27FC236}">
+                <a16:creationId xmlns:a16="http://schemas.microsoft.com/office/drawing/2014/main" id="{A9201DFD-9E37-26E5-2630-900D886CA41A}"/>
+              </a:ext>
+            </a:extLst>
+          </p:cNvPr>
+          <p:cNvSpPr/>
+          <p:nvPr/>
+        </p:nvSpPr>
+        <p:spPr>
+          <a:xfrm>
+            <a:off x="7977045" y="3081235"/>
+            <a:ext cx="346553" cy="225283"/>
+          </a:xfrm>
+          <a:prstGeom prst="rect">
+            <a:avLst/>
+          </a:prstGeom>
+          <a:solidFill>
+            <a:schemeClr val="bg1"/>
+          </a:solidFill>
+          <a:ln>
+            <a:solidFill>
+              <a:schemeClr val="tx1"/>
+            </a:solidFill>
+          </a:ln>
+        </p:spPr>
+        <p:style>
+          <a:lnRef idx="2">
+            <a:schemeClr val="accent1">
+              <a:shade val="50000"/>
+            </a:schemeClr>
+          </a:lnRef>
+          <a:fillRef idx="1">
+            <a:schemeClr val="accent1"/>
+          </a:fillRef>
+          <a:effectRef idx="0">
+            <a:schemeClr val="accent1"/>
+          </a:effectRef>
+          <a:fontRef idx="minor">
+            <a:schemeClr val="lt1"/>
+          </a:fontRef>
+        </p:style>
+        <p:txBody>
+          <a:bodyPr rtlCol="0" anchor="ctr"/>
+          <a:lstStyle/>
+          <a:p>
+            <a:pPr algn="ctr"/>
+            <a:endParaRPr lang="zh-CN" altLang="en-US"/>
+          </a:p>
+        </p:txBody>
+      </p:sp>
+      <p:sp>
+        <p:nvSpPr>
+          <p:cNvPr id="128" name="Rectangle 127">
+            <a:extLst>
+              <a:ext uri="{FF2B5EF4-FFF2-40B4-BE49-F238E27FC236}">
+                <a16:creationId xmlns:a16="http://schemas.microsoft.com/office/drawing/2014/main" id="{D936C1C1-D790-25F8-2D81-5EC71708CBE6}"/>
+              </a:ext>
+            </a:extLst>
+          </p:cNvPr>
+          <p:cNvSpPr/>
+          <p:nvPr/>
+        </p:nvSpPr>
+        <p:spPr>
+          <a:xfrm>
+            <a:off x="7991173" y="2910284"/>
+            <a:ext cx="346553" cy="225283"/>
+          </a:xfrm>
+          <a:prstGeom prst="rect">
+            <a:avLst/>
+          </a:prstGeom>
+          <a:solidFill>
+            <a:schemeClr val="bg1"/>
+          </a:solidFill>
+          <a:ln>
+            <a:solidFill>
+              <a:schemeClr val="tx1"/>
+            </a:solidFill>
+          </a:ln>
+        </p:spPr>
+        <p:style>
+          <a:lnRef idx="2">
+            <a:schemeClr val="accent1">
+              <a:shade val="50000"/>
+            </a:schemeClr>
+          </a:lnRef>
+          <a:fillRef idx="1">
+            <a:schemeClr val="accent1"/>
+          </a:fillRef>
+          <a:effectRef idx="0">
+            <a:schemeClr val="accent1"/>
+          </a:effectRef>
+          <a:fontRef idx="minor">
+            <a:schemeClr val="lt1"/>
+          </a:fontRef>
+        </p:style>
+        <p:txBody>
+          <a:bodyPr rtlCol="0" anchor="ctr"/>
+          <a:lstStyle/>
+          <a:p>
+            <a:pPr algn="ctr"/>
+            <a:endParaRPr lang="zh-CN" altLang="en-US"/>
+          </a:p>
+        </p:txBody>
+      </p:sp>
+      <p:sp>
+        <p:nvSpPr>
+          <p:cNvPr id="129" name="Rectangle 128">
+            <a:extLst>
+              <a:ext uri="{FF2B5EF4-FFF2-40B4-BE49-F238E27FC236}">
+                <a16:creationId xmlns:a16="http://schemas.microsoft.com/office/drawing/2014/main" id="{9211EAD0-756C-994E-DB2B-BD35D0D151D9}"/>
+              </a:ext>
+            </a:extLst>
+          </p:cNvPr>
+          <p:cNvSpPr/>
+          <p:nvPr/>
+        </p:nvSpPr>
+        <p:spPr>
+          <a:xfrm>
+            <a:off x="7991173" y="2701904"/>
+            <a:ext cx="346553" cy="225283"/>
+          </a:xfrm>
+          <a:prstGeom prst="rect">
+            <a:avLst/>
+          </a:prstGeom>
+          <a:solidFill>
+            <a:schemeClr val="bg1"/>
+          </a:solidFill>
+          <a:ln>
+            <a:solidFill>
+              <a:schemeClr val="tx1"/>
+            </a:solidFill>
+          </a:ln>
+        </p:spPr>
+        <p:style>
+          <a:lnRef idx="2">
+            <a:schemeClr val="accent1">
+              <a:shade val="50000"/>
+            </a:schemeClr>
+          </a:lnRef>
+          <a:fillRef idx="1">
+            <a:schemeClr val="accent1"/>
+          </a:fillRef>
+          <a:effectRef idx="0">
+            <a:schemeClr val="accent1"/>
+          </a:effectRef>
+          <a:fontRef idx="minor">
+            <a:schemeClr val="lt1"/>
+          </a:fontRef>
+        </p:style>
+        <p:txBody>
+          <a:bodyPr rtlCol="0" anchor="ctr"/>
+          <a:lstStyle/>
+          <a:p>
+            <a:pPr algn="ctr"/>
+            <a:endParaRPr lang="zh-CN" altLang="en-US"/>
+          </a:p>
+        </p:txBody>
+      </p:sp>
+      <p:grpSp>
+        <p:nvGrpSpPr>
+          <p:cNvPr id="130" name="Group 129">
+            <a:extLst>
+              <a:ext uri="{FF2B5EF4-FFF2-40B4-BE49-F238E27FC236}">
+                <a16:creationId xmlns:a16="http://schemas.microsoft.com/office/drawing/2014/main" id="{18536A21-2682-6976-A546-0D30A6F052A3}"/>
+              </a:ext>
+            </a:extLst>
+          </p:cNvPr>
+          <p:cNvGrpSpPr/>
+          <p:nvPr/>
+        </p:nvGrpSpPr>
+        <p:grpSpPr>
+          <a:xfrm>
+            <a:off x="7312058" y="3594608"/>
+            <a:ext cx="1048765" cy="848625"/>
+            <a:chOff x="7312058" y="3594608"/>
+            <a:chExt cx="1048765" cy="848625"/>
+          </a:xfrm>
+        </p:grpSpPr>
+        <p:sp>
+          <p:nvSpPr>
+            <p:cNvPr id="131" name="Rectangle 130">
+              <a:extLst>
+                <a:ext uri="{FF2B5EF4-FFF2-40B4-BE49-F238E27FC236}">
+                  <a16:creationId xmlns:a16="http://schemas.microsoft.com/office/drawing/2014/main" id="{CA4C15CF-2AAB-E3F1-02F0-92BB7D90EBC6}"/>
+                </a:ext>
+              </a:extLst>
+            </p:cNvPr>
+            <p:cNvSpPr/>
+            <p:nvPr/>
+          </p:nvSpPr>
+          <p:spPr>
+            <a:xfrm>
+              <a:off x="7316506" y="3594608"/>
+              <a:ext cx="346553" cy="225283"/>
+            </a:xfrm>
+            <a:prstGeom prst="rect">
+              <a:avLst/>
+            </a:prstGeom>
+            <a:solidFill>
+              <a:schemeClr val="bg1"/>
+            </a:solidFill>
+            <a:ln>
+              <a:solidFill>
+                <a:schemeClr val="tx1"/>
+              </a:solidFill>
+            </a:ln>
+          </p:spPr>
+          <p:style>
+            <a:lnRef idx="2">
+              <a:schemeClr val="accent1">
+                <a:shade val="50000"/>
+              </a:schemeClr>
+            </a:lnRef>
+            <a:fillRef idx="1">
+              <a:schemeClr val="accent1"/>
+            </a:fillRef>
+            <a:effectRef idx="0">
+              <a:schemeClr val="accent1"/>
+            </a:effectRef>
+            <a:fontRef idx="minor">
+              <a:schemeClr val="lt1"/>
+            </a:fontRef>
+          </p:style>
+          <p:txBody>
+            <a:bodyPr rtlCol="0" anchor="ctr"/>
+            <a:lstStyle/>
+            <a:p>
+              <a:pPr algn="ctr"/>
+              <a:endParaRPr lang="zh-CN" altLang="en-US"/>
+            </a:p>
+          </p:txBody>
+        </p:sp>
+        <p:sp>
+          <p:nvSpPr>
+            <p:cNvPr id="132" name="Rectangle 131">
+              <a:extLst>
+                <a:ext uri="{FF2B5EF4-FFF2-40B4-BE49-F238E27FC236}">
+                  <a16:creationId xmlns:a16="http://schemas.microsoft.com/office/drawing/2014/main" id="{2508503B-4E05-61A4-A313-B31809E1AAE5}"/>
+                </a:ext>
+              </a:extLst>
+            </p:cNvPr>
+            <p:cNvSpPr/>
+            <p:nvPr/>
+          </p:nvSpPr>
+          <p:spPr>
+            <a:xfrm>
+              <a:off x="7657930" y="3594608"/>
+              <a:ext cx="346553" cy="225283"/>
+            </a:xfrm>
+            <a:prstGeom prst="rect">
+              <a:avLst/>
+            </a:prstGeom>
+            <a:solidFill>
+              <a:schemeClr val="bg1"/>
+            </a:solidFill>
+            <a:ln>
+              <a:solidFill>
+                <a:schemeClr val="tx1"/>
+              </a:solidFill>
+            </a:ln>
+          </p:spPr>
+          <p:style>
+            <a:lnRef idx="2">
+              <a:schemeClr val="accent1">
+                <a:shade val="50000"/>
+              </a:schemeClr>
+            </a:lnRef>
+            <a:fillRef idx="1">
+              <a:schemeClr val="accent1"/>
+            </a:fillRef>
+            <a:effectRef idx="0">
+              <a:schemeClr val="accent1"/>
+            </a:effectRef>
+            <a:fontRef idx="minor">
+              <a:schemeClr val="lt1"/>
+            </a:fontRef>
+          </p:style>
+          <p:txBody>
+            <a:bodyPr rtlCol="0" anchor="ctr"/>
+            <a:lstStyle/>
+            <a:p>
+              <a:pPr algn="ctr"/>
+              <a:endParaRPr lang="zh-CN" altLang="en-US" dirty="0"/>
+            </a:p>
+          </p:txBody>
+        </p:sp>
+        <p:grpSp>
+          <p:nvGrpSpPr>
+            <p:cNvPr id="133" name="Group 132">
+              <a:extLst>
+                <a:ext uri="{FF2B5EF4-FFF2-40B4-BE49-F238E27FC236}">
+                  <a16:creationId xmlns:a16="http://schemas.microsoft.com/office/drawing/2014/main" id="{F3D2B57B-4962-B707-F40C-CA1D5F529B44}"/>
+                </a:ext>
+              </a:extLst>
+            </p:cNvPr>
+            <p:cNvGrpSpPr/>
+            <p:nvPr/>
+          </p:nvGrpSpPr>
+          <p:grpSpPr>
+            <a:xfrm>
+              <a:off x="7312058" y="3648697"/>
+              <a:ext cx="1048765" cy="794536"/>
+              <a:chOff x="7313417" y="3553477"/>
+              <a:chExt cx="1048765" cy="794536"/>
+            </a:xfrm>
+          </p:grpSpPr>
+          <p:sp>
+            <p:nvSpPr>
+              <p:cNvPr id="134" name="Rectangle 133">
+                <a:extLst>
+                  <a:ext uri="{FF2B5EF4-FFF2-40B4-BE49-F238E27FC236}">
+                    <a16:creationId xmlns:a16="http://schemas.microsoft.com/office/drawing/2014/main" id="{D4E0E1BA-F484-B1DC-346A-F6DF227196A9}"/>
+                  </a:ext>
+                </a:extLst>
+              </p:cNvPr>
+              <p:cNvSpPr/>
+              <p:nvPr/>
+            </p:nvSpPr>
+            <p:spPr>
+              <a:xfrm>
+                <a:off x="7313418" y="4076433"/>
+                <a:ext cx="346553" cy="225283"/>
+              </a:xfrm>
+              <a:prstGeom prst="rect">
+                <a:avLst/>
+              </a:prstGeom>
+              <a:solidFill>
+                <a:schemeClr val="bg1"/>
+              </a:solidFill>
+              <a:ln>
+                <a:solidFill>
+                  <a:schemeClr val="tx1"/>
+                </a:solidFill>
+              </a:ln>
+            </p:spPr>
+            <p:style>
+              <a:lnRef idx="2">
+                <a:schemeClr val="accent1">
+                  <a:shade val="50000"/>
+                </a:schemeClr>
+              </a:lnRef>
+              <a:fillRef idx="1">
+                <a:schemeClr val="accent1"/>
+              </a:fillRef>
+              <a:effectRef idx="0">
+                <a:schemeClr val="accent1"/>
+              </a:effectRef>
+              <a:fontRef idx="minor">
+                <a:schemeClr val="lt1"/>
+              </a:fontRef>
+            </p:style>
+            <p:txBody>
+              <a:bodyPr rtlCol="0" anchor="ctr"/>
+              <a:lstStyle/>
+              <a:p>
+                <a:pPr algn="ctr"/>
+                <a:endParaRPr lang="zh-CN" altLang="en-US"/>
+              </a:p>
+            </p:txBody>
+          </p:sp>
+          <p:sp>
+            <p:nvSpPr>
+              <p:cNvPr id="135" name="Rectangle 134">
+                <a:extLst>
+                  <a:ext uri="{FF2B5EF4-FFF2-40B4-BE49-F238E27FC236}">
+                    <a16:creationId xmlns:a16="http://schemas.microsoft.com/office/drawing/2014/main" id="{0B0769D4-9B39-4091-2516-219D50FDED0E}"/>
+                  </a:ext>
+                </a:extLst>
+              </p:cNvPr>
+              <p:cNvSpPr/>
+              <p:nvPr/>
+            </p:nvSpPr>
+            <p:spPr>
+              <a:xfrm>
+                <a:off x="7313417" y="3884148"/>
+                <a:ext cx="346553" cy="225283"/>
+              </a:xfrm>
+              <a:prstGeom prst="rect">
+                <a:avLst/>
+              </a:prstGeom>
+              <a:solidFill>
+                <a:schemeClr val="bg1"/>
+              </a:solidFill>
+              <a:ln>
+                <a:solidFill>
+                  <a:schemeClr val="tx1"/>
+                </a:solidFill>
+              </a:ln>
+            </p:spPr>
+            <p:style>
+              <a:lnRef idx="2">
+                <a:schemeClr val="accent1">
+                  <a:shade val="50000"/>
+                </a:schemeClr>
+              </a:lnRef>
+              <a:fillRef idx="1">
+                <a:schemeClr val="accent1"/>
+              </a:fillRef>
+              <a:effectRef idx="0">
+                <a:schemeClr val="accent1"/>
+              </a:effectRef>
+              <a:fontRef idx="minor">
+                <a:schemeClr val="lt1"/>
+              </a:fontRef>
+            </p:style>
+            <p:txBody>
+              <a:bodyPr rtlCol="0" anchor="ctr"/>
+              <a:lstStyle/>
+              <a:p>
+                <a:pPr algn="ctr"/>
+                <a:endParaRPr lang="zh-CN" altLang="en-US"/>
+              </a:p>
+            </p:txBody>
+          </p:sp>
+          <p:sp>
+            <p:nvSpPr>
+              <p:cNvPr id="136" name="Rectangle 135">
+                <a:extLst>
+                  <a:ext uri="{FF2B5EF4-FFF2-40B4-BE49-F238E27FC236}">
+                    <a16:creationId xmlns:a16="http://schemas.microsoft.com/office/drawing/2014/main" id="{FA6D94E6-8940-3C64-B772-72807355055C}"/>
+                  </a:ext>
+                </a:extLst>
+              </p:cNvPr>
+              <p:cNvSpPr/>
+              <p:nvPr/>
+            </p:nvSpPr>
+            <p:spPr>
+              <a:xfrm>
+                <a:off x="7327545" y="3713197"/>
+                <a:ext cx="346553" cy="225283"/>
+              </a:xfrm>
+              <a:prstGeom prst="rect">
+                <a:avLst/>
+              </a:prstGeom>
+              <a:solidFill>
+                <a:schemeClr val="bg1"/>
+              </a:solidFill>
+              <a:ln>
+                <a:solidFill>
+                  <a:schemeClr val="tx1"/>
+                </a:solidFill>
+              </a:ln>
+            </p:spPr>
+            <p:style>
+              <a:lnRef idx="2">
+                <a:schemeClr val="accent1">
+                  <a:shade val="50000"/>
+                </a:schemeClr>
+              </a:lnRef>
+              <a:fillRef idx="1">
+                <a:schemeClr val="accent1"/>
+              </a:fillRef>
+              <a:effectRef idx="0">
+                <a:schemeClr val="accent1"/>
+              </a:effectRef>
+              <a:fontRef idx="minor">
+                <a:schemeClr val="lt1"/>
+              </a:fontRef>
+            </p:style>
+            <p:txBody>
+              <a:bodyPr rtlCol="0" anchor="ctr"/>
+              <a:lstStyle/>
+              <a:p>
+                <a:pPr algn="ctr"/>
+                <a:endParaRPr lang="zh-CN" altLang="en-US"/>
+              </a:p>
+            </p:txBody>
+          </p:sp>
+          <p:sp>
+            <p:nvSpPr>
+              <p:cNvPr id="137" name="Rectangle 136">
+                <a:extLst>
+                  <a:ext uri="{FF2B5EF4-FFF2-40B4-BE49-F238E27FC236}">
+                    <a16:creationId xmlns:a16="http://schemas.microsoft.com/office/drawing/2014/main" id="{42F9D3BA-B6B4-56CD-15E8-14FF51B1699B}"/>
+                  </a:ext>
+                </a:extLst>
+              </p:cNvPr>
+              <p:cNvSpPr/>
+              <p:nvPr/>
+            </p:nvSpPr>
+            <p:spPr>
+              <a:xfrm>
+                <a:off x="7649854" y="4051153"/>
+                <a:ext cx="346553" cy="225283"/>
+              </a:xfrm>
+              <a:prstGeom prst="rect">
+                <a:avLst/>
+              </a:prstGeom>
+              <a:solidFill>
+                <a:schemeClr val="bg1"/>
+              </a:solidFill>
+              <a:ln>
+                <a:solidFill>
+                  <a:schemeClr val="tx1"/>
+                </a:solidFill>
+              </a:ln>
+            </p:spPr>
+            <p:style>
+              <a:lnRef idx="2">
+                <a:schemeClr val="accent1">
+                  <a:shade val="50000"/>
+                </a:schemeClr>
+              </a:lnRef>
+              <a:fillRef idx="1">
+                <a:schemeClr val="accent1"/>
+              </a:fillRef>
+              <a:effectRef idx="0">
+                <a:schemeClr val="accent1"/>
+              </a:effectRef>
+              <a:fontRef idx="minor">
+                <a:schemeClr val="lt1"/>
+              </a:fontRef>
+            </p:style>
+            <p:txBody>
+              <a:bodyPr rtlCol="0" anchor="ctr"/>
+              <a:lstStyle/>
+              <a:p>
+                <a:pPr algn="ctr"/>
+                <a:endParaRPr lang="zh-CN" altLang="en-US"/>
+              </a:p>
+            </p:txBody>
+          </p:sp>
+          <p:sp>
+            <p:nvSpPr>
+              <p:cNvPr id="138" name="Rectangle 137">
+                <a:extLst>
+                  <a:ext uri="{FF2B5EF4-FFF2-40B4-BE49-F238E27FC236}">
+                    <a16:creationId xmlns:a16="http://schemas.microsoft.com/office/drawing/2014/main" id="{002B060A-AF56-752D-A4E4-8582CD36D4B1}"/>
+                  </a:ext>
+                </a:extLst>
+              </p:cNvPr>
+              <p:cNvSpPr/>
+              <p:nvPr/>
+            </p:nvSpPr>
+            <p:spPr>
+              <a:xfrm>
+                <a:off x="7649853" y="3858868"/>
+                <a:ext cx="346553" cy="225283"/>
+              </a:xfrm>
+              <a:prstGeom prst="rect">
+                <a:avLst/>
+              </a:prstGeom>
+              <a:solidFill>
+                <a:schemeClr val="bg1"/>
+              </a:solidFill>
+              <a:ln>
+                <a:solidFill>
+                  <a:schemeClr val="tx1"/>
+                </a:solidFill>
+              </a:ln>
+            </p:spPr>
+            <p:style>
+              <a:lnRef idx="2">
+                <a:schemeClr val="accent1">
+                  <a:shade val="50000"/>
+                </a:schemeClr>
+              </a:lnRef>
+              <a:fillRef idx="1">
+                <a:schemeClr val="accent1"/>
+              </a:fillRef>
+              <a:effectRef idx="0">
+                <a:schemeClr val="accent1"/>
+              </a:effectRef>
+              <a:fontRef idx="minor">
+                <a:schemeClr val="lt1"/>
+              </a:fontRef>
+            </p:style>
+            <p:txBody>
+              <a:bodyPr rtlCol="0" anchor="ctr"/>
+              <a:lstStyle/>
+              <a:p>
+                <a:pPr algn="ctr"/>
+                <a:endParaRPr lang="zh-CN" altLang="en-US"/>
+              </a:p>
+            </p:txBody>
+          </p:sp>
+          <p:sp>
+            <p:nvSpPr>
+              <p:cNvPr id="139" name="Rectangle 138">
+                <a:extLst>
+                  <a:ext uri="{FF2B5EF4-FFF2-40B4-BE49-F238E27FC236}">
+                    <a16:creationId xmlns:a16="http://schemas.microsoft.com/office/drawing/2014/main" id="{29DC001D-4ADD-3E18-D50D-D995BF2531C6}"/>
+                  </a:ext>
+                </a:extLst>
+              </p:cNvPr>
+              <p:cNvSpPr/>
+              <p:nvPr/>
+            </p:nvSpPr>
+            <p:spPr>
+              <a:xfrm>
+                <a:off x="7654737" y="3681213"/>
+                <a:ext cx="346553" cy="225283"/>
+              </a:xfrm>
+              <a:prstGeom prst="rect">
+                <a:avLst/>
+              </a:prstGeom>
+              <a:solidFill>
+                <a:schemeClr val="bg1"/>
+              </a:solidFill>
+              <a:ln>
+                <a:solidFill>
+                  <a:schemeClr val="tx1"/>
+                </a:solidFill>
+              </a:ln>
+            </p:spPr>
+            <p:style>
+              <a:lnRef idx="2">
+                <a:schemeClr val="accent1">
+                  <a:shade val="50000"/>
+                </a:schemeClr>
+              </a:lnRef>
+              <a:fillRef idx="1">
+                <a:schemeClr val="accent1"/>
+              </a:fillRef>
+              <a:effectRef idx="0">
+                <a:schemeClr val="accent1"/>
+              </a:effectRef>
+              <a:fontRef idx="minor">
+                <a:schemeClr val="lt1"/>
+              </a:fontRef>
+            </p:style>
+            <p:txBody>
+              <a:bodyPr rtlCol="0" anchor="ctr"/>
+              <a:lstStyle/>
+              <a:p>
+                <a:pPr algn="ctr"/>
+                <a:endParaRPr lang="zh-CN" altLang="en-US"/>
+              </a:p>
+            </p:txBody>
+          </p:sp>
+          <p:sp>
+            <p:nvSpPr>
+              <p:cNvPr id="140" name="Rectangle 139">
+                <a:extLst>
+                  <a:ext uri="{FF2B5EF4-FFF2-40B4-BE49-F238E27FC236}">
+                    <a16:creationId xmlns:a16="http://schemas.microsoft.com/office/drawing/2014/main" id="{52A792A1-B2E4-EEC0-D79B-BF7E05558C86}"/>
+                  </a:ext>
+                </a:extLst>
+              </p:cNvPr>
+              <p:cNvSpPr/>
+              <p:nvPr/>
+            </p:nvSpPr>
+            <p:spPr>
+              <a:xfrm>
+                <a:off x="8015629" y="4122730"/>
+                <a:ext cx="346553" cy="225283"/>
+              </a:xfrm>
+              <a:prstGeom prst="rect">
+                <a:avLst/>
+              </a:prstGeom>
+              <a:solidFill>
+                <a:schemeClr val="bg1"/>
+              </a:solidFill>
+              <a:ln>
+                <a:solidFill>
+                  <a:schemeClr val="tx1"/>
+                </a:solidFill>
+              </a:ln>
+            </p:spPr>
+            <p:style>
+              <a:lnRef idx="2">
+                <a:schemeClr val="accent1">
+                  <a:shade val="50000"/>
+                </a:schemeClr>
+              </a:lnRef>
+              <a:fillRef idx="1">
+                <a:schemeClr val="accent1"/>
+              </a:fillRef>
+              <a:effectRef idx="0">
+                <a:schemeClr val="accent1"/>
+              </a:effectRef>
+              <a:fontRef idx="minor">
+                <a:schemeClr val="lt1"/>
+              </a:fontRef>
+            </p:style>
+            <p:txBody>
+              <a:bodyPr rtlCol="0" anchor="ctr"/>
+              <a:lstStyle/>
+              <a:p>
+                <a:pPr algn="ctr"/>
+                <a:endParaRPr lang="zh-CN" altLang="en-US"/>
+              </a:p>
+            </p:txBody>
+          </p:sp>
+          <p:sp>
+            <p:nvSpPr>
+              <p:cNvPr id="141" name="Rectangle 140">
+                <a:extLst>
+                  <a:ext uri="{FF2B5EF4-FFF2-40B4-BE49-F238E27FC236}">
+                    <a16:creationId xmlns:a16="http://schemas.microsoft.com/office/drawing/2014/main" id="{2480887C-7299-F986-54D9-FE447C346F02}"/>
+                  </a:ext>
+                </a:extLst>
+              </p:cNvPr>
+              <p:cNvSpPr/>
+              <p:nvPr/>
+            </p:nvSpPr>
+            <p:spPr>
+              <a:xfrm>
+                <a:off x="8015628" y="3930445"/>
+                <a:ext cx="346553" cy="225283"/>
+              </a:xfrm>
+              <a:prstGeom prst="rect">
+                <a:avLst/>
+              </a:prstGeom>
+              <a:solidFill>
+                <a:schemeClr val="bg1"/>
+              </a:solidFill>
+              <a:ln>
+                <a:solidFill>
+                  <a:schemeClr val="tx1"/>
+                </a:solidFill>
+              </a:ln>
+            </p:spPr>
+            <p:style>
+              <a:lnRef idx="2">
+                <a:schemeClr val="accent1">
+                  <a:shade val="50000"/>
+                </a:schemeClr>
+              </a:lnRef>
+              <a:fillRef idx="1">
+                <a:schemeClr val="accent1"/>
+              </a:fillRef>
+              <a:effectRef idx="0">
+                <a:schemeClr val="accent1"/>
+              </a:effectRef>
+              <a:fontRef idx="minor">
+                <a:schemeClr val="lt1"/>
+              </a:fontRef>
+            </p:style>
+            <p:txBody>
+              <a:bodyPr rtlCol="0" anchor="ctr"/>
+              <a:lstStyle/>
+              <a:p>
+                <a:pPr algn="ctr"/>
+                <a:endParaRPr lang="zh-CN" altLang="en-US"/>
+              </a:p>
+            </p:txBody>
+          </p:sp>
+          <p:sp>
+            <p:nvSpPr>
+              <p:cNvPr id="142" name="Rectangle 141">
+                <a:extLst>
+                  <a:ext uri="{FF2B5EF4-FFF2-40B4-BE49-F238E27FC236}">
+                    <a16:creationId xmlns:a16="http://schemas.microsoft.com/office/drawing/2014/main" id="{B74AED3C-29C3-6BBD-7A51-DAB08740D3DE}"/>
+                  </a:ext>
+                </a:extLst>
+              </p:cNvPr>
+              <p:cNvSpPr/>
+              <p:nvPr/>
+            </p:nvSpPr>
+            <p:spPr>
+              <a:xfrm>
+                <a:off x="8010395" y="3760862"/>
+                <a:ext cx="346553" cy="225283"/>
+              </a:xfrm>
+              <a:prstGeom prst="rect">
+                <a:avLst/>
+              </a:prstGeom>
+              <a:solidFill>
+                <a:schemeClr val="bg1"/>
+              </a:solidFill>
+              <a:ln>
+                <a:solidFill>
+                  <a:schemeClr val="tx1"/>
+                </a:solidFill>
+              </a:ln>
+            </p:spPr>
+            <p:style>
+              <a:lnRef idx="2">
+                <a:schemeClr val="accent1">
+                  <a:shade val="50000"/>
+                </a:schemeClr>
+              </a:lnRef>
+              <a:fillRef idx="1">
+                <a:schemeClr val="accent1"/>
+              </a:fillRef>
+              <a:effectRef idx="0">
+                <a:schemeClr val="accent1"/>
+              </a:effectRef>
+              <a:fontRef idx="minor">
+                <a:schemeClr val="lt1"/>
+              </a:fontRef>
+            </p:style>
+            <p:txBody>
+              <a:bodyPr rtlCol="0" anchor="ctr"/>
+              <a:lstStyle/>
+              <a:p>
+                <a:pPr algn="ctr"/>
+                <a:endParaRPr lang="zh-CN" altLang="en-US"/>
+              </a:p>
+            </p:txBody>
+          </p:sp>
+          <p:sp>
+            <p:nvSpPr>
+              <p:cNvPr id="143" name="Rectangle 142">
+                <a:extLst>
+                  <a:ext uri="{FF2B5EF4-FFF2-40B4-BE49-F238E27FC236}">
+                    <a16:creationId xmlns:a16="http://schemas.microsoft.com/office/drawing/2014/main" id="{9F1C5C51-D85D-0694-C222-4FDAB485912A}"/>
+                  </a:ext>
+                </a:extLst>
+              </p:cNvPr>
+              <p:cNvSpPr/>
+              <p:nvPr/>
+            </p:nvSpPr>
+            <p:spPr>
+              <a:xfrm>
+                <a:off x="8010395" y="3553477"/>
+                <a:ext cx="346553" cy="225283"/>
+              </a:xfrm>
+              <a:prstGeom prst="rect">
+                <a:avLst/>
+              </a:prstGeom>
+              <a:solidFill>
+                <a:schemeClr val="bg1"/>
+              </a:solidFill>
+              <a:ln>
+                <a:solidFill>
+                  <a:schemeClr val="tx1"/>
+                </a:solidFill>
+              </a:ln>
+            </p:spPr>
+            <p:style>
+              <a:lnRef idx="2">
+                <a:schemeClr val="accent1">
+                  <a:shade val="50000"/>
+                </a:schemeClr>
+              </a:lnRef>
+              <a:fillRef idx="1">
+                <a:schemeClr val="accent1"/>
+              </a:fillRef>
+              <a:effectRef idx="0">
+                <a:schemeClr val="accent1"/>
+              </a:effectRef>
+              <a:fontRef idx="minor">
+                <a:schemeClr val="lt1"/>
+              </a:fontRef>
+            </p:style>
+            <p:txBody>
+              <a:bodyPr rtlCol="0" anchor="ctr"/>
+              <a:lstStyle/>
+              <a:p>
+                <a:pPr algn="ctr"/>
+                <a:endParaRPr lang="zh-CN" altLang="en-US"/>
+              </a:p>
+            </p:txBody>
+          </p:sp>
+        </p:grpSp>
+      </p:grpSp>
+      <p:grpSp>
+        <p:nvGrpSpPr>
+          <p:cNvPr id="144" name="Group 143">
+            <a:extLst>
+              <a:ext uri="{FF2B5EF4-FFF2-40B4-BE49-F238E27FC236}">
+                <a16:creationId xmlns:a16="http://schemas.microsoft.com/office/drawing/2014/main" id="{51A00D7E-566F-C67E-43C7-B67F23401AC7}"/>
+              </a:ext>
+            </a:extLst>
+          </p:cNvPr>
+          <p:cNvGrpSpPr/>
+          <p:nvPr/>
+        </p:nvGrpSpPr>
+        <p:grpSpPr>
+          <a:xfrm>
+            <a:off x="7384025" y="4210761"/>
+            <a:ext cx="1048765" cy="848625"/>
+            <a:chOff x="7312058" y="3594608"/>
+            <a:chExt cx="1048765" cy="848625"/>
+          </a:xfrm>
+        </p:grpSpPr>
+        <p:sp>
+          <p:nvSpPr>
+            <p:cNvPr id="145" name="Rectangle 144">
+              <a:extLst>
+                <a:ext uri="{FF2B5EF4-FFF2-40B4-BE49-F238E27FC236}">
+                  <a16:creationId xmlns:a16="http://schemas.microsoft.com/office/drawing/2014/main" id="{098CECCA-9B38-20BF-1AEF-F4288D90FB84}"/>
+                </a:ext>
+              </a:extLst>
+            </p:cNvPr>
+            <p:cNvSpPr/>
+            <p:nvPr/>
+          </p:nvSpPr>
+          <p:spPr>
+            <a:xfrm>
+              <a:off x="7316506" y="3594608"/>
+              <a:ext cx="346553" cy="225283"/>
+            </a:xfrm>
+            <a:prstGeom prst="rect">
+              <a:avLst/>
+            </a:prstGeom>
+            <a:solidFill>
+              <a:schemeClr val="bg1"/>
+            </a:solidFill>
+            <a:ln>
+              <a:solidFill>
+                <a:schemeClr val="tx1"/>
+              </a:solidFill>
+            </a:ln>
+          </p:spPr>
+          <p:style>
+            <a:lnRef idx="2">
+              <a:schemeClr val="accent1">
+                <a:shade val="50000"/>
+              </a:schemeClr>
+            </a:lnRef>
+            <a:fillRef idx="1">
+              <a:schemeClr val="accent1"/>
+            </a:fillRef>
+            <a:effectRef idx="0">
+              <a:schemeClr val="accent1"/>
+            </a:effectRef>
+            <a:fontRef idx="minor">
+              <a:schemeClr val="lt1"/>
+            </a:fontRef>
+          </p:style>
+          <p:txBody>
+            <a:bodyPr rtlCol="0" anchor="ctr"/>
+            <a:lstStyle/>
+            <a:p>
+              <a:pPr algn="ctr"/>
+              <a:endParaRPr lang="zh-CN" altLang="en-US"/>
+            </a:p>
+          </p:txBody>
+        </p:sp>
+        <p:sp>
+          <p:nvSpPr>
+            <p:cNvPr id="146" name="Rectangle 145">
+              <a:extLst>
+                <a:ext uri="{FF2B5EF4-FFF2-40B4-BE49-F238E27FC236}">
+                  <a16:creationId xmlns:a16="http://schemas.microsoft.com/office/drawing/2014/main" id="{F84D3C14-B3EF-3B74-0A39-23A25F8F6C8F}"/>
+                </a:ext>
+              </a:extLst>
+            </p:cNvPr>
+            <p:cNvSpPr/>
+            <p:nvPr/>
+          </p:nvSpPr>
+          <p:spPr>
+            <a:xfrm>
+              <a:off x="7657930" y="3594608"/>
+              <a:ext cx="346553" cy="225283"/>
+            </a:xfrm>
+            <a:prstGeom prst="rect">
+              <a:avLst/>
+            </a:prstGeom>
+            <a:solidFill>
+              <a:schemeClr val="bg1"/>
+            </a:solidFill>
+            <a:ln>
+              <a:solidFill>
+                <a:schemeClr val="tx1"/>
+              </a:solidFill>
+            </a:ln>
+          </p:spPr>
+          <p:style>
+            <a:lnRef idx="2">
+              <a:schemeClr val="accent1">
+                <a:shade val="50000"/>
+              </a:schemeClr>
+            </a:lnRef>
+            <a:fillRef idx="1">
+              <a:schemeClr val="accent1"/>
+            </a:fillRef>
+            <a:effectRef idx="0">
+              <a:schemeClr val="accent1"/>
+            </a:effectRef>
+            <a:fontRef idx="minor">
+              <a:schemeClr val="lt1"/>
+            </a:fontRef>
+          </p:style>
+          <p:txBody>
+            <a:bodyPr rtlCol="0" anchor="ctr"/>
+            <a:lstStyle/>
+            <a:p>
+              <a:pPr algn="ctr"/>
+              <a:endParaRPr lang="zh-CN" altLang="en-US" dirty="0"/>
+            </a:p>
+          </p:txBody>
+        </p:sp>
+        <p:grpSp>
+          <p:nvGrpSpPr>
+            <p:cNvPr id="147" name="Group 146">
+              <a:extLst>
+                <a:ext uri="{FF2B5EF4-FFF2-40B4-BE49-F238E27FC236}">
+                  <a16:creationId xmlns:a16="http://schemas.microsoft.com/office/drawing/2014/main" id="{31E592C0-4CB2-79DB-65B8-978F03371F99}"/>
+                </a:ext>
+              </a:extLst>
+            </p:cNvPr>
+            <p:cNvGrpSpPr/>
+            <p:nvPr/>
+          </p:nvGrpSpPr>
+          <p:grpSpPr>
+            <a:xfrm>
+              <a:off x="7312058" y="3648697"/>
+              <a:ext cx="1048765" cy="794536"/>
+              <a:chOff x="7313417" y="3553477"/>
+              <a:chExt cx="1048765" cy="794536"/>
+            </a:xfrm>
+          </p:grpSpPr>
+          <p:sp>
+            <p:nvSpPr>
+              <p:cNvPr id="148" name="Rectangle 147">
+                <a:extLst>
+                  <a:ext uri="{FF2B5EF4-FFF2-40B4-BE49-F238E27FC236}">
+                    <a16:creationId xmlns:a16="http://schemas.microsoft.com/office/drawing/2014/main" id="{B0CE4D51-CCA4-0451-D507-CBF5534F81F0}"/>
+                  </a:ext>
+                </a:extLst>
+              </p:cNvPr>
+              <p:cNvSpPr/>
+              <p:nvPr/>
+            </p:nvSpPr>
+            <p:spPr>
+              <a:xfrm>
+                <a:off x="7313418" y="4076433"/>
+                <a:ext cx="346553" cy="225283"/>
+              </a:xfrm>
+              <a:prstGeom prst="rect">
+                <a:avLst/>
+              </a:prstGeom>
+              <a:solidFill>
+                <a:schemeClr val="bg1"/>
+              </a:solidFill>
+              <a:ln>
+                <a:solidFill>
+                  <a:schemeClr val="tx1"/>
+                </a:solidFill>
+              </a:ln>
+            </p:spPr>
+            <p:style>
+              <a:lnRef idx="2">
+                <a:schemeClr val="accent1">
+                  <a:shade val="50000"/>
+                </a:schemeClr>
+              </a:lnRef>
+              <a:fillRef idx="1">
+                <a:schemeClr val="accent1"/>
+              </a:fillRef>
+              <a:effectRef idx="0">
+                <a:schemeClr val="accent1"/>
+              </a:effectRef>
+              <a:fontRef idx="minor">
+                <a:schemeClr val="lt1"/>
+              </a:fontRef>
+            </p:style>
+            <p:txBody>
+              <a:bodyPr rtlCol="0" anchor="ctr"/>
+              <a:lstStyle/>
+              <a:p>
+                <a:pPr algn="ctr"/>
+                <a:endParaRPr lang="zh-CN" altLang="en-US"/>
+              </a:p>
+            </p:txBody>
+          </p:sp>
+          <p:sp>
+            <p:nvSpPr>
+              <p:cNvPr id="149" name="Rectangle 148">
+                <a:extLst>
+                  <a:ext uri="{FF2B5EF4-FFF2-40B4-BE49-F238E27FC236}">
+                    <a16:creationId xmlns:a16="http://schemas.microsoft.com/office/drawing/2014/main" id="{169E7086-B582-2D83-81B5-3B4C5FF498F3}"/>
+                  </a:ext>
+                </a:extLst>
+              </p:cNvPr>
+              <p:cNvSpPr/>
+              <p:nvPr/>
+            </p:nvSpPr>
+            <p:spPr>
+              <a:xfrm>
+                <a:off x="7313417" y="3884148"/>
+                <a:ext cx="346553" cy="225283"/>
+              </a:xfrm>
+              <a:prstGeom prst="rect">
+                <a:avLst/>
+              </a:prstGeom>
+              <a:solidFill>
+                <a:schemeClr val="bg1"/>
+              </a:solidFill>
+              <a:ln>
+                <a:solidFill>
+                  <a:schemeClr val="tx1"/>
+                </a:solidFill>
+              </a:ln>
+            </p:spPr>
+            <p:style>
+              <a:lnRef idx="2">
+                <a:schemeClr val="accent1">
+                  <a:shade val="50000"/>
+                </a:schemeClr>
+              </a:lnRef>
+              <a:fillRef idx="1">
+                <a:schemeClr val="accent1"/>
+              </a:fillRef>
+              <a:effectRef idx="0">
+                <a:schemeClr val="accent1"/>
+              </a:effectRef>
+              <a:fontRef idx="minor">
+                <a:schemeClr val="lt1"/>
+              </a:fontRef>
+            </p:style>
+            <p:txBody>
+              <a:bodyPr rtlCol="0" anchor="ctr"/>
+              <a:lstStyle/>
+              <a:p>
+                <a:pPr algn="ctr"/>
+                <a:endParaRPr lang="zh-CN" altLang="en-US"/>
+              </a:p>
+            </p:txBody>
+          </p:sp>
+          <p:sp>
+            <p:nvSpPr>
+              <p:cNvPr id="150" name="Rectangle 149">
+                <a:extLst>
+                  <a:ext uri="{FF2B5EF4-FFF2-40B4-BE49-F238E27FC236}">
+                    <a16:creationId xmlns:a16="http://schemas.microsoft.com/office/drawing/2014/main" id="{7273FBC5-766D-FE83-3094-5CA1C3FD013F}"/>
+                  </a:ext>
+                </a:extLst>
+              </p:cNvPr>
+              <p:cNvSpPr/>
+              <p:nvPr/>
+            </p:nvSpPr>
+            <p:spPr>
+              <a:xfrm>
+                <a:off x="7327545" y="3713197"/>
+                <a:ext cx="346553" cy="225283"/>
+              </a:xfrm>
+              <a:prstGeom prst="rect">
+                <a:avLst/>
+              </a:prstGeom>
+              <a:solidFill>
+                <a:schemeClr val="bg1"/>
+              </a:solidFill>
+              <a:ln>
+                <a:solidFill>
+                  <a:schemeClr val="tx1"/>
+                </a:solidFill>
+              </a:ln>
+            </p:spPr>
+            <p:style>
+              <a:lnRef idx="2">
+                <a:schemeClr val="accent1">
+                  <a:shade val="50000"/>
+                </a:schemeClr>
+              </a:lnRef>
+              <a:fillRef idx="1">
+                <a:schemeClr val="accent1"/>
+              </a:fillRef>
+              <a:effectRef idx="0">
+                <a:schemeClr val="accent1"/>
+              </a:effectRef>
+              <a:fontRef idx="minor">
+                <a:schemeClr val="lt1"/>
+              </a:fontRef>
+            </p:style>
+            <p:txBody>
+              <a:bodyPr rtlCol="0" anchor="ctr"/>
+              <a:lstStyle/>
+              <a:p>
+                <a:pPr algn="ctr"/>
+                <a:endParaRPr lang="zh-CN" altLang="en-US"/>
+              </a:p>
+            </p:txBody>
+          </p:sp>
+          <p:sp>
+            <p:nvSpPr>
+              <p:cNvPr id="151" name="Rectangle 150">
+                <a:extLst>
+                  <a:ext uri="{FF2B5EF4-FFF2-40B4-BE49-F238E27FC236}">
+                    <a16:creationId xmlns:a16="http://schemas.microsoft.com/office/drawing/2014/main" id="{CC2BE243-C71C-9C17-AF6B-BD9077E4FB1C}"/>
+                  </a:ext>
+                </a:extLst>
+              </p:cNvPr>
+              <p:cNvSpPr/>
+              <p:nvPr/>
+            </p:nvSpPr>
+            <p:spPr>
+              <a:xfrm>
+                <a:off x="7649854" y="4051153"/>
+                <a:ext cx="346553" cy="225283"/>
+              </a:xfrm>
+              <a:prstGeom prst="rect">
+                <a:avLst/>
+              </a:prstGeom>
+              <a:solidFill>
+                <a:schemeClr val="bg1"/>
+              </a:solidFill>
+              <a:ln>
+                <a:solidFill>
+                  <a:schemeClr val="tx1"/>
+                </a:solidFill>
+              </a:ln>
+            </p:spPr>
+            <p:style>
+              <a:lnRef idx="2">
+                <a:schemeClr val="accent1">
+                  <a:shade val="50000"/>
+                </a:schemeClr>
+              </a:lnRef>
+              <a:fillRef idx="1">
+                <a:schemeClr val="accent1"/>
+              </a:fillRef>
+              <a:effectRef idx="0">
+                <a:schemeClr val="accent1"/>
+              </a:effectRef>
+              <a:fontRef idx="minor">
+                <a:schemeClr val="lt1"/>
+              </a:fontRef>
+            </p:style>
+            <p:txBody>
+              <a:bodyPr rtlCol="0" anchor="ctr"/>
+              <a:lstStyle/>
+              <a:p>
+                <a:pPr algn="ctr"/>
+                <a:endParaRPr lang="zh-CN" altLang="en-US"/>
+              </a:p>
+            </p:txBody>
+          </p:sp>
+          <p:sp>
+            <p:nvSpPr>
+              <p:cNvPr id="152" name="Rectangle 151">
+                <a:extLst>
+                  <a:ext uri="{FF2B5EF4-FFF2-40B4-BE49-F238E27FC236}">
+                    <a16:creationId xmlns:a16="http://schemas.microsoft.com/office/drawing/2014/main" id="{C207D965-8599-9E82-F328-67CF79DBAA34}"/>
+                  </a:ext>
+                </a:extLst>
+              </p:cNvPr>
+              <p:cNvSpPr/>
+              <p:nvPr/>
+            </p:nvSpPr>
+            <p:spPr>
+              <a:xfrm>
+                <a:off x="7649853" y="3858868"/>
+                <a:ext cx="346553" cy="225283"/>
+              </a:xfrm>
+              <a:prstGeom prst="rect">
+                <a:avLst/>
+              </a:prstGeom>
+              <a:solidFill>
+                <a:schemeClr val="bg1"/>
+              </a:solidFill>
+              <a:ln>
+                <a:solidFill>
+                  <a:schemeClr val="tx1"/>
+                </a:solidFill>
+              </a:ln>
+            </p:spPr>
+            <p:style>
+              <a:lnRef idx="2">
+                <a:schemeClr val="accent1">
+                  <a:shade val="50000"/>
+                </a:schemeClr>
+              </a:lnRef>
+              <a:fillRef idx="1">
+                <a:schemeClr val="accent1"/>
+              </a:fillRef>
+              <a:effectRef idx="0">
+                <a:schemeClr val="accent1"/>
+              </a:effectRef>
+              <a:fontRef idx="minor">
+                <a:schemeClr val="lt1"/>
+              </a:fontRef>
+            </p:style>
+            <p:txBody>
+              <a:bodyPr rtlCol="0" anchor="ctr"/>
+              <a:lstStyle/>
+              <a:p>
+                <a:pPr algn="ctr"/>
+                <a:endParaRPr lang="zh-CN" altLang="en-US"/>
+              </a:p>
+            </p:txBody>
+          </p:sp>
+          <p:sp>
+            <p:nvSpPr>
+              <p:cNvPr id="153" name="Rectangle 152">
+                <a:extLst>
+                  <a:ext uri="{FF2B5EF4-FFF2-40B4-BE49-F238E27FC236}">
+                    <a16:creationId xmlns:a16="http://schemas.microsoft.com/office/drawing/2014/main" id="{62078018-305B-B034-2E9C-11E9B7430323}"/>
+                  </a:ext>
+                </a:extLst>
+              </p:cNvPr>
+              <p:cNvSpPr/>
+              <p:nvPr/>
+            </p:nvSpPr>
+            <p:spPr>
+              <a:xfrm>
+                <a:off x="7654737" y="3681213"/>
+                <a:ext cx="346553" cy="225283"/>
+              </a:xfrm>
+              <a:prstGeom prst="rect">
+                <a:avLst/>
+              </a:prstGeom>
+              <a:solidFill>
+                <a:schemeClr val="bg1"/>
+              </a:solidFill>
+              <a:ln>
+                <a:solidFill>
+                  <a:schemeClr val="tx1"/>
+                </a:solidFill>
+              </a:ln>
+            </p:spPr>
+            <p:style>
+              <a:lnRef idx="2">
+                <a:schemeClr val="accent1">
+                  <a:shade val="50000"/>
+                </a:schemeClr>
+              </a:lnRef>
+              <a:fillRef idx="1">
+                <a:schemeClr val="accent1"/>
+              </a:fillRef>
+              <a:effectRef idx="0">
+                <a:schemeClr val="accent1"/>
+              </a:effectRef>
+              <a:fontRef idx="minor">
+                <a:schemeClr val="lt1"/>
+              </a:fontRef>
+            </p:style>
+            <p:txBody>
+              <a:bodyPr rtlCol="0" anchor="ctr"/>
+              <a:lstStyle/>
+              <a:p>
+                <a:pPr algn="ctr"/>
+                <a:endParaRPr lang="zh-CN" altLang="en-US"/>
+              </a:p>
+            </p:txBody>
+          </p:sp>
+          <p:sp>
+            <p:nvSpPr>
+              <p:cNvPr id="154" name="Rectangle 153">
+                <a:extLst>
+                  <a:ext uri="{FF2B5EF4-FFF2-40B4-BE49-F238E27FC236}">
+                    <a16:creationId xmlns:a16="http://schemas.microsoft.com/office/drawing/2014/main" id="{9C04B92C-375D-20C8-EB02-0B32FD7CEA64}"/>
+                  </a:ext>
+                </a:extLst>
+              </p:cNvPr>
+              <p:cNvSpPr/>
+              <p:nvPr/>
+            </p:nvSpPr>
+            <p:spPr>
+              <a:xfrm>
+                <a:off x="8015629" y="4122730"/>
+                <a:ext cx="346553" cy="225283"/>
+              </a:xfrm>
+              <a:prstGeom prst="rect">
+                <a:avLst/>
+              </a:prstGeom>
+              <a:solidFill>
+                <a:schemeClr val="bg1"/>
+              </a:solidFill>
+              <a:ln>
+                <a:solidFill>
+                  <a:schemeClr val="tx1"/>
+                </a:solidFill>
+              </a:ln>
+            </p:spPr>
+            <p:style>
+              <a:lnRef idx="2">
+                <a:schemeClr val="accent1">
+                  <a:shade val="50000"/>
+                </a:schemeClr>
+              </a:lnRef>
+              <a:fillRef idx="1">
+                <a:schemeClr val="accent1"/>
+              </a:fillRef>
+              <a:effectRef idx="0">
+                <a:schemeClr val="accent1"/>
+              </a:effectRef>
+              <a:fontRef idx="minor">
+                <a:schemeClr val="lt1"/>
+              </a:fontRef>
+            </p:style>
+            <p:txBody>
+              <a:bodyPr rtlCol="0" anchor="ctr"/>
+              <a:lstStyle/>
+              <a:p>
+                <a:pPr algn="ctr"/>
+                <a:endParaRPr lang="zh-CN" altLang="en-US"/>
+              </a:p>
+            </p:txBody>
+          </p:sp>
+          <p:sp>
+            <p:nvSpPr>
+              <p:cNvPr id="155" name="Rectangle 154">
+                <a:extLst>
+                  <a:ext uri="{FF2B5EF4-FFF2-40B4-BE49-F238E27FC236}">
+                    <a16:creationId xmlns:a16="http://schemas.microsoft.com/office/drawing/2014/main" id="{EDD7AAA4-7C1A-9FD7-4393-03E64BCB2A6A}"/>
+                  </a:ext>
+                </a:extLst>
+              </p:cNvPr>
+              <p:cNvSpPr/>
+              <p:nvPr/>
+            </p:nvSpPr>
+            <p:spPr>
+              <a:xfrm>
+                <a:off x="8015628" y="3930445"/>
+                <a:ext cx="346553" cy="225283"/>
+              </a:xfrm>
+              <a:prstGeom prst="rect">
+                <a:avLst/>
+              </a:prstGeom>
+              <a:solidFill>
+                <a:schemeClr val="bg1"/>
+              </a:solidFill>
+              <a:ln>
+                <a:solidFill>
+                  <a:schemeClr val="tx1"/>
+                </a:solidFill>
+              </a:ln>
+            </p:spPr>
+            <p:style>
+              <a:lnRef idx="2">
+                <a:schemeClr val="accent1">
+                  <a:shade val="50000"/>
+                </a:schemeClr>
+              </a:lnRef>
+              <a:fillRef idx="1">
+                <a:schemeClr val="accent1"/>
+              </a:fillRef>
+              <a:effectRef idx="0">
+                <a:schemeClr val="accent1"/>
+              </a:effectRef>
+              <a:fontRef idx="minor">
+                <a:schemeClr val="lt1"/>
+              </a:fontRef>
+            </p:style>
+            <p:txBody>
+              <a:bodyPr rtlCol="0" anchor="ctr"/>
+              <a:lstStyle/>
+              <a:p>
+                <a:pPr algn="ctr"/>
+                <a:endParaRPr lang="zh-CN" altLang="en-US"/>
+              </a:p>
+            </p:txBody>
+          </p:sp>
+          <p:sp>
+            <p:nvSpPr>
+              <p:cNvPr id="156" name="Rectangle 155">
+                <a:extLst>
+                  <a:ext uri="{FF2B5EF4-FFF2-40B4-BE49-F238E27FC236}">
+                    <a16:creationId xmlns:a16="http://schemas.microsoft.com/office/drawing/2014/main" id="{6BC72791-9219-E4BC-8841-CCEECD178436}"/>
+                  </a:ext>
+                </a:extLst>
+              </p:cNvPr>
+              <p:cNvSpPr/>
+              <p:nvPr/>
+            </p:nvSpPr>
+            <p:spPr>
+              <a:xfrm>
+                <a:off x="8010395" y="3760862"/>
+                <a:ext cx="346553" cy="225283"/>
+              </a:xfrm>
+              <a:prstGeom prst="rect">
+                <a:avLst/>
+              </a:prstGeom>
+              <a:solidFill>
+                <a:schemeClr val="bg1"/>
+              </a:solidFill>
+              <a:ln>
+                <a:solidFill>
+                  <a:schemeClr val="tx1"/>
+                </a:solidFill>
+              </a:ln>
+            </p:spPr>
+            <p:style>
+              <a:lnRef idx="2">
+                <a:schemeClr val="accent1">
+                  <a:shade val="50000"/>
+                </a:schemeClr>
+              </a:lnRef>
+              <a:fillRef idx="1">
+                <a:schemeClr val="accent1"/>
+              </a:fillRef>
+              <a:effectRef idx="0">
+                <a:schemeClr val="accent1"/>
+              </a:effectRef>
+              <a:fontRef idx="minor">
+                <a:schemeClr val="lt1"/>
+              </a:fontRef>
+            </p:style>
+            <p:txBody>
+              <a:bodyPr rtlCol="0" anchor="ctr"/>
+              <a:lstStyle/>
+              <a:p>
+                <a:pPr algn="ctr"/>
+                <a:endParaRPr lang="zh-CN" altLang="en-US"/>
+              </a:p>
+            </p:txBody>
+          </p:sp>
+          <p:sp>
+            <p:nvSpPr>
+              <p:cNvPr id="157" name="Rectangle 156">
+                <a:extLst>
+                  <a:ext uri="{FF2B5EF4-FFF2-40B4-BE49-F238E27FC236}">
+                    <a16:creationId xmlns:a16="http://schemas.microsoft.com/office/drawing/2014/main" id="{0D444F8C-A446-D340-F575-04B8FF1913F6}"/>
+                  </a:ext>
+                </a:extLst>
+              </p:cNvPr>
+              <p:cNvSpPr/>
+              <p:nvPr/>
+            </p:nvSpPr>
+            <p:spPr>
+              <a:xfrm>
+                <a:off x="8010395" y="3553477"/>
+                <a:ext cx="346553" cy="225283"/>
+              </a:xfrm>
+              <a:prstGeom prst="rect">
+                <a:avLst/>
+              </a:prstGeom>
+              <a:solidFill>
+                <a:schemeClr val="bg1"/>
+              </a:solidFill>
+              <a:ln>
+                <a:solidFill>
+                  <a:schemeClr val="tx1"/>
+                </a:solidFill>
+              </a:ln>
+            </p:spPr>
+            <p:style>
+              <a:lnRef idx="2">
+                <a:schemeClr val="accent1">
+                  <a:shade val="50000"/>
+                </a:schemeClr>
+              </a:lnRef>
+              <a:fillRef idx="1">
+                <a:schemeClr val="accent1"/>
+              </a:fillRef>
+              <a:effectRef idx="0">
+                <a:schemeClr val="accent1"/>
+              </a:effectRef>
+              <a:fontRef idx="minor">
+                <a:schemeClr val="lt1"/>
+              </a:fontRef>
+            </p:style>
+            <p:txBody>
+              <a:bodyPr rtlCol="0" anchor="ctr"/>
+              <a:lstStyle/>
+              <a:p>
+                <a:pPr algn="ctr"/>
+                <a:endParaRPr lang="zh-CN" altLang="en-US"/>
+              </a:p>
+            </p:txBody>
+          </p:sp>
+        </p:grpSp>
+      </p:grpSp>
+      <p:grpSp>
+        <p:nvGrpSpPr>
+          <p:cNvPr id="158" name="Group 157">
+            <a:extLst>
+              <a:ext uri="{FF2B5EF4-FFF2-40B4-BE49-F238E27FC236}">
+                <a16:creationId xmlns:a16="http://schemas.microsoft.com/office/drawing/2014/main" id="{FC9B063C-AAA5-A824-B466-66B2CFDD9B14}"/>
+              </a:ext>
+            </a:extLst>
+          </p:cNvPr>
+          <p:cNvGrpSpPr/>
+          <p:nvPr/>
+        </p:nvGrpSpPr>
+        <p:grpSpPr>
+          <a:xfrm>
+            <a:off x="6219372" y="3529749"/>
+            <a:ext cx="1048765" cy="848625"/>
+            <a:chOff x="7312058" y="3594608"/>
+            <a:chExt cx="1048765" cy="848625"/>
+          </a:xfrm>
+        </p:grpSpPr>
+        <p:sp>
+          <p:nvSpPr>
+            <p:cNvPr id="159" name="Rectangle 158">
+              <a:extLst>
+                <a:ext uri="{FF2B5EF4-FFF2-40B4-BE49-F238E27FC236}">
+                  <a16:creationId xmlns:a16="http://schemas.microsoft.com/office/drawing/2014/main" id="{3B2A6BF3-D629-2FCA-5DDA-528708904D0F}"/>
+                </a:ext>
+              </a:extLst>
+            </p:cNvPr>
+            <p:cNvSpPr/>
+            <p:nvPr/>
+          </p:nvSpPr>
+          <p:spPr>
+            <a:xfrm>
+              <a:off x="7316506" y="3594608"/>
+              <a:ext cx="346553" cy="225283"/>
+            </a:xfrm>
+            <a:prstGeom prst="rect">
+              <a:avLst/>
+            </a:prstGeom>
+            <a:solidFill>
+              <a:schemeClr val="bg1"/>
+            </a:solidFill>
+            <a:ln>
+              <a:solidFill>
+                <a:schemeClr val="tx1"/>
+              </a:solidFill>
+            </a:ln>
+          </p:spPr>
+          <p:style>
+            <a:lnRef idx="2">
+              <a:schemeClr val="accent1">
+                <a:shade val="50000"/>
+              </a:schemeClr>
+            </a:lnRef>
+            <a:fillRef idx="1">
+              <a:schemeClr val="accent1"/>
+            </a:fillRef>
+            <a:effectRef idx="0">
+              <a:schemeClr val="accent1"/>
+            </a:effectRef>
+            <a:fontRef idx="minor">
+              <a:schemeClr val="lt1"/>
+            </a:fontRef>
+          </p:style>
+          <p:txBody>
+            <a:bodyPr rtlCol="0" anchor="ctr"/>
+            <a:lstStyle/>
+            <a:p>
+              <a:pPr algn="ctr"/>
+              <a:endParaRPr lang="zh-CN" altLang="en-US"/>
+            </a:p>
+          </p:txBody>
+        </p:sp>
+        <p:sp>
+          <p:nvSpPr>
+            <p:cNvPr id="160" name="Rectangle 159">
+              <a:extLst>
+                <a:ext uri="{FF2B5EF4-FFF2-40B4-BE49-F238E27FC236}">
+                  <a16:creationId xmlns:a16="http://schemas.microsoft.com/office/drawing/2014/main" id="{954B668A-D8DB-13BE-7254-D98EA1602B1A}"/>
+                </a:ext>
+              </a:extLst>
+            </p:cNvPr>
+            <p:cNvSpPr/>
+            <p:nvPr/>
+          </p:nvSpPr>
+          <p:spPr>
+            <a:xfrm>
+              <a:off x="7657930" y="3594608"/>
+              <a:ext cx="346553" cy="225283"/>
+            </a:xfrm>
+            <a:prstGeom prst="rect">
+              <a:avLst/>
+            </a:prstGeom>
+            <a:solidFill>
+              <a:schemeClr val="bg1"/>
+            </a:solidFill>
+            <a:ln>
+              <a:solidFill>
+                <a:schemeClr val="tx1"/>
+              </a:solidFill>
+            </a:ln>
+          </p:spPr>
+          <p:style>
+            <a:lnRef idx="2">
+              <a:schemeClr val="accent1">
+                <a:shade val="50000"/>
+              </a:schemeClr>
+            </a:lnRef>
+            <a:fillRef idx="1">
+              <a:schemeClr val="accent1"/>
+            </a:fillRef>
+            <a:effectRef idx="0">
+              <a:schemeClr val="accent1"/>
+            </a:effectRef>
+            <a:fontRef idx="minor">
+              <a:schemeClr val="lt1"/>
+            </a:fontRef>
+          </p:style>
+          <p:txBody>
+            <a:bodyPr rtlCol="0" anchor="ctr"/>
+            <a:lstStyle/>
+            <a:p>
+              <a:pPr algn="ctr"/>
+              <a:endParaRPr lang="zh-CN" altLang="en-US" dirty="0"/>
+            </a:p>
+          </p:txBody>
+        </p:sp>
+        <p:grpSp>
+          <p:nvGrpSpPr>
+            <p:cNvPr id="161" name="Group 160">
+              <a:extLst>
+                <a:ext uri="{FF2B5EF4-FFF2-40B4-BE49-F238E27FC236}">
+                  <a16:creationId xmlns:a16="http://schemas.microsoft.com/office/drawing/2014/main" id="{4C16B218-BA88-74B1-5DD3-C5B00651C20D}"/>
+                </a:ext>
+              </a:extLst>
+            </p:cNvPr>
+            <p:cNvGrpSpPr/>
+            <p:nvPr/>
+          </p:nvGrpSpPr>
+          <p:grpSpPr>
+            <a:xfrm>
+              <a:off x="7312058" y="3648697"/>
+              <a:ext cx="1048765" cy="794536"/>
+              <a:chOff x="7313417" y="3553477"/>
+              <a:chExt cx="1048765" cy="794536"/>
+            </a:xfrm>
+          </p:grpSpPr>
+          <p:sp>
+            <p:nvSpPr>
+              <p:cNvPr id="162" name="Rectangle 161">
+                <a:extLst>
+                  <a:ext uri="{FF2B5EF4-FFF2-40B4-BE49-F238E27FC236}">
+                    <a16:creationId xmlns:a16="http://schemas.microsoft.com/office/drawing/2014/main" id="{ADDA02FD-E371-2670-DADF-34C61C5DC10F}"/>
+                  </a:ext>
+                </a:extLst>
+              </p:cNvPr>
+              <p:cNvSpPr/>
+              <p:nvPr/>
+            </p:nvSpPr>
+            <p:spPr>
+              <a:xfrm>
+                <a:off x="7313418" y="4076433"/>
+                <a:ext cx="346553" cy="225283"/>
+              </a:xfrm>
+              <a:prstGeom prst="rect">
+                <a:avLst/>
+              </a:prstGeom>
+              <a:solidFill>
+                <a:schemeClr val="bg1"/>
+              </a:solidFill>
+              <a:ln>
+                <a:solidFill>
+                  <a:schemeClr val="tx1"/>
+                </a:solidFill>
+              </a:ln>
+            </p:spPr>
+            <p:style>
+              <a:lnRef idx="2">
+                <a:schemeClr val="accent1">
+                  <a:shade val="50000"/>
+                </a:schemeClr>
+              </a:lnRef>
+              <a:fillRef idx="1">
+                <a:schemeClr val="accent1"/>
+              </a:fillRef>
+              <a:effectRef idx="0">
+                <a:schemeClr val="accent1"/>
+              </a:effectRef>
+              <a:fontRef idx="minor">
+                <a:schemeClr val="lt1"/>
+              </a:fontRef>
+            </p:style>
+            <p:txBody>
+              <a:bodyPr rtlCol="0" anchor="ctr"/>
+              <a:lstStyle/>
+              <a:p>
+                <a:pPr algn="ctr"/>
+                <a:endParaRPr lang="zh-CN" altLang="en-US"/>
+              </a:p>
+            </p:txBody>
+          </p:sp>
+          <p:sp>
+            <p:nvSpPr>
+              <p:cNvPr id="163" name="Rectangle 162">
+                <a:extLst>
+                  <a:ext uri="{FF2B5EF4-FFF2-40B4-BE49-F238E27FC236}">
+                    <a16:creationId xmlns:a16="http://schemas.microsoft.com/office/drawing/2014/main" id="{32769956-B844-EEB1-E0E3-1B182A7516C4}"/>
+                  </a:ext>
+                </a:extLst>
+              </p:cNvPr>
+              <p:cNvSpPr/>
+              <p:nvPr/>
+            </p:nvSpPr>
+            <p:spPr>
+              <a:xfrm>
+                <a:off x="7313417" y="3884148"/>
+                <a:ext cx="346553" cy="225283"/>
+              </a:xfrm>
+              <a:prstGeom prst="rect">
+                <a:avLst/>
+              </a:prstGeom>
+              <a:solidFill>
+                <a:schemeClr val="bg1"/>
+              </a:solidFill>
+              <a:ln>
+                <a:solidFill>
+                  <a:schemeClr val="tx1"/>
+                </a:solidFill>
+              </a:ln>
+            </p:spPr>
+            <p:style>
+              <a:lnRef idx="2">
+                <a:schemeClr val="accent1">
+                  <a:shade val="50000"/>
+                </a:schemeClr>
+              </a:lnRef>
+              <a:fillRef idx="1">
+                <a:schemeClr val="accent1"/>
+              </a:fillRef>
+              <a:effectRef idx="0">
+                <a:schemeClr val="accent1"/>
+              </a:effectRef>
+              <a:fontRef idx="minor">
+                <a:schemeClr val="lt1"/>
+              </a:fontRef>
+            </p:style>
+            <p:txBody>
+              <a:bodyPr rtlCol="0" anchor="ctr"/>
+              <a:lstStyle/>
+              <a:p>
+                <a:pPr algn="ctr"/>
+                <a:endParaRPr lang="zh-CN" altLang="en-US"/>
+              </a:p>
+            </p:txBody>
+          </p:sp>
+          <p:sp>
+            <p:nvSpPr>
+              <p:cNvPr id="164" name="Rectangle 163">
+                <a:extLst>
+                  <a:ext uri="{FF2B5EF4-FFF2-40B4-BE49-F238E27FC236}">
+                    <a16:creationId xmlns:a16="http://schemas.microsoft.com/office/drawing/2014/main" id="{FE87E30C-8561-D572-EE7B-753AFD5C74A0}"/>
+                  </a:ext>
+                </a:extLst>
+              </p:cNvPr>
+              <p:cNvSpPr/>
+              <p:nvPr/>
+            </p:nvSpPr>
+            <p:spPr>
+              <a:xfrm>
+                <a:off x="7327545" y="3713197"/>
+                <a:ext cx="346553" cy="225283"/>
+              </a:xfrm>
+              <a:prstGeom prst="rect">
+                <a:avLst/>
+              </a:prstGeom>
+              <a:solidFill>
+                <a:schemeClr val="bg1"/>
+              </a:solidFill>
+              <a:ln>
+                <a:solidFill>
+                  <a:schemeClr val="tx1"/>
+                </a:solidFill>
+              </a:ln>
+            </p:spPr>
+            <p:style>
+              <a:lnRef idx="2">
+                <a:schemeClr val="accent1">
+                  <a:shade val="50000"/>
+                </a:schemeClr>
+              </a:lnRef>
+              <a:fillRef idx="1">
+                <a:schemeClr val="accent1"/>
+              </a:fillRef>
+              <a:effectRef idx="0">
+                <a:schemeClr val="accent1"/>
+              </a:effectRef>
+              <a:fontRef idx="minor">
+                <a:schemeClr val="lt1"/>
+              </a:fontRef>
+            </p:style>
+            <p:txBody>
+              <a:bodyPr rtlCol="0" anchor="ctr"/>
+              <a:lstStyle/>
+              <a:p>
+                <a:pPr algn="ctr"/>
+                <a:endParaRPr lang="zh-CN" altLang="en-US"/>
+              </a:p>
+            </p:txBody>
+          </p:sp>
+          <p:sp>
+            <p:nvSpPr>
+              <p:cNvPr id="165" name="Rectangle 164">
+                <a:extLst>
+                  <a:ext uri="{FF2B5EF4-FFF2-40B4-BE49-F238E27FC236}">
+                    <a16:creationId xmlns:a16="http://schemas.microsoft.com/office/drawing/2014/main" id="{B789F609-E54B-4821-45D8-01BE4134D6E8}"/>
+                  </a:ext>
+                </a:extLst>
+              </p:cNvPr>
+              <p:cNvSpPr/>
+              <p:nvPr/>
+            </p:nvSpPr>
+            <p:spPr>
+              <a:xfrm>
+                <a:off x="7649854" y="4051153"/>
+                <a:ext cx="346553" cy="225283"/>
+              </a:xfrm>
+              <a:prstGeom prst="rect">
+                <a:avLst/>
+              </a:prstGeom>
+              <a:solidFill>
+                <a:schemeClr val="bg1"/>
+              </a:solidFill>
+              <a:ln>
+                <a:solidFill>
+                  <a:schemeClr val="tx1"/>
+                </a:solidFill>
+              </a:ln>
+            </p:spPr>
+            <p:style>
+              <a:lnRef idx="2">
+                <a:schemeClr val="accent1">
+                  <a:shade val="50000"/>
+                </a:schemeClr>
+              </a:lnRef>
+              <a:fillRef idx="1">
+                <a:schemeClr val="accent1"/>
+              </a:fillRef>
+              <a:effectRef idx="0">
+                <a:schemeClr val="accent1"/>
+              </a:effectRef>
+              <a:fontRef idx="minor">
+                <a:schemeClr val="lt1"/>
+              </a:fontRef>
+            </p:style>
+            <p:txBody>
+              <a:bodyPr rtlCol="0" anchor="ctr"/>
+              <a:lstStyle/>
+              <a:p>
+                <a:pPr algn="ctr"/>
+                <a:endParaRPr lang="zh-CN" altLang="en-US"/>
+              </a:p>
+            </p:txBody>
+          </p:sp>
+          <p:sp>
+            <p:nvSpPr>
+              <p:cNvPr id="166" name="Rectangle 165">
+                <a:extLst>
+                  <a:ext uri="{FF2B5EF4-FFF2-40B4-BE49-F238E27FC236}">
+                    <a16:creationId xmlns:a16="http://schemas.microsoft.com/office/drawing/2014/main" id="{5B8AEB36-42F3-1EEA-D6F4-C674741FFE3E}"/>
+                  </a:ext>
+                </a:extLst>
+              </p:cNvPr>
+              <p:cNvSpPr/>
+              <p:nvPr/>
+            </p:nvSpPr>
+            <p:spPr>
+              <a:xfrm>
+                <a:off x="7649853" y="3858868"/>
+                <a:ext cx="346553" cy="225283"/>
+              </a:xfrm>
+              <a:prstGeom prst="rect">
+                <a:avLst/>
+              </a:prstGeom>
+              <a:solidFill>
+                <a:schemeClr val="bg1"/>
+              </a:solidFill>
+              <a:ln>
+                <a:solidFill>
+                  <a:schemeClr val="tx1"/>
+                </a:solidFill>
+              </a:ln>
+            </p:spPr>
+            <p:style>
+              <a:lnRef idx="2">
+                <a:schemeClr val="accent1">
+                  <a:shade val="50000"/>
+                </a:schemeClr>
+              </a:lnRef>
+              <a:fillRef idx="1">
+                <a:schemeClr val="accent1"/>
+              </a:fillRef>
+              <a:effectRef idx="0">
+                <a:schemeClr val="accent1"/>
+              </a:effectRef>
+              <a:fontRef idx="minor">
+                <a:schemeClr val="lt1"/>
+              </a:fontRef>
+            </p:style>
+            <p:txBody>
+              <a:bodyPr rtlCol="0" anchor="ctr"/>
+              <a:lstStyle/>
+              <a:p>
+                <a:pPr algn="ctr"/>
+                <a:endParaRPr lang="zh-CN" altLang="en-US"/>
+              </a:p>
+            </p:txBody>
+          </p:sp>
+          <p:sp>
+            <p:nvSpPr>
+              <p:cNvPr id="167" name="Rectangle 166">
+                <a:extLst>
+                  <a:ext uri="{FF2B5EF4-FFF2-40B4-BE49-F238E27FC236}">
+                    <a16:creationId xmlns:a16="http://schemas.microsoft.com/office/drawing/2014/main" id="{A1D41777-DE88-8481-023F-65A2D5C8D87A}"/>
+                  </a:ext>
+                </a:extLst>
+              </p:cNvPr>
+              <p:cNvSpPr/>
+              <p:nvPr/>
+            </p:nvSpPr>
+            <p:spPr>
+              <a:xfrm>
+                <a:off x="7654737" y="3681213"/>
+                <a:ext cx="346553" cy="225283"/>
+              </a:xfrm>
+              <a:prstGeom prst="rect">
+                <a:avLst/>
+              </a:prstGeom>
+              <a:solidFill>
+                <a:schemeClr val="bg1"/>
+              </a:solidFill>
+              <a:ln>
+                <a:solidFill>
+                  <a:schemeClr val="tx1"/>
+                </a:solidFill>
+              </a:ln>
+            </p:spPr>
+            <p:style>
+              <a:lnRef idx="2">
+                <a:schemeClr val="accent1">
+                  <a:shade val="50000"/>
+                </a:schemeClr>
+              </a:lnRef>
+              <a:fillRef idx="1">
+                <a:schemeClr val="accent1"/>
+              </a:fillRef>
+              <a:effectRef idx="0">
+                <a:schemeClr val="accent1"/>
+              </a:effectRef>
+              <a:fontRef idx="minor">
+                <a:schemeClr val="lt1"/>
+              </a:fontRef>
+            </p:style>
+            <p:txBody>
+              <a:bodyPr rtlCol="0" anchor="ctr"/>
+              <a:lstStyle/>
+              <a:p>
+                <a:pPr algn="ctr"/>
+                <a:endParaRPr lang="zh-CN" altLang="en-US"/>
+              </a:p>
+            </p:txBody>
+          </p:sp>
+          <p:sp>
+            <p:nvSpPr>
+              <p:cNvPr id="168" name="Rectangle 167">
+                <a:extLst>
+                  <a:ext uri="{FF2B5EF4-FFF2-40B4-BE49-F238E27FC236}">
+                    <a16:creationId xmlns:a16="http://schemas.microsoft.com/office/drawing/2014/main" id="{4D65C175-C808-3753-056C-9C6EA6FE69C1}"/>
+                  </a:ext>
+                </a:extLst>
+              </p:cNvPr>
+              <p:cNvSpPr/>
+              <p:nvPr/>
+            </p:nvSpPr>
+            <p:spPr>
+              <a:xfrm>
+                <a:off x="8015629" y="4122730"/>
+                <a:ext cx="346553" cy="225283"/>
+              </a:xfrm>
+              <a:prstGeom prst="rect">
+                <a:avLst/>
+              </a:prstGeom>
+              <a:solidFill>
+                <a:schemeClr val="bg1"/>
+              </a:solidFill>
+              <a:ln>
+                <a:solidFill>
+                  <a:schemeClr val="tx1"/>
+                </a:solidFill>
+              </a:ln>
+            </p:spPr>
+            <p:style>
+              <a:lnRef idx="2">
+                <a:schemeClr val="accent1">
+                  <a:shade val="50000"/>
+                </a:schemeClr>
+              </a:lnRef>
+              <a:fillRef idx="1">
+                <a:schemeClr val="accent1"/>
+              </a:fillRef>
+              <a:effectRef idx="0">
+                <a:schemeClr val="accent1"/>
+              </a:effectRef>
+              <a:fontRef idx="minor">
+                <a:schemeClr val="lt1"/>
+              </a:fontRef>
+            </p:style>
+            <p:txBody>
+              <a:bodyPr rtlCol="0" anchor="ctr"/>
+              <a:lstStyle/>
+              <a:p>
+                <a:pPr algn="ctr"/>
+                <a:endParaRPr lang="zh-CN" altLang="en-US"/>
+              </a:p>
+            </p:txBody>
+          </p:sp>
+          <p:sp>
+            <p:nvSpPr>
+              <p:cNvPr id="169" name="Rectangle 168">
+                <a:extLst>
+                  <a:ext uri="{FF2B5EF4-FFF2-40B4-BE49-F238E27FC236}">
+                    <a16:creationId xmlns:a16="http://schemas.microsoft.com/office/drawing/2014/main" id="{AF49B95F-C0F1-F610-3661-26ED41DFD96E}"/>
+                  </a:ext>
+                </a:extLst>
+              </p:cNvPr>
+              <p:cNvSpPr/>
+              <p:nvPr/>
+            </p:nvSpPr>
+            <p:spPr>
+              <a:xfrm>
+                <a:off x="8015628" y="3930445"/>
+                <a:ext cx="346553" cy="225283"/>
+              </a:xfrm>
+              <a:prstGeom prst="rect">
+                <a:avLst/>
+              </a:prstGeom>
+              <a:solidFill>
+                <a:schemeClr val="bg1"/>
+              </a:solidFill>
+              <a:ln>
+                <a:solidFill>
+                  <a:schemeClr val="tx1"/>
+                </a:solidFill>
+              </a:ln>
+            </p:spPr>
+            <p:style>
+              <a:lnRef idx="2">
+                <a:schemeClr val="accent1">
+                  <a:shade val="50000"/>
+                </a:schemeClr>
+              </a:lnRef>
+              <a:fillRef idx="1">
+                <a:schemeClr val="accent1"/>
+              </a:fillRef>
+              <a:effectRef idx="0">
+                <a:schemeClr val="accent1"/>
+              </a:effectRef>
+              <a:fontRef idx="minor">
+                <a:schemeClr val="lt1"/>
+              </a:fontRef>
+            </p:style>
+            <p:txBody>
+              <a:bodyPr rtlCol="0" anchor="ctr"/>
+              <a:lstStyle/>
+              <a:p>
+                <a:pPr algn="ctr"/>
+                <a:endParaRPr lang="zh-CN" altLang="en-US"/>
+              </a:p>
+            </p:txBody>
+          </p:sp>
+          <p:sp>
+            <p:nvSpPr>
+              <p:cNvPr id="170" name="Rectangle 169">
+                <a:extLst>
+                  <a:ext uri="{FF2B5EF4-FFF2-40B4-BE49-F238E27FC236}">
+                    <a16:creationId xmlns:a16="http://schemas.microsoft.com/office/drawing/2014/main" id="{C9318090-AAE7-5D9D-3769-A5F485A43334}"/>
+                  </a:ext>
+                </a:extLst>
+              </p:cNvPr>
+              <p:cNvSpPr/>
+              <p:nvPr/>
+            </p:nvSpPr>
+            <p:spPr>
+              <a:xfrm>
+                <a:off x="8010395" y="3760862"/>
+                <a:ext cx="346553" cy="225283"/>
+              </a:xfrm>
+              <a:prstGeom prst="rect">
+                <a:avLst/>
+              </a:prstGeom>
+              <a:solidFill>
+                <a:schemeClr val="bg1"/>
+              </a:solidFill>
+              <a:ln>
+                <a:solidFill>
+                  <a:schemeClr val="tx1"/>
+                </a:solidFill>
+              </a:ln>
+            </p:spPr>
+            <p:style>
+              <a:lnRef idx="2">
+                <a:schemeClr val="accent1">
+                  <a:shade val="50000"/>
+                </a:schemeClr>
+              </a:lnRef>
+              <a:fillRef idx="1">
+                <a:schemeClr val="accent1"/>
+              </a:fillRef>
+              <a:effectRef idx="0">
+                <a:schemeClr val="accent1"/>
+              </a:effectRef>
+              <a:fontRef idx="minor">
+                <a:schemeClr val="lt1"/>
+              </a:fontRef>
+            </p:style>
+            <p:txBody>
+              <a:bodyPr rtlCol="0" anchor="ctr"/>
+              <a:lstStyle/>
+              <a:p>
+                <a:pPr algn="ctr"/>
+                <a:endParaRPr lang="zh-CN" altLang="en-US"/>
+              </a:p>
+            </p:txBody>
+          </p:sp>
+          <p:sp>
+            <p:nvSpPr>
+              <p:cNvPr id="171" name="Rectangle 170">
+                <a:extLst>
+                  <a:ext uri="{FF2B5EF4-FFF2-40B4-BE49-F238E27FC236}">
+                    <a16:creationId xmlns:a16="http://schemas.microsoft.com/office/drawing/2014/main" id="{045D43E6-B55B-52DB-C766-B50FB118F7FA}"/>
+                  </a:ext>
+                </a:extLst>
+              </p:cNvPr>
+              <p:cNvSpPr/>
+              <p:nvPr/>
+            </p:nvSpPr>
+            <p:spPr>
+              <a:xfrm>
+                <a:off x="8010395" y="3553477"/>
+                <a:ext cx="346553" cy="225283"/>
+              </a:xfrm>
+              <a:prstGeom prst="rect">
+                <a:avLst/>
+              </a:prstGeom>
+              <a:solidFill>
+                <a:schemeClr val="bg1"/>
+              </a:solidFill>
+              <a:ln>
+                <a:solidFill>
+                  <a:schemeClr val="tx1"/>
+                </a:solidFill>
+              </a:ln>
+            </p:spPr>
+            <p:style>
+              <a:lnRef idx="2">
+                <a:schemeClr val="accent1">
+                  <a:shade val="50000"/>
+                </a:schemeClr>
+              </a:lnRef>
+              <a:fillRef idx="1">
+                <a:schemeClr val="accent1"/>
+              </a:fillRef>
+              <a:effectRef idx="0">
+                <a:schemeClr val="accent1"/>
+              </a:effectRef>
+              <a:fontRef idx="minor">
+                <a:schemeClr val="lt1"/>
+              </a:fontRef>
+            </p:style>
+            <p:txBody>
+              <a:bodyPr rtlCol="0" anchor="ctr"/>
+              <a:lstStyle/>
+              <a:p>
+                <a:pPr algn="ctr"/>
+                <a:endParaRPr lang="zh-CN" altLang="en-US"/>
+              </a:p>
+            </p:txBody>
+          </p:sp>
+        </p:grpSp>
+      </p:grpSp>
+      <p:grpSp>
+        <p:nvGrpSpPr>
+          <p:cNvPr id="172" name="Group 171">
+            <a:extLst>
+              <a:ext uri="{FF2B5EF4-FFF2-40B4-BE49-F238E27FC236}">
+                <a16:creationId xmlns:a16="http://schemas.microsoft.com/office/drawing/2014/main" id="{92316CE5-D50C-8974-D932-CCFA91E0177F}"/>
+              </a:ext>
+            </a:extLst>
+          </p:cNvPr>
+          <p:cNvGrpSpPr/>
+          <p:nvPr/>
+        </p:nvGrpSpPr>
+        <p:grpSpPr>
+          <a:xfrm>
+            <a:off x="6265355" y="4173362"/>
+            <a:ext cx="1048765" cy="848625"/>
+            <a:chOff x="7312058" y="3594608"/>
+            <a:chExt cx="1048765" cy="848625"/>
+          </a:xfrm>
+        </p:grpSpPr>
+        <p:sp>
+          <p:nvSpPr>
+            <p:cNvPr id="173" name="Rectangle 172">
+              <a:extLst>
+                <a:ext uri="{FF2B5EF4-FFF2-40B4-BE49-F238E27FC236}">
+                  <a16:creationId xmlns:a16="http://schemas.microsoft.com/office/drawing/2014/main" id="{BD8476A0-7E4E-8E9A-1B9C-8A13FA9CEE8E}"/>
+                </a:ext>
+              </a:extLst>
+            </p:cNvPr>
+            <p:cNvSpPr/>
+            <p:nvPr/>
+          </p:nvSpPr>
+          <p:spPr>
+            <a:xfrm>
+              <a:off x="7316506" y="3594608"/>
+              <a:ext cx="346553" cy="225283"/>
+            </a:xfrm>
+            <a:prstGeom prst="rect">
+              <a:avLst/>
+            </a:prstGeom>
+            <a:solidFill>
+              <a:schemeClr val="bg1"/>
+            </a:solidFill>
+            <a:ln>
+              <a:solidFill>
+                <a:schemeClr val="tx1"/>
+              </a:solidFill>
+            </a:ln>
+          </p:spPr>
+          <p:style>
+            <a:lnRef idx="2">
+              <a:schemeClr val="accent1">
+                <a:shade val="50000"/>
+              </a:schemeClr>
+            </a:lnRef>
+            <a:fillRef idx="1">
+              <a:schemeClr val="accent1"/>
+            </a:fillRef>
+            <a:effectRef idx="0">
+              <a:schemeClr val="accent1"/>
+            </a:effectRef>
+            <a:fontRef idx="minor">
+              <a:schemeClr val="lt1"/>
+            </a:fontRef>
+          </p:style>
+          <p:txBody>
+            <a:bodyPr rtlCol="0" anchor="ctr"/>
+            <a:lstStyle/>
+            <a:p>
+              <a:pPr algn="ctr"/>
+              <a:endParaRPr lang="zh-CN" altLang="en-US"/>
+            </a:p>
+          </p:txBody>
+        </p:sp>
+        <p:sp>
+          <p:nvSpPr>
+            <p:cNvPr id="174" name="Rectangle 173">
+              <a:extLst>
+                <a:ext uri="{FF2B5EF4-FFF2-40B4-BE49-F238E27FC236}">
+                  <a16:creationId xmlns:a16="http://schemas.microsoft.com/office/drawing/2014/main" id="{B1DCB7FE-13B6-EE23-63C3-54192C854C37}"/>
+                </a:ext>
+              </a:extLst>
+            </p:cNvPr>
+            <p:cNvSpPr/>
+            <p:nvPr/>
+          </p:nvSpPr>
+          <p:spPr>
+            <a:xfrm>
+              <a:off x="7657930" y="3594608"/>
+              <a:ext cx="346553" cy="225283"/>
+            </a:xfrm>
+            <a:prstGeom prst="rect">
+              <a:avLst/>
+            </a:prstGeom>
+            <a:solidFill>
+              <a:schemeClr val="bg1"/>
+            </a:solidFill>
+            <a:ln>
+              <a:solidFill>
+                <a:schemeClr val="tx1"/>
+              </a:solidFill>
+            </a:ln>
+          </p:spPr>
+          <p:style>
+            <a:lnRef idx="2">
+              <a:schemeClr val="accent1">
+                <a:shade val="50000"/>
+              </a:schemeClr>
+            </a:lnRef>
+            <a:fillRef idx="1">
+              <a:schemeClr val="accent1"/>
+            </a:fillRef>
+            <a:effectRef idx="0">
+              <a:schemeClr val="accent1"/>
+            </a:effectRef>
+            <a:fontRef idx="minor">
+              <a:schemeClr val="lt1"/>
+            </a:fontRef>
+          </p:style>
+          <p:txBody>
+            <a:bodyPr rtlCol="0" anchor="ctr"/>
+            <a:lstStyle/>
+            <a:p>
+              <a:pPr algn="ctr"/>
+              <a:endParaRPr lang="zh-CN" altLang="en-US" dirty="0"/>
+            </a:p>
+          </p:txBody>
+        </p:sp>
+        <p:grpSp>
+          <p:nvGrpSpPr>
+            <p:cNvPr id="175" name="Group 174">
+              <a:extLst>
+                <a:ext uri="{FF2B5EF4-FFF2-40B4-BE49-F238E27FC236}">
+                  <a16:creationId xmlns:a16="http://schemas.microsoft.com/office/drawing/2014/main" id="{FDC0E9DE-BF12-A738-301E-99ABF82EA420}"/>
+                </a:ext>
+              </a:extLst>
+            </p:cNvPr>
+            <p:cNvGrpSpPr/>
+            <p:nvPr/>
+          </p:nvGrpSpPr>
+          <p:grpSpPr>
+            <a:xfrm>
+              <a:off x="7312058" y="3648697"/>
+              <a:ext cx="1048765" cy="794536"/>
+              <a:chOff x="7313417" y="3553477"/>
+              <a:chExt cx="1048765" cy="794536"/>
+            </a:xfrm>
+          </p:grpSpPr>
+          <p:sp>
+            <p:nvSpPr>
+              <p:cNvPr id="176" name="Rectangle 175">
+                <a:extLst>
+                  <a:ext uri="{FF2B5EF4-FFF2-40B4-BE49-F238E27FC236}">
+                    <a16:creationId xmlns:a16="http://schemas.microsoft.com/office/drawing/2014/main" id="{23A67FB4-E80E-F31F-9719-07E88CD4A468}"/>
+                  </a:ext>
+                </a:extLst>
+              </p:cNvPr>
+              <p:cNvSpPr/>
+              <p:nvPr/>
+            </p:nvSpPr>
+            <p:spPr>
+              <a:xfrm>
+                <a:off x="7313418" y="4076433"/>
+                <a:ext cx="346553" cy="225283"/>
+              </a:xfrm>
+              <a:prstGeom prst="rect">
+                <a:avLst/>
+              </a:prstGeom>
+              <a:solidFill>
+                <a:schemeClr val="bg1"/>
+              </a:solidFill>
+              <a:ln>
+                <a:solidFill>
+                  <a:schemeClr val="tx1"/>
+                </a:solidFill>
+              </a:ln>
+            </p:spPr>
+            <p:style>
+              <a:lnRef idx="2">
+                <a:schemeClr val="accent1">
+                  <a:shade val="50000"/>
+                </a:schemeClr>
+              </a:lnRef>
+              <a:fillRef idx="1">
+                <a:schemeClr val="accent1"/>
+              </a:fillRef>
+              <a:effectRef idx="0">
+                <a:schemeClr val="accent1"/>
+              </a:effectRef>
+              <a:fontRef idx="minor">
+                <a:schemeClr val="lt1"/>
+              </a:fontRef>
+            </p:style>
+            <p:txBody>
+              <a:bodyPr rtlCol="0" anchor="ctr"/>
+              <a:lstStyle/>
+              <a:p>
+                <a:pPr algn="ctr"/>
+                <a:endParaRPr lang="zh-CN" altLang="en-US"/>
+              </a:p>
+            </p:txBody>
+          </p:sp>
+          <p:sp>
+            <p:nvSpPr>
+              <p:cNvPr id="177" name="Rectangle 176">
+                <a:extLst>
+                  <a:ext uri="{FF2B5EF4-FFF2-40B4-BE49-F238E27FC236}">
+                    <a16:creationId xmlns:a16="http://schemas.microsoft.com/office/drawing/2014/main" id="{609C7CBE-3368-F3CB-0980-4B5BEAF793D1}"/>
+                  </a:ext>
+                </a:extLst>
+              </p:cNvPr>
+              <p:cNvSpPr/>
+              <p:nvPr/>
+            </p:nvSpPr>
+            <p:spPr>
+              <a:xfrm>
+                <a:off x="7313417" y="3884148"/>
+                <a:ext cx="346553" cy="225283"/>
+              </a:xfrm>
+              <a:prstGeom prst="rect">
+                <a:avLst/>
+              </a:prstGeom>
+              <a:solidFill>
+                <a:schemeClr val="bg1"/>
+              </a:solidFill>
+              <a:ln>
+                <a:solidFill>
+                  <a:schemeClr val="tx1"/>
+                </a:solidFill>
+              </a:ln>
+            </p:spPr>
+            <p:style>
+              <a:lnRef idx="2">
+                <a:schemeClr val="accent1">
+                  <a:shade val="50000"/>
+                </a:schemeClr>
+              </a:lnRef>
+              <a:fillRef idx="1">
+                <a:schemeClr val="accent1"/>
+              </a:fillRef>
+              <a:effectRef idx="0">
+                <a:schemeClr val="accent1"/>
+              </a:effectRef>
+              <a:fontRef idx="minor">
+                <a:schemeClr val="lt1"/>
+              </a:fontRef>
+            </p:style>
+            <p:txBody>
+              <a:bodyPr rtlCol="0" anchor="ctr"/>
+              <a:lstStyle/>
+              <a:p>
+                <a:pPr algn="ctr"/>
+                <a:endParaRPr lang="zh-CN" altLang="en-US"/>
+              </a:p>
+            </p:txBody>
+          </p:sp>
+          <p:sp>
+            <p:nvSpPr>
+              <p:cNvPr id="178" name="Rectangle 177">
+                <a:extLst>
+                  <a:ext uri="{FF2B5EF4-FFF2-40B4-BE49-F238E27FC236}">
+                    <a16:creationId xmlns:a16="http://schemas.microsoft.com/office/drawing/2014/main" id="{188925A9-BB99-3F0B-94DC-566D1859BFE9}"/>
+                  </a:ext>
+                </a:extLst>
+              </p:cNvPr>
+              <p:cNvSpPr/>
+              <p:nvPr/>
+            </p:nvSpPr>
+            <p:spPr>
+              <a:xfrm>
+                <a:off x="7327545" y="3713197"/>
+                <a:ext cx="346553" cy="225283"/>
+              </a:xfrm>
+              <a:prstGeom prst="rect">
+                <a:avLst/>
+              </a:prstGeom>
+              <a:solidFill>
+                <a:schemeClr val="bg1"/>
+              </a:solidFill>
+              <a:ln>
+                <a:solidFill>
+                  <a:schemeClr val="tx1"/>
+                </a:solidFill>
+              </a:ln>
+            </p:spPr>
+            <p:style>
+              <a:lnRef idx="2">
+                <a:schemeClr val="accent1">
+                  <a:shade val="50000"/>
+                </a:schemeClr>
+              </a:lnRef>
+              <a:fillRef idx="1">
+                <a:schemeClr val="accent1"/>
+              </a:fillRef>
+              <a:effectRef idx="0">
+                <a:schemeClr val="accent1"/>
+              </a:effectRef>
+              <a:fontRef idx="minor">
+                <a:schemeClr val="lt1"/>
+              </a:fontRef>
+            </p:style>
+            <p:txBody>
+              <a:bodyPr rtlCol="0" anchor="ctr"/>
+              <a:lstStyle/>
+              <a:p>
+                <a:pPr algn="ctr"/>
+                <a:endParaRPr lang="zh-CN" altLang="en-US"/>
+              </a:p>
+            </p:txBody>
+          </p:sp>
+          <p:sp>
+            <p:nvSpPr>
+              <p:cNvPr id="179" name="Rectangle 178">
+                <a:extLst>
+                  <a:ext uri="{FF2B5EF4-FFF2-40B4-BE49-F238E27FC236}">
+                    <a16:creationId xmlns:a16="http://schemas.microsoft.com/office/drawing/2014/main" id="{9E5AA0A7-D771-46A1-D696-D7B1F09C0021}"/>
+                  </a:ext>
+                </a:extLst>
+              </p:cNvPr>
+              <p:cNvSpPr/>
+              <p:nvPr/>
+            </p:nvSpPr>
+            <p:spPr>
+              <a:xfrm>
+                <a:off x="7649854" y="4051153"/>
+                <a:ext cx="346553" cy="225283"/>
+              </a:xfrm>
+              <a:prstGeom prst="rect">
+                <a:avLst/>
+              </a:prstGeom>
+              <a:solidFill>
+                <a:schemeClr val="bg1"/>
+              </a:solidFill>
+              <a:ln>
+                <a:solidFill>
+                  <a:schemeClr val="tx1"/>
+                </a:solidFill>
+              </a:ln>
+            </p:spPr>
+            <p:style>
+              <a:lnRef idx="2">
+                <a:schemeClr val="accent1">
+                  <a:shade val="50000"/>
+                </a:schemeClr>
+              </a:lnRef>
+              <a:fillRef idx="1">
+                <a:schemeClr val="accent1"/>
+              </a:fillRef>
+              <a:effectRef idx="0">
+                <a:schemeClr val="accent1"/>
+              </a:effectRef>
+              <a:fontRef idx="minor">
+                <a:schemeClr val="lt1"/>
+              </a:fontRef>
+            </p:style>
+            <p:txBody>
+              <a:bodyPr rtlCol="0" anchor="ctr"/>
+              <a:lstStyle/>
+              <a:p>
+                <a:pPr algn="ctr"/>
+                <a:endParaRPr lang="zh-CN" altLang="en-US"/>
+              </a:p>
+            </p:txBody>
+          </p:sp>
+          <p:sp>
+            <p:nvSpPr>
+              <p:cNvPr id="180" name="Rectangle 179">
+                <a:extLst>
+                  <a:ext uri="{FF2B5EF4-FFF2-40B4-BE49-F238E27FC236}">
+                    <a16:creationId xmlns:a16="http://schemas.microsoft.com/office/drawing/2014/main" id="{3F911E24-320F-9012-802F-FCF762FD44E3}"/>
+                  </a:ext>
+                </a:extLst>
+              </p:cNvPr>
+              <p:cNvSpPr/>
+              <p:nvPr/>
+            </p:nvSpPr>
+            <p:spPr>
+              <a:xfrm>
+                <a:off x="7649853" y="3858868"/>
+                <a:ext cx="346553" cy="225283"/>
+              </a:xfrm>
+              <a:prstGeom prst="rect">
+                <a:avLst/>
+              </a:prstGeom>
+              <a:solidFill>
+                <a:schemeClr val="bg1"/>
+              </a:solidFill>
+              <a:ln>
+                <a:solidFill>
+                  <a:schemeClr val="tx1"/>
+                </a:solidFill>
+              </a:ln>
+            </p:spPr>
+            <p:style>
+              <a:lnRef idx="2">
+                <a:schemeClr val="accent1">
+                  <a:shade val="50000"/>
+                </a:schemeClr>
+              </a:lnRef>
+              <a:fillRef idx="1">
+                <a:schemeClr val="accent1"/>
+              </a:fillRef>
+              <a:effectRef idx="0">
+                <a:schemeClr val="accent1"/>
+              </a:effectRef>
+              <a:fontRef idx="minor">
+                <a:schemeClr val="lt1"/>
+              </a:fontRef>
+            </p:style>
+            <p:txBody>
+              <a:bodyPr rtlCol="0" anchor="ctr"/>
+              <a:lstStyle/>
+              <a:p>
+                <a:pPr algn="ctr"/>
+                <a:endParaRPr lang="zh-CN" altLang="en-US"/>
+              </a:p>
+            </p:txBody>
+          </p:sp>
+          <p:sp>
+            <p:nvSpPr>
+              <p:cNvPr id="181" name="Rectangle 180">
+                <a:extLst>
+                  <a:ext uri="{FF2B5EF4-FFF2-40B4-BE49-F238E27FC236}">
+                    <a16:creationId xmlns:a16="http://schemas.microsoft.com/office/drawing/2014/main" id="{6B864240-39C0-7D70-23AA-CFC940D04B03}"/>
+                  </a:ext>
+                </a:extLst>
+              </p:cNvPr>
+              <p:cNvSpPr/>
+              <p:nvPr/>
+            </p:nvSpPr>
+            <p:spPr>
+              <a:xfrm>
+                <a:off x="7654737" y="3681213"/>
+                <a:ext cx="346553" cy="225283"/>
+              </a:xfrm>
+              <a:prstGeom prst="rect">
+                <a:avLst/>
+              </a:prstGeom>
+              <a:solidFill>
+                <a:schemeClr val="bg1"/>
+              </a:solidFill>
+              <a:ln>
+                <a:solidFill>
+                  <a:schemeClr val="tx1"/>
+                </a:solidFill>
+              </a:ln>
+            </p:spPr>
+            <p:style>
+              <a:lnRef idx="2">
+                <a:schemeClr val="accent1">
+                  <a:shade val="50000"/>
+                </a:schemeClr>
+              </a:lnRef>
+              <a:fillRef idx="1">
+                <a:schemeClr val="accent1"/>
+              </a:fillRef>
+              <a:effectRef idx="0">
+                <a:schemeClr val="accent1"/>
+              </a:effectRef>
+              <a:fontRef idx="minor">
+                <a:schemeClr val="lt1"/>
+              </a:fontRef>
+            </p:style>
+            <p:txBody>
+              <a:bodyPr rtlCol="0" anchor="ctr"/>
+              <a:lstStyle/>
+              <a:p>
+                <a:pPr algn="ctr"/>
+                <a:endParaRPr lang="zh-CN" altLang="en-US"/>
+              </a:p>
+            </p:txBody>
+          </p:sp>
+          <p:sp>
+            <p:nvSpPr>
+              <p:cNvPr id="182" name="Rectangle 181">
+                <a:extLst>
+                  <a:ext uri="{FF2B5EF4-FFF2-40B4-BE49-F238E27FC236}">
+                    <a16:creationId xmlns:a16="http://schemas.microsoft.com/office/drawing/2014/main" id="{F7F9F07E-7DEA-6FC9-E67B-B79C60C61AB9}"/>
+                  </a:ext>
+                </a:extLst>
+              </p:cNvPr>
+              <p:cNvSpPr/>
+              <p:nvPr/>
+            </p:nvSpPr>
+            <p:spPr>
+              <a:xfrm>
+                <a:off x="8015629" y="4122730"/>
+                <a:ext cx="346553" cy="225283"/>
+              </a:xfrm>
+              <a:prstGeom prst="rect">
+                <a:avLst/>
+              </a:prstGeom>
+              <a:solidFill>
+                <a:schemeClr val="bg1"/>
+              </a:solidFill>
+              <a:ln>
+                <a:solidFill>
+                  <a:schemeClr val="tx1"/>
+                </a:solidFill>
+              </a:ln>
+            </p:spPr>
+            <p:style>
+              <a:lnRef idx="2">
+                <a:schemeClr val="accent1">
+                  <a:shade val="50000"/>
+                </a:schemeClr>
+              </a:lnRef>
+              <a:fillRef idx="1">
+                <a:schemeClr val="accent1"/>
+              </a:fillRef>
+              <a:effectRef idx="0">
+                <a:schemeClr val="accent1"/>
+              </a:effectRef>
+              <a:fontRef idx="minor">
+                <a:schemeClr val="lt1"/>
+              </a:fontRef>
+            </p:style>
+            <p:txBody>
+              <a:bodyPr rtlCol="0" anchor="ctr"/>
+              <a:lstStyle/>
+              <a:p>
+                <a:pPr algn="ctr"/>
+                <a:endParaRPr lang="zh-CN" altLang="en-US"/>
+              </a:p>
+            </p:txBody>
+          </p:sp>
+          <p:sp>
+            <p:nvSpPr>
+              <p:cNvPr id="183" name="Rectangle 182">
+                <a:extLst>
+                  <a:ext uri="{FF2B5EF4-FFF2-40B4-BE49-F238E27FC236}">
+                    <a16:creationId xmlns:a16="http://schemas.microsoft.com/office/drawing/2014/main" id="{81452350-877C-BF10-1986-F05DDD9A7ECC}"/>
+                  </a:ext>
+                </a:extLst>
+              </p:cNvPr>
+              <p:cNvSpPr/>
+              <p:nvPr/>
+            </p:nvSpPr>
+            <p:spPr>
+              <a:xfrm>
+                <a:off x="8015628" y="3930445"/>
+                <a:ext cx="346553" cy="225283"/>
+              </a:xfrm>
+              <a:prstGeom prst="rect">
+                <a:avLst/>
+              </a:prstGeom>
+              <a:solidFill>
+                <a:schemeClr val="bg1"/>
+              </a:solidFill>
+              <a:ln>
+                <a:solidFill>
+                  <a:schemeClr val="tx1"/>
+                </a:solidFill>
+              </a:ln>
+            </p:spPr>
+            <p:style>
+              <a:lnRef idx="2">
+                <a:schemeClr val="accent1">
+                  <a:shade val="50000"/>
+                </a:schemeClr>
+              </a:lnRef>
+              <a:fillRef idx="1">
+                <a:schemeClr val="accent1"/>
+              </a:fillRef>
+              <a:effectRef idx="0">
+                <a:schemeClr val="accent1"/>
+              </a:effectRef>
+              <a:fontRef idx="minor">
+                <a:schemeClr val="lt1"/>
+              </a:fontRef>
+            </p:style>
+            <p:txBody>
+              <a:bodyPr rtlCol="0" anchor="ctr"/>
+              <a:lstStyle/>
+              <a:p>
+                <a:pPr algn="ctr"/>
+                <a:endParaRPr lang="zh-CN" altLang="en-US"/>
+              </a:p>
+            </p:txBody>
+          </p:sp>
+          <p:sp>
+            <p:nvSpPr>
+              <p:cNvPr id="184" name="Rectangle 183">
+                <a:extLst>
+                  <a:ext uri="{FF2B5EF4-FFF2-40B4-BE49-F238E27FC236}">
+                    <a16:creationId xmlns:a16="http://schemas.microsoft.com/office/drawing/2014/main" id="{A6599E8C-1388-57DA-6790-B0D83DF71618}"/>
+                  </a:ext>
+                </a:extLst>
+              </p:cNvPr>
+              <p:cNvSpPr/>
+              <p:nvPr/>
+            </p:nvSpPr>
+            <p:spPr>
+              <a:xfrm>
+                <a:off x="8010395" y="3760862"/>
+                <a:ext cx="346553" cy="225283"/>
+              </a:xfrm>
+              <a:prstGeom prst="rect">
+                <a:avLst/>
+              </a:prstGeom>
+              <a:solidFill>
+                <a:schemeClr val="bg1"/>
+              </a:solidFill>
+              <a:ln>
+                <a:solidFill>
+                  <a:schemeClr val="tx1"/>
+                </a:solidFill>
+              </a:ln>
+            </p:spPr>
+            <p:style>
+              <a:lnRef idx="2">
+                <a:schemeClr val="accent1">
+                  <a:shade val="50000"/>
+                </a:schemeClr>
+              </a:lnRef>
+              <a:fillRef idx="1">
+                <a:schemeClr val="accent1"/>
+              </a:fillRef>
+              <a:effectRef idx="0">
+                <a:schemeClr val="accent1"/>
+              </a:effectRef>
+              <a:fontRef idx="minor">
+                <a:schemeClr val="lt1"/>
+              </a:fontRef>
+            </p:style>
+            <p:txBody>
+              <a:bodyPr rtlCol="0" anchor="ctr"/>
+              <a:lstStyle/>
+              <a:p>
+                <a:pPr algn="ctr"/>
+                <a:endParaRPr lang="zh-CN" altLang="en-US"/>
+              </a:p>
+            </p:txBody>
+          </p:sp>
+          <p:sp>
+            <p:nvSpPr>
+              <p:cNvPr id="185" name="Rectangle 184">
+                <a:extLst>
+                  <a:ext uri="{FF2B5EF4-FFF2-40B4-BE49-F238E27FC236}">
+                    <a16:creationId xmlns:a16="http://schemas.microsoft.com/office/drawing/2014/main" id="{4645B128-8921-D91D-FD67-59EA3261943F}"/>
+                  </a:ext>
+                </a:extLst>
+              </p:cNvPr>
+              <p:cNvSpPr/>
+              <p:nvPr/>
+            </p:nvSpPr>
+            <p:spPr>
+              <a:xfrm>
+                <a:off x="8010395" y="3553477"/>
+                <a:ext cx="346553" cy="225283"/>
+              </a:xfrm>
+              <a:prstGeom prst="rect">
+                <a:avLst/>
+              </a:prstGeom>
+              <a:solidFill>
+                <a:schemeClr val="bg1"/>
+              </a:solidFill>
+              <a:ln>
+                <a:solidFill>
+                  <a:schemeClr val="tx1"/>
+                </a:solidFill>
+              </a:ln>
+            </p:spPr>
+            <p:style>
+              <a:lnRef idx="2">
+                <a:schemeClr val="accent1">
+                  <a:shade val="50000"/>
+                </a:schemeClr>
+              </a:lnRef>
+              <a:fillRef idx="1">
+                <a:schemeClr val="accent1"/>
+              </a:fillRef>
+              <a:effectRef idx="0">
+                <a:schemeClr val="accent1"/>
+              </a:effectRef>
+              <a:fontRef idx="minor">
+                <a:schemeClr val="lt1"/>
+              </a:fontRef>
+            </p:style>
+            <p:txBody>
+              <a:bodyPr rtlCol="0" anchor="ctr"/>
+              <a:lstStyle/>
+              <a:p>
+                <a:pPr algn="ctr"/>
+                <a:endParaRPr lang="zh-CN" altLang="en-US"/>
+              </a:p>
+            </p:txBody>
+          </p:sp>
+        </p:grpSp>
+      </p:grpSp>
+      <p:sp>
+        <p:nvSpPr>
+          <p:cNvPr id="7" name="Rectangle 6">
+            <a:extLst>
+              <a:ext uri="{FF2B5EF4-FFF2-40B4-BE49-F238E27FC236}">
+                <a16:creationId xmlns:a16="http://schemas.microsoft.com/office/drawing/2014/main" id="{B1E14B97-8F96-9BC0-F596-03C87EAFCA63}"/>
+              </a:ext>
+            </a:extLst>
+          </p:cNvPr>
+          <p:cNvSpPr/>
+          <p:nvPr/>
+        </p:nvSpPr>
+        <p:spPr>
+          <a:xfrm>
+            <a:off x="5892739" y="2506991"/>
+            <a:ext cx="156142" cy="2510158"/>
+          </a:xfrm>
+          <a:prstGeom prst="rect">
+            <a:avLst/>
+          </a:prstGeom>
+          <a:solidFill>
+            <a:schemeClr val="bg2">
+              <a:lumMod val="50000"/>
+            </a:schemeClr>
+          </a:solidFill>
+        </p:spPr>
+        <p:style>
+          <a:lnRef idx="2">
+            <a:schemeClr val="accent1">
+              <a:shade val="50000"/>
+            </a:schemeClr>
+          </a:lnRef>
+          <a:fillRef idx="1">
+            <a:schemeClr val="accent1"/>
+          </a:fillRef>
+          <a:effectRef idx="0">
+            <a:schemeClr val="accent1"/>
+          </a:effectRef>
+          <a:fontRef idx="minor">
+            <a:schemeClr val="lt1"/>
+          </a:fontRef>
+        </p:style>
+        <p:txBody>
+          <a:bodyPr rtlCol="0" anchor="ctr"/>
+          <a:lstStyle/>
+          <a:p>
+            <a:pPr algn="ctr"/>
+            <a:endParaRPr lang="zh-CN" altLang="en-US"/>
+          </a:p>
+        </p:txBody>
+      </p:sp>
+      <p:sp>
+        <p:nvSpPr>
+          <p:cNvPr id="8" name="Rectangle 7">
+            <a:extLst>
+              <a:ext uri="{FF2B5EF4-FFF2-40B4-BE49-F238E27FC236}">
+                <a16:creationId xmlns:a16="http://schemas.microsoft.com/office/drawing/2014/main" id="{B6B72DE6-6EEC-869E-EB1E-71AED522CF53}"/>
+              </a:ext>
+            </a:extLst>
+          </p:cNvPr>
+          <p:cNvSpPr/>
+          <p:nvPr/>
+        </p:nvSpPr>
+        <p:spPr>
+          <a:xfrm>
+            <a:off x="8570032" y="2510809"/>
+            <a:ext cx="156142" cy="2510158"/>
+          </a:xfrm>
+          <a:prstGeom prst="rect">
+            <a:avLst/>
+          </a:prstGeom>
+          <a:solidFill>
+            <a:schemeClr val="bg2">
+              <a:lumMod val="50000"/>
+            </a:schemeClr>
+          </a:solidFill>
+        </p:spPr>
+        <p:style>
+          <a:lnRef idx="2">
+            <a:schemeClr val="accent1">
+              <a:shade val="50000"/>
+            </a:schemeClr>
+          </a:lnRef>
+          <a:fillRef idx="1">
+            <a:schemeClr val="accent1"/>
+          </a:fillRef>
+          <a:effectRef idx="0">
+            <a:schemeClr val="accent1"/>
+          </a:effectRef>
+          <a:fontRef idx="minor">
+            <a:schemeClr val="lt1"/>
+          </a:fontRef>
+        </p:style>
+        <p:txBody>
+          <a:bodyPr rtlCol="0" anchor="ctr"/>
+          <a:lstStyle/>
+          <a:p>
+            <a:pPr algn="ctr"/>
+            <a:endParaRPr lang="zh-CN" altLang="en-US"/>
+          </a:p>
+        </p:txBody>
+      </p:sp>
+      <p:sp>
+        <p:nvSpPr>
+          <p:cNvPr id="17" name="TextBox 16">
+            <a:extLst>
+              <a:ext uri="{FF2B5EF4-FFF2-40B4-BE49-F238E27FC236}">
+                <a16:creationId xmlns:a16="http://schemas.microsoft.com/office/drawing/2014/main" id="{D7D752BE-953C-FEFE-0C73-5AEA3CD36FAA}"/>
+              </a:ext>
+            </a:extLst>
+          </p:cNvPr>
+          <p:cNvSpPr txBox="1"/>
+          <p:nvPr/>
+        </p:nvSpPr>
+        <p:spPr>
+          <a:xfrm>
+            <a:off x="8010395" y="4924042"/>
+            <a:ext cx="844791" cy="338554"/>
+          </a:xfrm>
+          <a:prstGeom prst="rect">
+            <a:avLst/>
+          </a:prstGeom>
+        </p:spPr>
+        <p:style>
+          <a:lnRef idx="2">
+            <a:schemeClr val="accent1">
+              <a:shade val="50000"/>
+            </a:schemeClr>
+          </a:lnRef>
+          <a:fillRef idx="1">
+            <a:schemeClr val="accent1"/>
+          </a:fillRef>
+          <a:effectRef idx="0">
+            <a:schemeClr val="accent1"/>
+          </a:effectRef>
+          <a:fontRef idx="minor">
+            <a:schemeClr val="lt1"/>
+          </a:fontRef>
+        </p:style>
+        <p:txBody>
+          <a:bodyPr wrap="square" rtlCol="0">
+            <a:spAutoFit/>
+          </a:bodyPr>
+          <a:lstStyle/>
+          <a:p>
+            <a:r>
+              <a:rPr lang="zh-CN" altLang="en-US" sz="1600" dirty="0"/>
+              <a:t>下一步</a:t>
+            </a:r>
+          </a:p>
+        </p:txBody>
+      </p:sp>
+      <p:sp>
+        <p:nvSpPr>
+          <p:cNvPr id="9" name="TextBox 8">
+            <a:extLst>
+              <a:ext uri="{FF2B5EF4-FFF2-40B4-BE49-F238E27FC236}">
+                <a16:creationId xmlns:a16="http://schemas.microsoft.com/office/drawing/2014/main" id="{CF976577-FD2D-1250-26A7-5F8AC16E9837}"/>
+              </a:ext>
+            </a:extLst>
+          </p:cNvPr>
+          <p:cNvSpPr txBox="1"/>
+          <p:nvPr/>
+        </p:nvSpPr>
+        <p:spPr>
+          <a:xfrm>
+            <a:off x="3346770" y="1471554"/>
+            <a:ext cx="649033" cy="338554"/>
+          </a:xfrm>
+          <a:prstGeom prst="rect">
+            <a:avLst/>
+          </a:prstGeom>
+        </p:spPr>
+        <p:style>
+          <a:lnRef idx="2">
+            <a:schemeClr val="accent1">
+              <a:shade val="50000"/>
+            </a:schemeClr>
+          </a:lnRef>
+          <a:fillRef idx="1">
+            <a:schemeClr val="accent1"/>
+          </a:fillRef>
+          <a:effectRef idx="0">
+            <a:schemeClr val="accent1"/>
+          </a:effectRef>
+          <a:fontRef idx="minor">
+            <a:schemeClr val="lt1"/>
+          </a:fontRef>
+        </p:style>
+        <p:txBody>
+          <a:bodyPr wrap="square" rtlCol="0">
+            <a:spAutoFit/>
+          </a:bodyPr>
+          <a:lstStyle/>
+          <a:p>
+            <a:r>
+              <a:rPr lang="zh-CN" altLang="en-US" sz="1600" dirty="0"/>
+              <a:t>退出</a:t>
+            </a:r>
+          </a:p>
+        </p:txBody>
+      </p:sp>
+      <p:sp>
+        <p:nvSpPr>
+          <p:cNvPr id="10" name="TextBox 9">
+            <a:extLst>
+              <a:ext uri="{FF2B5EF4-FFF2-40B4-BE49-F238E27FC236}">
+                <a16:creationId xmlns:a16="http://schemas.microsoft.com/office/drawing/2014/main" id="{12EFF16C-E2A8-FA46-3550-41BD07CD246C}"/>
+              </a:ext>
+            </a:extLst>
+          </p:cNvPr>
+          <p:cNvSpPr txBox="1"/>
+          <p:nvPr/>
+        </p:nvSpPr>
+        <p:spPr>
+          <a:xfrm>
+            <a:off x="4076581" y="2180492"/>
+            <a:ext cx="1620834" cy="338554"/>
+          </a:xfrm>
+          <a:prstGeom prst="rect">
+            <a:avLst/>
+          </a:prstGeom>
+          <a:solidFill>
+            <a:schemeClr val="accent6"/>
+          </a:solidFill>
+        </p:spPr>
+        <p:txBody>
+          <a:bodyPr wrap="square" rtlCol="0">
+            <a:spAutoFit/>
+          </a:bodyPr>
+          <a:lstStyle/>
+          <a:p>
+            <a:r>
+              <a:rPr lang="zh-CN" altLang="en-US" sz="1600" dirty="0"/>
+              <a:t>在库：</a:t>
+            </a:r>
+            <a:r>
+              <a:rPr lang="en-US" altLang="zh-CN" sz="1600" dirty="0"/>
+              <a:t>XX </a:t>
+            </a:r>
+            <a:r>
+              <a:rPr lang="zh-CN" altLang="en-US" sz="1600" dirty="0"/>
+              <a:t>公斤</a:t>
+            </a:r>
+            <a:endParaRPr lang="en-US" altLang="zh-CN" sz="1600" dirty="0"/>
+          </a:p>
+        </p:txBody>
+      </p:sp>
+      <p:sp>
+        <p:nvSpPr>
+          <p:cNvPr id="11" name="TextBox 10">
+            <a:extLst>
+              <a:ext uri="{FF2B5EF4-FFF2-40B4-BE49-F238E27FC236}">
+                <a16:creationId xmlns:a16="http://schemas.microsoft.com/office/drawing/2014/main" id="{657F301C-35BD-341D-0CD6-E7EFF745B94C}"/>
+              </a:ext>
+            </a:extLst>
+          </p:cNvPr>
+          <p:cNvSpPr txBox="1"/>
+          <p:nvPr/>
+        </p:nvSpPr>
+        <p:spPr>
+          <a:xfrm>
+            <a:off x="5519773" y="2649986"/>
+            <a:ext cx="661001" cy="369332"/>
+          </a:xfrm>
+          <a:prstGeom prst="rect">
+            <a:avLst/>
+          </a:prstGeom>
+          <a:solidFill>
+            <a:schemeClr val="tx1"/>
+          </a:solidFill>
+        </p:spPr>
+        <p:txBody>
+          <a:bodyPr wrap="square" rtlCol="0">
+            <a:spAutoFit/>
+          </a:bodyPr>
+          <a:lstStyle/>
+          <a:p>
+            <a:r>
+              <a:rPr lang="zh-CN" altLang="en-US" dirty="0">
+                <a:solidFill>
+                  <a:schemeClr val="bg1"/>
+                </a:solidFill>
+              </a:rPr>
+              <a:t>出库</a:t>
+            </a:r>
+          </a:p>
+        </p:txBody>
+      </p:sp>
+      <p:sp>
+        <p:nvSpPr>
+          <p:cNvPr id="12" name="TextBox 11">
+            <a:extLst>
+              <a:ext uri="{FF2B5EF4-FFF2-40B4-BE49-F238E27FC236}">
+                <a16:creationId xmlns:a16="http://schemas.microsoft.com/office/drawing/2014/main" id="{2871F109-552A-EA93-EAAF-1BD19CF8A072}"/>
+              </a:ext>
+            </a:extLst>
+          </p:cNvPr>
+          <p:cNvSpPr txBox="1"/>
+          <p:nvPr/>
+        </p:nvSpPr>
+        <p:spPr>
+          <a:xfrm>
+            <a:off x="3597490" y="2645403"/>
+            <a:ext cx="1868750" cy="369332"/>
+          </a:xfrm>
+          <a:prstGeom prst="rect">
+            <a:avLst/>
+          </a:prstGeom>
+          <a:noFill/>
+        </p:spPr>
+        <p:txBody>
+          <a:bodyPr wrap="square" rtlCol="0">
+            <a:spAutoFit/>
+          </a:bodyPr>
+          <a:lstStyle/>
+          <a:p>
+            <a:r>
+              <a:rPr lang="zh-CN" altLang="en-US" dirty="0"/>
+              <a:t>输入出库量：</a:t>
+            </a:r>
+            <a:r>
+              <a:rPr lang="en-US" altLang="zh-CN" dirty="0"/>
+              <a:t>XX</a:t>
+            </a:r>
+            <a:endParaRPr lang="zh-CN" altLang="en-US" dirty="0"/>
+          </a:p>
+        </p:txBody>
+      </p:sp>
+      <p:sp>
+        <p:nvSpPr>
+          <p:cNvPr id="15" name="Rectangle 14">
+            <a:extLst>
+              <a:ext uri="{FF2B5EF4-FFF2-40B4-BE49-F238E27FC236}">
+                <a16:creationId xmlns:a16="http://schemas.microsoft.com/office/drawing/2014/main" id="{A292F29F-C969-6C09-DF31-750CBF8F9654}"/>
+              </a:ext>
+            </a:extLst>
+          </p:cNvPr>
+          <p:cNvSpPr/>
+          <p:nvPr/>
+        </p:nvSpPr>
+        <p:spPr>
+          <a:xfrm>
+            <a:off x="3472162" y="2085098"/>
+            <a:ext cx="2856599" cy="991453"/>
+          </a:xfrm>
+          <a:prstGeom prst="rect">
+            <a:avLst/>
+          </a:prstGeom>
+          <a:noFill/>
+        </p:spPr>
+        <p:style>
+          <a:lnRef idx="2">
+            <a:schemeClr val="accent1"/>
+          </a:lnRef>
+          <a:fillRef idx="1">
+            <a:schemeClr val="lt1"/>
+          </a:fillRef>
+          <a:effectRef idx="0">
+            <a:schemeClr val="accent1"/>
+          </a:effectRef>
+          <a:fontRef idx="minor">
+            <a:schemeClr val="dk1"/>
+          </a:fontRef>
+        </p:style>
+        <p:txBody>
+          <a:bodyPr rtlCol="0" anchor="ctr"/>
+          <a:lstStyle/>
+          <a:p>
+            <a:pPr algn="ctr"/>
+            <a:endParaRPr lang="zh-CN" altLang="en-US"/>
+          </a:p>
+        </p:txBody>
+      </p:sp>
+      <p:sp>
+        <p:nvSpPr>
+          <p:cNvPr id="2" name="Isosceles Triangle 1">
+            <a:extLst>
+              <a:ext uri="{FF2B5EF4-FFF2-40B4-BE49-F238E27FC236}">
+                <a16:creationId xmlns:a16="http://schemas.microsoft.com/office/drawing/2014/main" id="{6E4B46AA-7D48-E114-0E89-F901D2CAA86F}"/>
+              </a:ext>
+            </a:extLst>
+          </p:cNvPr>
+          <p:cNvSpPr/>
+          <p:nvPr/>
+        </p:nvSpPr>
+        <p:spPr>
+          <a:xfrm>
+            <a:off x="5744843" y="2273112"/>
+            <a:ext cx="3136059" cy="238717"/>
+          </a:xfrm>
+          <a:prstGeom prst="triangle">
+            <a:avLst/>
+          </a:prstGeom>
+        </p:spPr>
+        <p:style>
+          <a:lnRef idx="2">
+            <a:schemeClr val="accent1">
+              <a:shade val="50000"/>
+            </a:schemeClr>
+          </a:lnRef>
+          <a:fillRef idx="1">
+            <a:schemeClr val="accent1"/>
+          </a:fillRef>
+          <a:effectRef idx="0">
+            <a:schemeClr val="accent1"/>
+          </a:effectRef>
+          <a:fontRef idx="minor">
+            <a:schemeClr val="lt1"/>
+          </a:fontRef>
+        </p:style>
+        <p:txBody>
+          <a:bodyPr rtlCol="0" anchor="ctr"/>
+          <a:lstStyle/>
+          <a:p>
+            <a:pPr algn="ctr"/>
+            <a:endParaRPr lang="zh-CN" altLang="en-US"/>
+          </a:p>
+        </p:txBody>
+      </p:sp>
+    </p:spTree>
+    <p:extLst>
+      <p:ext uri="{BB962C8B-B14F-4D97-AF65-F5344CB8AC3E}">
+        <p14:creationId xmlns:p14="http://schemas.microsoft.com/office/powerpoint/2010/main" val="4013073253"/>
+      </p:ext>
+    </p:extLst>
+  </p:cSld>
+  <p:clrMapOvr>
+    <a:masterClrMapping/>
+  </p:clrMapOvr>
+</p:sld>
+</file>
+
+<file path=ppt/slides/slide13.xml><?xml version="1.0" encoding="utf-8"?>
 <p:sld xmlns:a="http://schemas.openxmlformats.org/drawingml/2006/main" xmlns:r="http://schemas.openxmlformats.org/officeDocument/2006/relationships" xmlns:p="http://schemas.openxmlformats.org/presentationml/2006/main">
   <p:cSld>
     <p:spTree>
